--- a/Customer Segmentation for te walmart PPT.pptx
+++ b/Customer Segmentation for te walmart PPT.pptx
@@ -5,29 +5,32 @@
     <p:sldMasterId id="2147483648" r:id="rId1"/>
   </p:sldMasterIdLst>
   <p:notesMasterIdLst>
-    <p:notesMasterId r:id="rId22"/>
+    <p:notesMasterId r:id="rId25"/>
   </p:notesMasterIdLst>
   <p:sldIdLst>
     <p:sldId id="274" r:id="rId2"/>
     <p:sldId id="272" r:id="rId3"/>
     <p:sldId id="273" r:id="rId4"/>
     <p:sldId id="256" r:id="rId5"/>
-    <p:sldId id="257" r:id="rId6"/>
-    <p:sldId id="258" r:id="rId7"/>
-    <p:sldId id="259" r:id="rId8"/>
-    <p:sldId id="260" r:id="rId9"/>
-    <p:sldId id="261" r:id="rId10"/>
-    <p:sldId id="262" r:id="rId11"/>
-    <p:sldId id="263" r:id="rId12"/>
-    <p:sldId id="264" r:id="rId13"/>
-    <p:sldId id="265" r:id="rId14"/>
-    <p:sldId id="266" r:id="rId15"/>
-    <p:sldId id="267" r:id="rId16"/>
-    <p:sldId id="268" r:id="rId17"/>
-    <p:sldId id="269" r:id="rId18"/>
-    <p:sldId id="270" r:id="rId19"/>
-    <p:sldId id="271" r:id="rId20"/>
-    <p:sldId id="275" r:id="rId21"/>
+    <p:sldId id="276" r:id="rId6"/>
+    <p:sldId id="257" r:id="rId7"/>
+    <p:sldId id="258" r:id="rId8"/>
+    <p:sldId id="259" r:id="rId9"/>
+    <p:sldId id="260" r:id="rId10"/>
+    <p:sldId id="261" r:id="rId11"/>
+    <p:sldId id="262" r:id="rId12"/>
+    <p:sldId id="263" r:id="rId13"/>
+    <p:sldId id="277" r:id="rId14"/>
+    <p:sldId id="264" r:id="rId15"/>
+    <p:sldId id="265" r:id="rId16"/>
+    <p:sldId id="266" r:id="rId17"/>
+    <p:sldId id="267" r:id="rId18"/>
+    <p:sldId id="268" r:id="rId19"/>
+    <p:sldId id="278" r:id="rId20"/>
+    <p:sldId id="269" r:id="rId21"/>
+    <p:sldId id="270" r:id="rId22"/>
+    <p:sldId id="271" r:id="rId23"/>
+    <p:sldId id="275" r:id="rId24"/>
   </p:sldIdLst>
   <p:sldSz cx="12192000" cy="6858000"/>
   <p:notesSz cx="6858000" cy="9144000"/>
@@ -272,7 +275,7 @@
           <a:p>
             <a:fld id="{E8A55064-8730-4A3D-8811-A16E34A77818}" type="datetimeFigureOut">
               <a:rPr lang="en-US" smtClean="0"/>
-              <a:t>9/16/2024</a:t>
+              <a:t>9/24/2024</a:t>
             </a:fld>
             <a:endParaRPr lang="en-US"/>
           </a:p>
@@ -686,7 +689,7 @@
           <a:p>
             <a:fld id="{6E9A965F-410F-471A-8CEE-A23E3724D931}" type="datetime1">
               <a:rPr lang="en-US" smtClean="0"/>
-              <a:t>9/16/2024</a:t>
+              <a:t>9/24/2024</a:t>
             </a:fld>
             <a:endParaRPr lang="en-US"/>
           </a:p>
@@ -887,7 +890,7 @@
           <a:p>
             <a:fld id="{AEC7EC5B-25BE-4EC8-9428-9D882494FC44}" type="datetime1">
               <a:rPr lang="en-US" smtClean="0"/>
-              <a:t>9/16/2024</a:t>
+              <a:t>9/24/2024</a:t>
             </a:fld>
             <a:endParaRPr lang="en-US"/>
           </a:p>
@@ -1098,7 +1101,7 @@
           <a:p>
             <a:fld id="{FFC3310E-42E8-4784-9308-8473DD885CEA}" type="datetime1">
               <a:rPr lang="en-US" smtClean="0"/>
-              <a:t>9/16/2024</a:t>
+              <a:t>9/24/2024</a:t>
             </a:fld>
             <a:endParaRPr lang="en-US"/>
           </a:p>
@@ -1299,7 +1302,7 @@
           <a:p>
             <a:fld id="{36BCBAD7-7B24-4FEE-A342-CE2C0642A256}" type="datetime1">
               <a:rPr lang="en-US" smtClean="0"/>
-              <a:t>9/16/2024</a:t>
+              <a:t>9/24/2024</a:t>
             </a:fld>
             <a:endParaRPr lang="en-US"/>
           </a:p>
@@ -1577,7 +1580,7 @@
           <a:p>
             <a:fld id="{BE924456-7E7A-4DE5-A81A-D7B2C5A400C9}" type="datetime1">
               <a:rPr lang="en-US" smtClean="0"/>
-              <a:t>9/16/2024</a:t>
+              <a:t>9/24/2024</a:t>
             </a:fld>
             <a:endParaRPr lang="en-US"/>
           </a:p>
@@ -1845,7 +1848,7 @@
           <a:p>
             <a:fld id="{8C202580-B93B-41EE-81FA-18C279F65565}" type="datetime1">
               <a:rPr lang="en-US" smtClean="0"/>
-              <a:t>9/16/2024</a:t>
+              <a:t>9/24/2024</a:t>
             </a:fld>
             <a:endParaRPr lang="en-US"/>
           </a:p>
@@ -2260,7 +2263,7 @@
           <a:p>
             <a:fld id="{586BFD43-0F5A-4215-A68A-9D6E6728BA67}" type="datetime1">
               <a:rPr lang="en-US" smtClean="0"/>
-              <a:t>9/16/2024</a:t>
+              <a:t>9/24/2024</a:t>
             </a:fld>
             <a:endParaRPr lang="en-US"/>
           </a:p>
@@ -2404,7 +2407,7 @@
           <a:p>
             <a:fld id="{2B6E0D8B-4D57-4CC0-B572-819352B258B8}" type="datetime1">
               <a:rPr lang="en-US" smtClean="0"/>
-              <a:t>9/16/2024</a:t>
+              <a:t>9/24/2024</a:t>
             </a:fld>
             <a:endParaRPr lang="en-US"/>
           </a:p>
@@ -2520,7 +2523,7 @@
           <a:p>
             <a:fld id="{28ADE8E3-2C15-473F-9E15-0E45B8A54C8A}" type="datetime1">
               <a:rPr lang="en-US" smtClean="0"/>
-              <a:t>9/16/2024</a:t>
+              <a:t>9/24/2024</a:t>
             </a:fld>
             <a:endParaRPr lang="en-US"/>
           </a:p>
@@ -2834,7 +2837,7 @@
           <a:p>
             <a:fld id="{11FCA070-441E-4AEE-A7D6-1CDA8C644970}" type="datetime1">
               <a:rPr lang="en-US" smtClean="0"/>
-              <a:t>9/16/2024</a:t>
+              <a:t>9/24/2024</a:t>
             </a:fld>
             <a:endParaRPr lang="en-US"/>
           </a:p>
@@ -3125,7 +3128,7 @@
           <a:p>
             <a:fld id="{51D68B76-D56C-4053-B023-CDEB6F6FBD5C}" type="datetime1">
               <a:rPr lang="en-US" smtClean="0"/>
-              <a:t>9/16/2024</a:t>
+              <a:t>9/24/2024</a:t>
             </a:fld>
             <a:endParaRPr lang="en-US"/>
           </a:p>
@@ -3369,7 +3372,7 @@
           <a:p>
             <a:fld id="{EF4A8A7A-DCFE-445D-B0A7-6146EFCAFE57}" type="datetime1">
               <a:rPr lang="en-US" smtClean="0"/>
-              <a:t>9/16/2024</a:t>
+              <a:t>9/24/2024</a:t>
             </a:fld>
             <a:endParaRPr lang="en-US"/>
           </a:p>
@@ -4347,6 +4350,1881 @@
           <a:chExt cx="0" cy="0"/>
         </a:xfrm>
       </p:grpSpPr>
+      <p:sp>
+        <p:nvSpPr>
+          <p:cNvPr id="3" name="TextBox 2">
+            <a:extLst>
+              <a:ext uri="{FF2B5EF4-FFF2-40B4-BE49-F238E27FC236}">
+                <a16:creationId xmlns:a16="http://schemas.microsoft.com/office/drawing/2014/main" id="{501ADBA1-FE43-3377-F53B-1548A1BD4608}"/>
+              </a:ext>
+            </a:extLst>
+          </p:cNvPr>
+          <p:cNvSpPr txBox="1"/>
+          <p:nvPr/>
+        </p:nvSpPr>
+        <p:spPr>
+          <a:xfrm>
+            <a:off x="303551" y="152612"/>
+            <a:ext cx="6093500" cy="369332"/>
+          </a:xfrm>
+          <a:prstGeom prst="rect">
+            <a:avLst/>
+          </a:prstGeom>
+          <a:noFill/>
+        </p:spPr>
+        <p:txBody>
+          <a:bodyPr wrap="square">
+            <a:spAutoFit/>
+          </a:bodyPr>
+          <a:lstStyle/>
+          <a:p>
+            <a:r>
+              <a:rPr lang="en-US" b="1" i="0" dirty="0">
+                <a:solidFill>
+                  <a:srgbClr val="252423"/>
+                </a:solidFill>
+                <a:effectLst/>
+                <a:latin typeface="Segoe UI" panose="020B0502040204020203" pitchFamily="34" charset="0"/>
+              </a:rPr>
+              <a:t>Q5. What month had largest COGS ?</a:t>
+            </a:r>
+            <a:endParaRPr lang="en-US" b="1" dirty="0"/>
+          </a:p>
+        </p:txBody>
+      </p:sp>
+      <p:pic>
+        <p:nvPicPr>
+          <p:cNvPr id="5" name="Picture 4">
+            <a:extLst>
+              <a:ext uri="{FF2B5EF4-FFF2-40B4-BE49-F238E27FC236}">
+                <a16:creationId xmlns:a16="http://schemas.microsoft.com/office/drawing/2014/main" id="{5D1C207A-29B7-791C-2011-281993C7257D}"/>
+              </a:ext>
+            </a:extLst>
+          </p:cNvPr>
+          <p:cNvPicPr>
+            <a:picLocks noChangeAspect="1"/>
+          </p:cNvPicPr>
+          <p:nvPr/>
+        </p:nvPicPr>
+        <p:blipFill>
+          <a:blip r:embed="rId2">
+            <a:extLst>
+              <a:ext uri="{28A0092B-C50C-407E-A947-70E740481C1C}">
+                <a14:useLocalDpi xmlns:a14="http://schemas.microsoft.com/office/drawing/2010/main" val="0"/>
+              </a:ext>
+            </a:extLst>
+          </a:blip>
+          <a:stretch>
+            <a:fillRect/>
+          </a:stretch>
+        </p:blipFill>
+        <p:spPr>
+          <a:xfrm>
+            <a:off x="7609427" y="201478"/>
+            <a:ext cx="4524263" cy="2040033"/>
+          </a:xfrm>
+          <a:prstGeom prst="rect">
+            <a:avLst/>
+          </a:prstGeom>
+        </p:spPr>
+      </p:pic>
+      <p:sp>
+        <p:nvSpPr>
+          <p:cNvPr id="7" name="TextBox 6">
+            <a:extLst>
+              <a:ext uri="{FF2B5EF4-FFF2-40B4-BE49-F238E27FC236}">
+                <a16:creationId xmlns:a16="http://schemas.microsoft.com/office/drawing/2014/main" id="{E3BE5A3F-5DFD-5DE1-6522-5A961ACCBE59}"/>
+              </a:ext>
+            </a:extLst>
+          </p:cNvPr>
+          <p:cNvSpPr txBox="1"/>
+          <p:nvPr/>
+        </p:nvSpPr>
+        <p:spPr>
+          <a:xfrm>
+            <a:off x="8199620" y="337278"/>
+            <a:ext cx="1873770" cy="369332"/>
+          </a:xfrm>
+          <a:prstGeom prst="rect">
+            <a:avLst/>
+          </a:prstGeom>
+          <a:noFill/>
+        </p:spPr>
+        <p:txBody>
+          <a:bodyPr wrap="square" rtlCol="0">
+            <a:spAutoFit/>
+          </a:bodyPr>
+          <a:lstStyle/>
+          <a:p>
+            <a:r>
+              <a:rPr lang="en-US" b="1" dirty="0">
+                <a:solidFill>
+                  <a:schemeClr val="bg1"/>
+                </a:solidFill>
+              </a:rPr>
+              <a:t>January</a:t>
+            </a:r>
+          </a:p>
+        </p:txBody>
+      </p:sp>
+      <p:sp>
+        <p:nvSpPr>
+          <p:cNvPr id="8" name="TextBox 7">
+            <a:extLst>
+              <a:ext uri="{FF2B5EF4-FFF2-40B4-BE49-F238E27FC236}">
+                <a16:creationId xmlns:a16="http://schemas.microsoft.com/office/drawing/2014/main" id="{39FBE39C-46E1-7FDC-EE5B-AB9F59996FFB}"/>
+              </a:ext>
+            </a:extLst>
+          </p:cNvPr>
+          <p:cNvSpPr txBox="1"/>
+          <p:nvPr/>
+        </p:nvSpPr>
+        <p:spPr>
+          <a:xfrm>
+            <a:off x="8199620" y="1054818"/>
+            <a:ext cx="798552" cy="369332"/>
+          </a:xfrm>
+          <a:prstGeom prst="rect">
+            <a:avLst/>
+          </a:prstGeom>
+          <a:noFill/>
+        </p:spPr>
+        <p:txBody>
+          <a:bodyPr wrap="none" rtlCol="0">
+            <a:spAutoFit/>
+          </a:bodyPr>
+          <a:lstStyle/>
+          <a:p>
+            <a:r>
+              <a:rPr lang="en-US" b="1" dirty="0">
+                <a:solidFill>
+                  <a:schemeClr val="bg1"/>
+                </a:solidFill>
+              </a:rPr>
+              <a:t>March</a:t>
+            </a:r>
+          </a:p>
+        </p:txBody>
+      </p:sp>
+      <p:sp>
+        <p:nvSpPr>
+          <p:cNvPr id="9" name="TextBox 8">
+            <a:extLst>
+              <a:ext uri="{FF2B5EF4-FFF2-40B4-BE49-F238E27FC236}">
+                <a16:creationId xmlns:a16="http://schemas.microsoft.com/office/drawing/2014/main" id="{41E67C1B-4E0D-5B2B-C234-EE11B57256DD}"/>
+              </a:ext>
+            </a:extLst>
+          </p:cNvPr>
+          <p:cNvSpPr txBox="1"/>
+          <p:nvPr/>
+        </p:nvSpPr>
+        <p:spPr>
+          <a:xfrm>
+            <a:off x="7966030" y="1646972"/>
+            <a:ext cx="1036694" cy="369332"/>
+          </a:xfrm>
+          <a:prstGeom prst="rect">
+            <a:avLst/>
+          </a:prstGeom>
+          <a:noFill/>
+        </p:spPr>
+        <p:txBody>
+          <a:bodyPr wrap="none" rtlCol="0">
+            <a:spAutoFit/>
+          </a:bodyPr>
+          <a:lstStyle/>
+          <a:p>
+            <a:r>
+              <a:rPr lang="en-US" b="1" dirty="0">
+                <a:solidFill>
+                  <a:schemeClr val="bg1"/>
+                </a:solidFill>
+              </a:rPr>
+              <a:t>February</a:t>
+            </a:r>
+          </a:p>
+        </p:txBody>
+      </p:sp>
+      <p:graphicFrame>
+        <p:nvGraphicFramePr>
+          <p:cNvPr id="10" name="Table 9">
+            <a:extLst>
+              <a:ext uri="{FF2B5EF4-FFF2-40B4-BE49-F238E27FC236}">
+                <a16:creationId xmlns:a16="http://schemas.microsoft.com/office/drawing/2014/main" id="{5F0391B8-FC86-9027-B14D-9D77005E8F78}"/>
+              </a:ext>
+            </a:extLst>
+          </p:cNvPr>
+          <p:cNvGraphicFramePr>
+            <a:graphicFrameLocks noGrp="1"/>
+          </p:cNvGraphicFramePr>
+          <p:nvPr>
+            <p:extLst>
+              <p:ext uri="{D42A27DB-BD31-4B8C-83A1-F6EECF244321}">
+                <p14:modId xmlns:p14="http://schemas.microsoft.com/office/powerpoint/2010/main" val="4029947170"/>
+              </p:ext>
+            </p:extLst>
+          </p:nvPr>
+        </p:nvGraphicFramePr>
+        <p:xfrm>
+          <a:off x="356377" y="521944"/>
+          <a:ext cx="6898862" cy="640080"/>
+        </p:xfrm>
+        <a:graphic>
+          <a:graphicData uri="http://schemas.openxmlformats.org/drawingml/2006/table">
+            <a:tbl>
+              <a:tblPr firstRow="1" bandRow="1">
+                <a:tableStyleId>{5C22544A-7EE6-4342-B048-85BDC9FD1C3A}</a:tableStyleId>
+              </a:tblPr>
+              <a:tblGrid>
+                <a:gridCol w="6898862">
+                  <a:extLst>
+                    <a:ext uri="{9D8B030D-6E8A-4147-A177-3AD203B41FA5}">
+                      <a16:colId xmlns:a16="http://schemas.microsoft.com/office/drawing/2014/main" val="477450329"/>
+                    </a:ext>
+                  </a:extLst>
+                </a:gridCol>
+              </a:tblGrid>
+              <a:tr h="370840">
+                <a:tc>
+                  <a:txBody>
+                    <a:bodyPr/>
+                    <a:lstStyle/>
+                    <a:p>
+                      <a:r>
+                        <a:rPr lang="en-US" dirty="0">
+                          <a:solidFill>
+                            <a:schemeClr val="tx1"/>
+                          </a:solidFill>
+                        </a:rPr>
+                        <a:t>Ans :- </a:t>
+                      </a:r>
+                      <a:r>
+                        <a:rPr lang="en-US" b="0" dirty="0">
+                          <a:solidFill>
+                            <a:schemeClr val="accent5">
+                              <a:lumMod val="50000"/>
+                            </a:schemeClr>
+                          </a:solidFill>
+                        </a:rPr>
+                        <a:t>We conclude from the Bar chart COGS by Month name that January tops the list when it comes to generating cost of goods</a:t>
+                      </a:r>
+                    </a:p>
+                  </a:txBody>
+                  <a:tcPr>
+                    <a:noFill/>
+                  </a:tcPr>
+                </a:tc>
+                <a:extLst>
+                  <a:ext uri="{0D108BD9-81ED-4DB2-BD59-A6C34878D82A}">
+                    <a16:rowId xmlns:a16="http://schemas.microsoft.com/office/drawing/2014/main" val="4043177641"/>
+                  </a:ext>
+                </a:extLst>
+              </a:tr>
+            </a:tbl>
+          </a:graphicData>
+        </a:graphic>
+      </p:graphicFrame>
+      <p:sp>
+        <p:nvSpPr>
+          <p:cNvPr id="12" name="TextBox 11">
+            <a:extLst>
+              <a:ext uri="{FF2B5EF4-FFF2-40B4-BE49-F238E27FC236}">
+                <a16:creationId xmlns:a16="http://schemas.microsoft.com/office/drawing/2014/main" id="{50B113EB-CEB7-66A5-B3F0-A4F3A1AE0CDB}"/>
+              </a:ext>
+            </a:extLst>
+          </p:cNvPr>
+          <p:cNvSpPr txBox="1"/>
+          <p:nvPr/>
+        </p:nvSpPr>
+        <p:spPr>
+          <a:xfrm>
+            <a:off x="356377" y="1277640"/>
+            <a:ext cx="6093500" cy="369332"/>
+          </a:xfrm>
+          <a:prstGeom prst="rect">
+            <a:avLst/>
+          </a:prstGeom>
+          <a:noFill/>
+        </p:spPr>
+        <p:txBody>
+          <a:bodyPr wrap="square">
+            <a:spAutoFit/>
+          </a:bodyPr>
+          <a:lstStyle/>
+          <a:p>
+            <a:r>
+              <a:rPr lang="en-US" b="1" i="0" dirty="0">
+                <a:solidFill>
+                  <a:srgbClr val="252423"/>
+                </a:solidFill>
+                <a:effectLst/>
+                <a:latin typeface="Segoe UI" panose="020B0502040204020203" pitchFamily="34" charset="0"/>
+              </a:rPr>
+              <a:t>Q7. Which is the city with largest revenue?</a:t>
+            </a:r>
+            <a:endParaRPr lang="en-US" b="1" dirty="0"/>
+          </a:p>
+        </p:txBody>
+      </p:sp>
+      <p:pic>
+        <p:nvPicPr>
+          <p:cNvPr id="15" name="Picture 14">
+            <a:extLst>
+              <a:ext uri="{FF2B5EF4-FFF2-40B4-BE49-F238E27FC236}">
+                <a16:creationId xmlns:a16="http://schemas.microsoft.com/office/drawing/2014/main" id="{39AF0A3F-8AFD-D6BA-4501-5D964204557D}"/>
+              </a:ext>
+            </a:extLst>
+          </p:cNvPr>
+          <p:cNvPicPr>
+            <a:picLocks noChangeAspect="1"/>
+          </p:cNvPicPr>
+          <p:nvPr/>
+        </p:nvPicPr>
+        <p:blipFill>
+          <a:blip r:embed="rId3">
+            <a:extLst>
+              <a:ext uri="{28A0092B-C50C-407E-A947-70E740481C1C}">
+                <a14:useLocalDpi xmlns:a14="http://schemas.microsoft.com/office/drawing/2010/main" val="0"/>
+              </a:ext>
+            </a:extLst>
+          </a:blip>
+          <a:stretch>
+            <a:fillRect/>
+          </a:stretch>
+        </p:blipFill>
+        <p:spPr>
+          <a:xfrm>
+            <a:off x="7745455" y="2409653"/>
+            <a:ext cx="4252209" cy="2055142"/>
+          </a:xfrm>
+          <a:prstGeom prst="rect">
+            <a:avLst/>
+          </a:prstGeom>
+        </p:spPr>
+      </p:pic>
+      <p:pic>
+        <p:nvPicPr>
+          <p:cNvPr id="17" name="Picture 16">
+            <a:extLst>
+              <a:ext uri="{FF2B5EF4-FFF2-40B4-BE49-F238E27FC236}">
+                <a16:creationId xmlns:a16="http://schemas.microsoft.com/office/drawing/2014/main" id="{6438D5B4-812D-B15D-1181-17AFD17A603D}"/>
+              </a:ext>
+            </a:extLst>
+          </p:cNvPr>
+          <p:cNvPicPr>
+            <a:picLocks noChangeAspect="1"/>
+          </p:cNvPicPr>
+          <p:nvPr/>
+        </p:nvPicPr>
+        <p:blipFill>
+          <a:blip r:embed="rId4">
+            <a:extLst>
+              <a:ext uri="{28A0092B-C50C-407E-A947-70E740481C1C}">
+                <a14:useLocalDpi xmlns:a14="http://schemas.microsoft.com/office/drawing/2010/main" val="0"/>
+              </a:ext>
+            </a:extLst>
+          </a:blip>
+          <a:stretch>
+            <a:fillRect/>
+          </a:stretch>
+        </p:blipFill>
+        <p:spPr>
+          <a:xfrm>
+            <a:off x="303551" y="1762588"/>
+            <a:ext cx="7192274" cy="1850042"/>
+          </a:xfrm>
+          <a:prstGeom prst="rect">
+            <a:avLst/>
+          </a:prstGeom>
+        </p:spPr>
+      </p:pic>
+      <p:sp>
+        <p:nvSpPr>
+          <p:cNvPr id="21" name="TextBox 20">
+            <a:extLst>
+              <a:ext uri="{FF2B5EF4-FFF2-40B4-BE49-F238E27FC236}">
+                <a16:creationId xmlns:a16="http://schemas.microsoft.com/office/drawing/2014/main" id="{06779C23-61A8-28A9-FFF7-D8A4F3F810B9}"/>
+              </a:ext>
+            </a:extLst>
+          </p:cNvPr>
+          <p:cNvSpPr txBox="1"/>
+          <p:nvPr/>
+        </p:nvSpPr>
+        <p:spPr>
+          <a:xfrm>
+            <a:off x="303551" y="3728246"/>
+            <a:ext cx="7300394" cy="1477328"/>
+          </a:xfrm>
+          <a:prstGeom prst="rect">
+            <a:avLst/>
+          </a:prstGeom>
+          <a:noFill/>
+        </p:spPr>
+        <p:txBody>
+          <a:bodyPr wrap="square">
+            <a:spAutoFit/>
+          </a:bodyPr>
+          <a:lstStyle/>
+          <a:p>
+            <a:r>
+              <a:rPr lang="en-US" b="1" dirty="0">
+                <a:solidFill>
+                  <a:srgbClr val="252423"/>
+                </a:solidFill>
+                <a:latin typeface="Segoe UI" panose="020B0502040204020203" pitchFamily="34" charset="0"/>
+              </a:rPr>
+              <a:t>Ans</a:t>
+            </a:r>
+            <a:r>
+              <a:rPr lang="en-US" dirty="0">
+                <a:solidFill>
+                  <a:srgbClr val="252423"/>
+                </a:solidFill>
+                <a:latin typeface="Segoe UI" panose="020B0502040204020203" pitchFamily="34" charset="0"/>
+              </a:rPr>
+              <a:t>. </a:t>
+            </a:r>
+            <a:r>
+              <a:rPr lang="en-US" dirty="0">
+                <a:solidFill>
+                  <a:schemeClr val="accent5">
+                    <a:lumMod val="50000"/>
+                  </a:schemeClr>
+                </a:solidFill>
+              </a:rPr>
+              <a:t>After observing the pie chart for Qty, rev and ratings for product Line we can confirm that Yangon city tops in generating revenue than other cities with 34.41% share and 106.2k of revenue in total revenue generated by all the three cities and the detailed snap shot provides us with the breakdown of the revenue of Yangon city for different product lines .</a:t>
+            </a:r>
+          </a:p>
+        </p:txBody>
+      </p:sp>
+      <p:pic>
+        <p:nvPicPr>
+          <p:cNvPr id="23" name="Picture 22">
+            <a:extLst>
+              <a:ext uri="{FF2B5EF4-FFF2-40B4-BE49-F238E27FC236}">
+                <a16:creationId xmlns:a16="http://schemas.microsoft.com/office/drawing/2014/main" id="{6398ABEA-95EF-45F9-FFB1-613512DE74FE}"/>
+              </a:ext>
+            </a:extLst>
+          </p:cNvPr>
+          <p:cNvPicPr>
+            <a:picLocks noChangeAspect="1"/>
+          </p:cNvPicPr>
+          <p:nvPr/>
+        </p:nvPicPr>
+        <p:blipFill>
+          <a:blip r:embed="rId5">
+            <a:extLst>
+              <a:ext uri="{28A0092B-C50C-407E-A947-70E740481C1C}">
+                <a14:useLocalDpi xmlns:a14="http://schemas.microsoft.com/office/drawing/2010/main" val="0"/>
+              </a:ext>
+            </a:extLst>
+          </a:blip>
+          <a:stretch>
+            <a:fillRect/>
+          </a:stretch>
+        </p:blipFill>
+        <p:spPr>
+          <a:xfrm>
+            <a:off x="10739542" y="2638268"/>
+            <a:ext cx="1305257" cy="1673493"/>
+          </a:xfrm>
+          <a:prstGeom prst="rect">
+            <a:avLst/>
+          </a:prstGeom>
+        </p:spPr>
+      </p:pic>
+      <p:pic>
+        <p:nvPicPr>
+          <p:cNvPr id="25" name="Picture 24">
+            <a:extLst>
+              <a:ext uri="{FF2B5EF4-FFF2-40B4-BE49-F238E27FC236}">
+                <a16:creationId xmlns:a16="http://schemas.microsoft.com/office/drawing/2014/main" id="{9A317214-F00D-F10D-3958-8EC19E8AC9D6}"/>
+              </a:ext>
+            </a:extLst>
+          </p:cNvPr>
+          <p:cNvPicPr>
+            <a:picLocks noChangeAspect="1"/>
+          </p:cNvPicPr>
+          <p:nvPr/>
+        </p:nvPicPr>
+        <p:blipFill>
+          <a:blip r:embed="rId6">
+            <a:extLst>
+              <a:ext uri="{28A0092B-C50C-407E-A947-70E740481C1C}">
+                <a14:useLocalDpi xmlns:a14="http://schemas.microsoft.com/office/drawing/2010/main" val="0"/>
+              </a:ext>
+            </a:extLst>
+          </a:blip>
+          <a:stretch>
+            <a:fillRect/>
+          </a:stretch>
+        </p:blipFill>
+        <p:spPr>
+          <a:xfrm>
+            <a:off x="8098037" y="4464795"/>
+            <a:ext cx="4041137" cy="2208175"/>
+          </a:xfrm>
+          <a:prstGeom prst="rect">
+            <a:avLst/>
+          </a:prstGeom>
+        </p:spPr>
+      </p:pic>
+      <p:pic>
+        <p:nvPicPr>
+          <p:cNvPr id="27" name="Picture 26">
+            <a:extLst>
+              <a:ext uri="{FF2B5EF4-FFF2-40B4-BE49-F238E27FC236}">
+                <a16:creationId xmlns:a16="http://schemas.microsoft.com/office/drawing/2014/main" id="{73F3F8DD-5208-DA00-8D66-EC40F21A1048}"/>
+              </a:ext>
+            </a:extLst>
+          </p:cNvPr>
+          <p:cNvPicPr>
+            <a:picLocks noChangeAspect="1"/>
+          </p:cNvPicPr>
+          <p:nvPr/>
+        </p:nvPicPr>
+        <p:blipFill>
+          <a:blip r:embed="rId7">
+            <a:extLst>
+              <a:ext uri="{28A0092B-C50C-407E-A947-70E740481C1C}">
+                <a14:useLocalDpi xmlns:a14="http://schemas.microsoft.com/office/drawing/2010/main" val="0"/>
+              </a:ext>
+            </a:extLst>
+          </a:blip>
+          <a:stretch>
+            <a:fillRect/>
+          </a:stretch>
+        </p:blipFill>
+        <p:spPr>
+          <a:xfrm>
+            <a:off x="10958647" y="4743908"/>
+            <a:ext cx="1233353" cy="1776029"/>
+          </a:xfrm>
+          <a:prstGeom prst="rect">
+            <a:avLst/>
+          </a:prstGeom>
+        </p:spPr>
+      </p:pic>
+      <p:sp>
+        <p:nvSpPr>
+          <p:cNvPr id="31" name="TextBox 30">
+            <a:extLst>
+              <a:ext uri="{FF2B5EF4-FFF2-40B4-BE49-F238E27FC236}">
+                <a16:creationId xmlns:a16="http://schemas.microsoft.com/office/drawing/2014/main" id="{2608E21B-93EB-396B-AA84-27CED9ED663F}"/>
+              </a:ext>
+            </a:extLst>
+          </p:cNvPr>
+          <p:cNvSpPr txBox="1"/>
+          <p:nvPr/>
+        </p:nvSpPr>
+        <p:spPr>
+          <a:xfrm>
+            <a:off x="303551" y="5690522"/>
+            <a:ext cx="7662479" cy="923330"/>
+          </a:xfrm>
+          <a:prstGeom prst="rect">
+            <a:avLst/>
+          </a:prstGeom>
+          <a:noFill/>
+        </p:spPr>
+        <p:txBody>
+          <a:bodyPr wrap="square">
+            <a:spAutoFit/>
+          </a:bodyPr>
+          <a:lstStyle/>
+          <a:p>
+            <a:pPr algn="l"/>
+            <a:r>
+              <a:rPr lang="en-US" b="1" i="0" dirty="0">
+                <a:solidFill>
+                  <a:srgbClr val="252423"/>
+                </a:solidFill>
+                <a:effectLst/>
+                <a:latin typeface="Segoe UI" panose="020B0502040204020203" pitchFamily="34" charset="0"/>
+              </a:rPr>
+              <a:t>Ans</a:t>
+            </a:r>
+            <a:r>
+              <a:rPr lang="en-US" b="0" i="0" dirty="0">
+                <a:solidFill>
+                  <a:srgbClr val="252423"/>
+                </a:solidFill>
+                <a:effectLst/>
+                <a:latin typeface="Segoe UI" panose="020B0502040204020203" pitchFamily="34" charset="0"/>
+              </a:rPr>
+              <a:t>. </a:t>
+            </a:r>
+            <a:r>
+              <a:rPr lang="en-US" dirty="0">
+                <a:solidFill>
+                  <a:schemeClr val="accent5">
+                    <a:lumMod val="50000"/>
+                  </a:schemeClr>
+                </a:solidFill>
+              </a:rPr>
+              <a:t>Pie chart for Qty, Rev and ratings confirms us that branch A tops the rank in sales of the products  with 33.74 % product volume sold out of the total sales. And the sales by branch A sums to about 1859 qty.</a:t>
+            </a:r>
+          </a:p>
+        </p:txBody>
+      </p:sp>
+      <p:sp>
+        <p:nvSpPr>
+          <p:cNvPr id="33" name="TextBox 32">
+            <a:extLst>
+              <a:ext uri="{FF2B5EF4-FFF2-40B4-BE49-F238E27FC236}">
+                <a16:creationId xmlns:a16="http://schemas.microsoft.com/office/drawing/2014/main" id="{834F7D7A-E3FB-7D81-A55F-A05B7558EDC7}"/>
+              </a:ext>
+            </a:extLst>
+          </p:cNvPr>
+          <p:cNvSpPr txBox="1"/>
+          <p:nvPr/>
+        </p:nvSpPr>
+        <p:spPr>
+          <a:xfrm>
+            <a:off x="303551" y="5321190"/>
+            <a:ext cx="7662479" cy="369332"/>
+          </a:xfrm>
+          <a:prstGeom prst="rect">
+            <a:avLst/>
+          </a:prstGeom>
+          <a:noFill/>
+        </p:spPr>
+        <p:txBody>
+          <a:bodyPr wrap="square">
+            <a:spAutoFit/>
+          </a:bodyPr>
+          <a:lstStyle/>
+          <a:p>
+            <a:pPr algn="l"/>
+            <a:r>
+              <a:rPr lang="en-US" b="1" i="0" dirty="0">
+                <a:solidFill>
+                  <a:srgbClr val="252423"/>
+                </a:solidFill>
+                <a:effectLst/>
+                <a:latin typeface="Segoe UI" panose="020B0502040204020203" pitchFamily="34" charset="0"/>
+              </a:rPr>
+              <a:t>Q10.Which branch sold more products than average product sold? </a:t>
+            </a:r>
+          </a:p>
+        </p:txBody>
+      </p:sp>
+      <p:sp>
+        <p:nvSpPr>
+          <p:cNvPr id="4" name="Slide Number Placeholder 3">
+            <a:extLst>
+              <a:ext uri="{FF2B5EF4-FFF2-40B4-BE49-F238E27FC236}">
+                <a16:creationId xmlns:a16="http://schemas.microsoft.com/office/drawing/2014/main" id="{D0322DFD-3E0B-1396-B125-8EA3D852B40A}"/>
+              </a:ext>
+            </a:extLst>
+          </p:cNvPr>
+          <p:cNvSpPr>
+            <a:spLocks noGrp="1"/>
+          </p:cNvSpPr>
+          <p:nvPr>
+            <p:ph type="sldNum" sz="quarter" idx="12"/>
+          </p:nvPr>
+        </p:nvSpPr>
+        <p:spPr/>
+        <p:txBody>
+          <a:bodyPr/>
+          <a:lstStyle/>
+          <a:p>
+            <a:fld id="{5AECCE9C-A74C-48F0-A7FA-3F28FA7CDF62}" type="slidenum">
+              <a:rPr lang="en-US" smtClean="0"/>
+              <a:t>10</a:t>
+            </a:fld>
+            <a:endParaRPr lang="en-US"/>
+          </a:p>
+        </p:txBody>
+      </p:sp>
+      <p:sp>
+        <p:nvSpPr>
+          <p:cNvPr id="6" name="Footer Placeholder 5">
+            <a:extLst>
+              <a:ext uri="{FF2B5EF4-FFF2-40B4-BE49-F238E27FC236}">
+                <a16:creationId xmlns:a16="http://schemas.microsoft.com/office/drawing/2014/main" id="{08561EBB-9CB1-8C72-BE4E-0D7190A7E9DC}"/>
+              </a:ext>
+            </a:extLst>
+          </p:cNvPr>
+          <p:cNvSpPr>
+            <a:spLocks noGrp="1"/>
+          </p:cNvSpPr>
+          <p:nvPr>
+            <p:ph type="ftr" sz="quarter" idx="11"/>
+          </p:nvPr>
+        </p:nvSpPr>
+        <p:spPr/>
+        <p:txBody>
+          <a:bodyPr/>
+          <a:lstStyle/>
+          <a:p>
+            <a:r>
+              <a:rPr lang="en-US"/>
+              <a:t>Pg.No.</a:t>
+            </a:r>
+          </a:p>
+        </p:txBody>
+      </p:sp>
+    </p:spTree>
+    <p:extLst>
+      <p:ext uri="{BB962C8B-B14F-4D97-AF65-F5344CB8AC3E}">
+        <p14:creationId xmlns:p14="http://schemas.microsoft.com/office/powerpoint/2010/main" val="748272963"/>
+      </p:ext>
+    </p:extLst>
+  </p:cSld>
+  <p:clrMapOvr>
+    <a:masterClrMapping/>
+  </p:clrMapOvr>
+  <p:timing>
+    <p:tnLst>
+      <p:par>
+        <p:cTn id="1" dur="indefinite" restart="never" nodeType="tmRoot">
+          <p:childTnLst>
+            <p:seq concurrent="1" nextAc="seek">
+              <p:cTn id="2" dur="indefinite" nodeType="mainSeq">
+                <p:childTnLst>
+                  <p:par>
+                    <p:cTn id="3" fill="hold">
+                      <p:stCondLst>
+                        <p:cond delay="indefinite"/>
+                      </p:stCondLst>
+                      <p:childTnLst>
+                        <p:par>
+                          <p:cTn id="4" fill="hold">
+                            <p:stCondLst>
+                              <p:cond delay="0"/>
+                            </p:stCondLst>
+                            <p:childTnLst>
+                              <p:par>
+                                <p:cTn id="5" presetID="2" presetClass="entr" presetSubtype="4" fill="hold" grpId="0" nodeType="clickEffect">
+                                  <p:stCondLst>
+                                    <p:cond delay="0"/>
+                                  </p:stCondLst>
+                                  <p:childTnLst>
+                                    <p:set>
+                                      <p:cBhvr>
+                                        <p:cTn id="6" dur="1" fill="hold">
+                                          <p:stCondLst>
+                                            <p:cond delay="0"/>
+                                          </p:stCondLst>
+                                        </p:cTn>
+                                        <p:tgtEl>
+                                          <p:spTgt spid="3"/>
+                                        </p:tgtEl>
+                                        <p:attrNameLst>
+                                          <p:attrName>style.visibility</p:attrName>
+                                        </p:attrNameLst>
+                                      </p:cBhvr>
+                                      <p:to>
+                                        <p:strVal val="visible"/>
+                                      </p:to>
+                                    </p:set>
+                                    <p:anim calcmode="lin" valueType="num">
+                                      <p:cBhvr additive="base">
+                                        <p:cTn id="7" dur="500" fill="hold"/>
+                                        <p:tgtEl>
+                                          <p:spTgt spid="3"/>
+                                        </p:tgtEl>
+                                        <p:attrNameLst>
+                                          <p:attrName>ppt_x</p:attrName>
+                                        </p:attrNameLst>
+                                      </p:cBhvr>
+                                      <p:tavLst>
+                                        <p:tav tm="0">
+                                          <p:val>
+                                            <p:strVal val="#ppt_x"/>
+                                          </p:val>
+                                        </p:tav>
+                                        <p:tav tm="100000">
+                                          <p:val>
+                                            <p:strVal val="#ppt_x"/>
+                                          </p:val>
+                                        </p:tav>
+                                      </p:tavLst>
+                                    </p:anim>
+                                    <p:anim calcmode="lin" valueType="num">
+                                      <p:cBhvr additive="base">
+                                        <p:cTn id="8" dur="500" fill="hold"/>
+                                        <p:tgtEl>
+                                          <p:spTgt spid="3"/>
+                                        </p:tgtEl>
+                                        <p:attrNameLst>
+                                          <p:attrName>ppt_y</p:attrName>
+                                        </p:attrNameLst>
+                                      </p:cBhvr>
+                                      <p:tavLst>
+                                        <p:tav tm="0">
+                                          <p:val>
+                                            <p:strVal val="1+#ppt_h/2"/>
+                                          </p:val>
+                                        </p:tav>
+                                        <p:tav tm="100000">
+                                          <p:val>
+                                            <p:strVal val="#ppt_y"/>
+                                          </p:val>
+                                        </p:tav>
+                                      </p:tavLst>
+                                    </p:anim>
+                                  </p:childTnLst>
+                                </p:cTn>
+                              </p:par>
+                            </p:childTnLst>
+                          </p:cTn>
+                        </p:par>
+                      </p:childTnLst>
+                    </p:cTn>
+                  </p:par>
+                  <p:par>
+                    <p:cTn id="9" fill="hold">
+                      <p:stCondLst>
+                        <p:cond delay="indefinite"/>
+                      </p:stCondLst>
+                      <p:childTnLst>
+                        <p:par>
+                          <p:cTn id="10" fill="hold">
+                            <p:stCondLst>
+                              <p:cond delay="0"/>
+                            </p:stCondLst>
+                            <p:childTnLst>
+                              <p:par>
+                                <p:cTn id="11" presetID="2" presetClass="entr" presetSubtype="4" fill="hold" nodeType="clickEffect">
+                                  <p:stCondLst>
+                                    <p:cond delay="0"/>
+                                  </p:stCondLst>
+                                  <p:childTnLst>
+                                    <p:set>
+                                      <p:cBhvr>
+                                        <p:cTn id="12" dur="1" fill="hold">
+                                          <p:stCondLst>
+                                            <p:cond delay="0"/>
+                                          </p:stCondLst>
+                                        </p:cTn>
+                                        <p:tgtEl>
+                                          <p:spTgt spid="5"/>
+                                        </p:tgtEl>
+                                        <p:attrNameLst>
+                                          <p:attrName>style.visibility</p:attrName>
+                                        </p:attrNameLst>
+                                      </p:cBhvr>
+                                      <p:to>
+                                        <p:strVal val="visible"/>
+                                      </p:to>
+                                    </p:set>
+                                    <p:anim calcmode="lin" valueType="num">
+                                      <p:cBhvr additive="base">
+                                        <p:cTn id="13" dur="500" fill="hold"/>
+                                        <p:tgtEl>
+                                          <p:spTgt spid="5"/>
+                                        </p:tgtEl>
+                                        <p:attrNameLst>
+                                          <p:attrName>ppt_x</p:attrName>
+                                        </p:attrNameLst>
+                                      </p:cBhvr>
+                                      <p:tavLst>
+                                        <p:tav tm="0">
+                                          <p:val>
+                                            <p:strVal val="#ppt_x"/>
+                                          </p:val>
+                                        </p:tav>
+                                        <p:tav tm="100000">
+                                          <p:val>
+                                            <p:strVal val="#ppt_x"/>
+                                          </p:val>
+                                        </p:tav>
+                                      </p:tavLst>
+                                    </p:anim>
+                                    <p:anim calcmode="lin" valueType="num">
+                                      <p:cBhvr additive="base">
+                                        <p:cTn id="14" dur="500" fill="hold"/>
+                                        <p:tgtEl>
+                                          <p:spTgt spid="5"/>
+                                        </p:tgtEl>
+                                        <p:attrNameLst>
+                                          <p:attrName>ppt_y</p:attrName>
+                                        </p:attrNameLst>
+                                      </p:cBhvr>
+                                      <p:tavLst>
+                                        <p:tav tm="0">
+                                          <p:val>
+                                            <p:strVal val="1+#ppt_h/2"/>
+                                          </p:val>
+                                        </p:tav>
+                                        <p:tav tm="100000">
+                                          <p:val>
+                                            <p:strVal val="#ppt_y"/>
+                                          </p:val>
+                                        </p:tav>
+                                      </p:tavLst>
+                                    </p:anim>
+                                  </p:childTnLst>
+                                </p:cTn>
+                              </p:par>
+                            </p:childTnLst>
+                          </p:cTn>
+                        </p:par>
+                      </p:childTnLst>
+                    </p:cTn>
+                  </p:par>
+                  <p:par>
+                    <p:cTn id="15" fill="hold">
+                      <p:stCondLst>
+                        <p:cond delay="indefinite"/>
+                      </p:stCondLst>
+                      <p:childTnLst>
+                        <p:par>
+                          <p:cTn id="16" fill="hold">
+                            <p:stCondLst>
+                              <p:cond delay="0"/>
+                            </p:stCondLst>
+                            <p:childTnLst>
+                              <p:par>
+                                <p:cTn id="17" presetID="2" presetClass="entr" presetSubtype="4" fill="hold" nodeType="clickEffect">
+                                  <p:stCondLst>
+                                    <p:cond delay="0"/>
+                                  </p:stCondLst>
+                                  <p:childTnLst>
+                                    <p:set>
+                                      <p:cBhvr>
+                                        <p:cTn id="18" dur="1" fill="hold">
+                                          <p:stCondLst>
+                                            <p:cond delay="0"/>
+                                          </p:stCondLst>
+                                        </p:cTn>
+                                        <p:tgtEl>
+                                          <p:spTgt spid="10"/>
+                                        </p:tgtEl>
+                                        <p:attrNameLst>
+                                          <p:attrName>style.visibility</p:attrName>
+                                        </p:attrNameLst>
+                                      </p:cBhvr>
+                                      <p:to>
+                                        <p:strVal val="visible"/>
+                                      </p:to>
+                                    </p:set>
+                                    <p:anim calcmode="lin" valueType="num">
+                                      <p:cBhvr additive="base">
+                                        <p:cTn id="19" dur="500" fill="hold"/>
+                                        <p:tgtEl>
+                                          <p:spTgt spid="10"/>
+                                        </p:tgtEl>
+                                        <p:attrNameLst>
+                                          <p:attrName>ppt_x</p:attrName>
+                                        </p:attrNameLst>
+                                      </p:cBhvr>
+                                      <p:tavLst>
+                                        <p:tav tm="0">
+                                          <p:val>
+                                            <p:strVal val="#ppt_x"/>
+                                          </p:val>
+                                        </p:tav>
+                                        <p:tav tm="100000">
+                                          <p:val>
+                                            <p:strVal val="#ppt_x"/>
+                                          </p:val>
+                                        </p:tav>
+                                      </p:tavLst>
+                                    </p:anim>
+                                    <p:anim calcmode="lin" valueType="num">
+                                      <p:cBhvr additive="base">
+                                        <p:cTn id="20" dur="500" fill="hold"/>
+                                        <p:tgtEl>
+                                          <p:spTgt spid="10"/>
+                                        </p:tgtEl>
+                                        <p:attrNameLst>
+                                          <p:attrName>ppt_y</p:attrName>
+                                        </p:attrNameLst>
+                                      </p:cBhvr>
+                                      <p:tavLst>
+                                        <p:tav tm="0">
+                                          <p:val>
+                                            <p:strVal val="1+#ppt_h/2"/>
+                                          </p:val>
+                                        </p:tav>
+                                        <p:tav tm="100000">
+                                          <p:val>
+                                            <p:strVal val="#ppt_y"/>
+                                          </p:val>
+                                        </p:tav>
+                                      </p:tavLst>
+                                    </p:anim>
+                                  </p:childTnLst>
+                                </p:cTn>
+                              </p:par>
+                            </p:childTnLst>
+                          </p:cTn>
+                        </p:par>
+                      </p:childTnLst>
+                    </p:cTn>
+                  </p:par>
+                  <p:par>
+                    <p:cTn id="21" fill="hold">
+                      <p:stCondLst>
+                        <p:cond delay="indefinite"/>
+                      </p:stCondLst>
+                      <p:childTnLst>
+                        <p:par>
+                          <p:cTn id="22" fill="hold">
+                            <p:stCondLst>
+                              <p:cond delay="0"/>
+                            </p:stCondLst>
+                            <p:childTnLst>
+                              <p:par>
+                                <p:cTn id="23" presetID="2" presetClass="entr" presetSubtype="4" fill="hold" grpId="0" nodeType="clickEffect">
+                                  <p:stCondLst>
+                                    <p:cond delay="0"/>
+                                  </p:stCondLst>
+                                  <p:childTnLst>
+                                    <p:set>
+                                      <p:cBhvr>
+                                        <p:cTn id="24" dur="1" fill="hold">
+                                          <p:stCondLst>
+                                            <p:cond delay="0"/>
+                                          </p:stCondLst>
+                                        </p:cTn>
+                                        <p:tgtEl>
+                                          <p:spTgt spid="12"/>
+                                        </p:tgtEl>
+                                        <p:attrNameLst>
+                                          <p:attrName>style.visibility</p:attrName>
+                                        </p:attrNameLst>
+                                      </p:cBhvr>
+                                      <p:to>
+                                        <p:strVal val="visible"/>
+                                      </p:to>
+                                    </p:set>
+                                    <p:anim calcmode="lin" valueType="num">
+                                      <p:cBhvr additive="base">
+                                        <p:cTn id="25" dur="500" fill="hold"/>
+                                        <p:tgtEl>
+                                          <p:spTgt spid="12"/>
+                                        </p:tgtEl>
+                                        <p:attrNameLst>
+                                          <p:attrName>ppt_x</p:attrName>
+                                        </p:attrNameLst>
+                                      </p:cBhvr>
+                                      <p:tavLst>
+                                        <p:tav tm="0">
+                                          <p:val>
+                                            <p:strVal val="#ppt_x"/>
+                                          </p:val>
+                                        </p:tav>
+                                        <p:tav tm="100000">
+                                          <p:val>
+                                            <p:strVal val="#ppt_x"/>
+                                          </p:val>
+                                        </p:tav>
+                                      </p:tavLst>
+                                    </p:anim>
+                                    <p:anim calcmode="lin" valueType="num">
+                                      <p:cBhvr additive="base">
+                                        <p:cTn id="26" dur="500" fill="hold"/>
+                                        <p:tgtEl>
+                                          <p:spTgt spid="12"/>
+                                        </p:tgtEl>
+                                        <p:attrNameLst>
+                                          <p:attrName>ppt_y</p:attrName>
+                                        </p:attrNameLst>
+                                      </p:cBhvr>
+                                      <p:tavLst>
+                                        <p:tav tm="0">
+                                          <p:val>
+                                            <p:strVal val="1+#ppt_h/2"/>
+                                          </p:val>
+                                        </p:tav>
+                                        <p:tav tm="100000">
+                                          <p:val>
+                                            <p:strVal val="#ppt_y"/>
+                                          </p:val>
+                                        </p:tav>
+                                      </p:tavLst>
+                                    </p:anim>
+                                  </p:childTnLst>
+                                </p:cTn>
+                              </p:par>
+                            </p:childTnLst>
+                          </p:cTn>
+                        </p:par>
+                      </p:childTnLst>
+                    </p:cTn>
+                  </p:par>
+                  <p:par>
+                    <p:cTn id="27" fill="hold">
+                      <p:stCondLst>
+                        <p:cond delay="indefinite"/>
+                      </p:stCondLst>
+                      <p:childTnLst>
+                        <p:par>
+                          <p:cTn id="28" fill="hold">
+                            <p:stCondLst>
+                              <p:cond delay="0"/>
+                            </p:stCondLst>
+                            <p:childTnLst>
+                              <p:par>
+                                <p:cTn id="29" presetID="2" presetClass="entr" presetSubtype="4" fill="hold" nodeType="clickEffect">
+                                  <p:stCondLst>
+                                    <p:cond delay="0"/>
+                                  </p:stCondLst>
+                                  <p:childTnLst>
+                                    <p:set>
+                                      <p:cBhvr>
+                                        <p:cTn id="30" dur="1" fill="hold">
+                                          <p:stCondLst>
+                                            <p:cond delay="0"/>
+                                          </p:stCondLst>
+                                        </p:cTn>
+                                        <p:tgtEl>
+                                          <p:spTgt spid="15"/>
+                                        </p:tgtEl>
+                                        <p:attrNameLst>
+                                          <p:attrName>style.visibility</p:attrName>
+                                        </p:attrNameLst>
+                                      </p:cBhvr>
+                                      <p:to>
+                                        <p:strVal val="visible"/>
+                                      </p:to>
+                                    </p:set>
+                                    <p:anim calcmode="lin" valueType="num">
+                                      <p:cBhvr additive="base">
+                                        <p:cTn id="31" dur="500" fill="hold"/>
+                                        <p:tgtEl>
+                                          <p:spTgt spid="15"/>
+                                        </p:tgtEl>
+                                        <p:attrNameLst>
+                                          <p:attrName>ppt_x</p:attrName>
+                                        </p:attrNameLst>
+                                      </p:cBhvr>
+                                      <p:tavLst>
+                                        <p:tav tm="0">
+                                          <p:val>
+                                            <p:strVal val="#ppt_x"/>
+                                          </p:val>
+                                        </p:tav>
+                                        <p:tav tm="100000">
+                                          <p:val>
+                                            <p:strVal val="#ppt_x"/>
+                                          </p:val>
+                                        </p:tav>
+                                      </p:tavLst>
+                                    </p:anim>
+                                    <p:anim calcmode="lin" valueType="num">
+                                      <p:cBhvr additive="base">
+                                        <p:cTn id="32" dur="500" fill="hold"/>
+                                        <p:tgtEl>
+                                          <p:spTgt spid="15"/>
+                                        </p:tgtEl>
+                                        <p:attrNameLst>
+                                          <p:attrName>ppt_y</p:attrName>
+                                        </p:attrNameLst>
+                                      </p:cBhvr>
+                                      <p:tavLst>
+                                        <p:tav tm="0">
+                                          <p:val>
+                                            <p:strVal val="1+#ppt_h/2"/>
+                                          </p:val>
+                                        </p:tav>
+                                        <p:tav tm="100000">
+                                          <p:val>
+                                            <p:strVal val="#ppt_y"/>
+                                          </p:val>
+                                        </p:tav>
+                                      </p:tavLst>
+                                    </p:anim>
+                                  </p:childTnLst>
+                                </p:cTn>
+                              </p:par>
+                            </p:childTnLst>
+                          </p:cTn>
+                        </p:par>
+                      </p:childTnLst>
+                    </p:cTn>
+                  </p:par>
+                  <p:par>
+                    <p:cTn id="33" fill="hold">
+                      <p:stCondLst>
+                        <p:cond delay="indefinite"/>
+                      </p:stCondLst>
+                      <p:childTnLst>
+                        <p:par>
+                          <p:cTn id="34" fill="hold">
+                            <p:stCondLst>
+                              <p:cond delay="0"/>
+                            </p:stCondLst>
+                            <p:childTnLst>
+                              <p:par>
+                                <p:cTn id="35" presetID="2" presetClass="entr" presetSubtype="4" fill="hold" nodeType="clickEffect">
+                                  <p:stCondLst>
+                                    <p:cond delay="0"/>
+                                  </p:stCondLst>
+                                  <p:childTnLst>
+                                    <p:set>
+                                      <p:cBhvr>
+                                        <p:cTn id="36" dur="1" fill="hold">
+                                          <p:stCondLst>
+                                            <p:cond delay="0"/>
+                                          </p:stCondLst>
+                                        </p:cTn>
+                                        <p:tgtEl>
+                                          <p:spTgt spid="23"/>
+                                        </p:tgtEl>
+                                        <p:attrNameLst>
+                                          <p:attrName>style.visibility</p:attrName>
+                                        </p:attrNameLst>
+                                      </p:cBhvr>
+                                      <p:to>
+                                        <p:strVal val="visible"/>
+                                      </p:to>
+                                    </p:set>
+                                    <p:anim calcmode="lin" valueType="num">
+                                      <p:cBhvr additive="base">
+                                        <p:cTn id="37" dur="500" fill="hold"/>
+                                        <p:tgtEl>
+                                          <p:spTgt spid="23"/>
+                                        </p:tgtEl>
+                                        <p:attrNameLst>
+                                          <p:attrName>ppt_x</p:attrName>
+                                        </p:attrNameLst>
+                                      </p:cBhvr>
+                                      <p:tavLst>
+                                        <p:tav tm="0">
+                                          <p:val>
+                                            <p:strVal val="#ppt_x"/>
+                                          </p:val>
+                                        </p:tav>
+                                        <p:tav tm="100000">
+                                          <p:val>
+                                            <p:strVal val="#ppt_x"/>
+                                          </p:val>
+                                        </p:tav>
+                                      </p:tavLst>
+                                    </p:anim>
+                                    <p:anim calcmode="lin" valueType="num">
+                                      <p:cBhvr additive="base">
+                                        <p:cTn id="38" dur="500" fill="hold"/>
+                                        <p:tgtEl>
+                                          <p:spTgt spid="23"/>
+                                        </p:tgtEl>
+                                        <p:attrNameLst>
+                                          <p:attrName>ppt_y</p:attrName>
+                                        </p:attrNameLst>
+                                      </p:cBhvr>
+                                      <p:tavLst>
+                                        <p:tav tm="0">
+                                          <p:val>
+                                            <p:strVal val="1+#ppt_h/2"/>
+                                          </p:val>
+                                        </p:tav>
+                                        <p:tav tm="100000">
+                                          <p:val>
+                                            <p:strVal val="#ppt_y"/>
+                                          </p:val>
+                                        </p:tav>
+                                      </p:tavLst>
+                                    </p:anim>
+                                  </p:childTnLst>
+                                </p:cTn>
+                              </p:par>
+                            </p:childTnLst>
+                          </p:cTn>
+                        </p:par>
+                      </p:childTnLst>
+                    </p:cTn>
+                  </p:par>
+                  <p:par>
+                    <p:cTn id="39" fill="hold">
+                      <p:stCondLst>
+                        <p:cond delay="indefinite"/>
+                      </p:stCondLst>
+                      <p:childTnLst>
+                        <p:par>
+                          <p:cTn id="40" fill="hold">
+                            <p:stCondLst>
+                              <p:cond delay="0"/>
+                            </p:stCondLst>
+                            <p:childTnLst>
+                              <p:par>
+                                <p:cTn id="41" presetID="2" presetClass="entr" presetSubtype="4" fill="hold" nodeType="clickEffect">
+                                  <p:stCondLst>
+                                    <p:cond delay="0"/>
+                                  </p:stCondLst>
+                                  <p:childTnLst>
+                                    <p:set>
+                                      <p:cBhvr>
+                                        <p:cTn id="42" dur="1" fill="hold">
+                                          <p:stCondLst>
+                                            <p:cond delay="0"/>
+                                          </p:stCondLst>
+                                        </p:cTn>
+                                        <p:tgtEl>
+                                          <p:spTgt spid="17"/>
+                                        </p:tgtEl>
+                                        <p:attrNameLst>
+                                          <p:attrName>style.visibility</p:attrName>
+                                        </p:attrNameLst>
+                                      </p:cBhvr>
+                                      <p:to>
+                                        <p:strVal val="visible"/>
+                                      </p:to>
+                                    </p:set>
+                                    <p:anim calcmode="lin" valueType="num">
+                                      <p:cBhvr additive="base">
+                                        <p:cTn id="43" dur="500" fill="hold"/>
+                                        <p:tgtEl>
+                                          <p:spTgt spid="17"/>
+                                        </p:tgtEl>
+                                        <p:attrNameLst>
+                                          <p:attrName>ppt_x</p:attrName>
+                                        </p:attrNameLst>
+                                      </p:cBhvr>
+                                      <p:tavLst>
+                                        <p:tav tm="0">
+                                          <p:val>
+                                            <p:strVal val="#ppt_x"/>
+                                          </p:val>
+                                        </p:tav>
+                                        <p:tav tm="100000">
+                                          <p:val>
+                                            <p:strVal val="#ppt_x"/>
+                                          </p:val>
+                                        </p:tav>
+                                      </p:tavLst>
+                                    </p:anim>
+                                    <p:anim calcmode="lin" valueType="num">
+                                      <p:cBhvr additive="base">
+                                        <p:cTn id="44" dur="500" fill="hold"/>
+                                        <p:tgtEl>
+                                          <p:spTgt spid="17"/>
+                                        </p:tgtEl>
+                                        <p:attrNameLst>
+                                          <p:attrName>ppt_y</p:attrName>
+                                        </p:attrNameLst>
+                                      </p:cBhvr>
+                                      <p:tavLst>
+                                        <p:tav tm="0">
+                                          <p:val>
+                                            <p:strVal val="1+#ppt_h/2"/>
+                                          </p:val>
+                                        </p:tav>
+                                        <p:tav tm="100000">
+                                          <p:val>
+                                            <p:strVal val="#ppt_y"/>
+                                          </p:val>
+                                        </p:tav>
+                                      </p:tavLst>
+                                    </p:anim>
+                                  </p:childTnLst>
+                                </p:cTn>
+                              </p:par>
+                            </p:childTnLst>
+                          </p:cTn>
+                        </p:par>
+                      </p:childTnLst>
+                    </p:cTn>
+                  </p:par>
+                  <p:par>
+                    <p:cTn id="45" fill="hold">
+                      <p:stCondLst>
+                        <p:cond delay="indefinite"/>
+                      </p:stCondLst>
+                      <p:childTnLst>
+                        <p:par>
+                          <p:cTn id="46" fill="hold">
+                            <p:stCondLst>
+                              <p:cond delay="0"/>
+                            </p:stCondLst>
+                            <p:childTnLst>
+                              <p:par>
+                                <p:cTn id="47" presetID="2" presetClass="entr" presetSubtype="4" fill="hold" grpId="0" nodeType="clickEffect">
+                                  <p:stCondLst>
+                                    <p:cond delay="0"/>
+                                  </p:stCondLst>
+                                  <p:childTnLst>
+                                    <p:set>
+                                      <p:cBhvr>
+                                        <p:cTn id="48" dur="1" fill="hold">
+                                          <p:stCondLst>
+                                            <p:cond delay="0"/>
+                                          </p:stCondLst>
+                                        </p:cTn>
+                                        <p:tgtEl>
+                                          <p:spTgt spid="21"/>
+                                        </p:tgtEl>
+                                        <p:attrNameLst>
+                                          <p:attrName>style.visibility</p:attrName>
+                                        </p:attrNameLst>
+                                      </p:cBhvr>
+                                      <p:to>
+                                        <p:strVal val="visible"/>
+                                      </p:to>
+                                    </p:set>
+                                    <p:anim calcmode="lin" valueType="num">
+                                      <p:cBhvr additive="base">
+                                        <p:cTn id="49" dur="500" fill="hold"/>
+                                        <p:tgtEl>
+                                          <p:spTgt spid="21"/>
+                                        </p:tgtEl>
+                                        <p:attrNameLst>
+                                          <p:attrName>ppt_x</p:attrName>
+                                        </p:attrNameLst>
+                                      </p:cBhvr>
+                                      <p:tavLst>
+                                        <p:tav tm="0">
+                                          <p:val>
+                                            <p:strVal val="#ppt_x"/>
+                                          </p:val>
+                                        </p:tav>
+                                        <p:tav tm="100000">
+                                          <p:val>
+                                            <p:strVal val="#ppt_x"/>
+                                          </p:val>
+                                        </p:tav>
+                                      </p:tavLst>
+                                    </p:anim>
+                                    <p:anim calcmode="lin" valueType="num">
+                                      <p:cBhvr additive="base">
+                                        <p:cTn id="50" dur="500" fill="hold"/>
+                                        <p:tgtEl>
+                                          <p:spTgt spid="21"/>
+                                        </p:tgtEl>
+                                        <p:attrNameLst>
+                                          <p:attrName>ppt_y</p:attrName>
+                                        </p:attrNameLst>
+                                      </p:cBhvr>
+                                      <p:tavLst>
+                                        <p:tav tm="0">
+                                          <p:val>
+                                            <p:strVal val="1+#ppt_h/2"/>
+                                          </p:val>
+                                        </p:tav>
+                                        <p:tav tm="100000">
+                                          <p:val>
+                                            <p:strVal val="#ppt_y"/>
+                                          </p:val>
+                                        </p:tav>
+                                      </p:tavLst>
+                                    </p:anim>
+                                  </p:childTnLst>
+                                </p:cTn>
+                              </p:par>
+                            </p:childTnLst>
+                          </p:cTn>
+                        </p:par>
+                      </p:childTnLst>
+                    </p:cTn>
+                  </p:par>
+                  <p:par>
+                    <p:cTn id="51" fill="hold">
+                      <p:stCondLst>
+                        <p:cond delay="indefinite"/>
+                      </p:stCondLst>
+                      <p:childTnLst>
+                        <p:par>
+                          <p:cTn id="52" fill="hold">
+                            <p:stCondLst>
+                              <p:cond delay="0"/>
+                            </p:stCondLst>
+                            <p:childTnLst>
+                              <p:par>
+                                <p:cTn id="53" presetID="2" presetClass="entr" presetSubtype="4" fill="hold" grpId="0" nodeType="clickEffect">
+                                  <p:stCondLst>
+                                    <p:cond delay="0"/>
+                                  </p:stCondLst>
+                                  <p:childTnLst>
+                                    <p:set>
+                                      <p:cBhvr>
+                                        <p:cTn id="54" dur="1" fill="hold">
+                                          <p:stCondLst>
+                                            <p:cond delay="0"/>
+                                          </p:stCondLst>
+                                        </p:cTn>
+                                        <p:tgtEl>
+                                          <p:spTgt spid="33"/>
+                                        </p:tgtEl>
+                                        <p:attrNameLst>
+                                          <p:attrName>style.visibility</p:attrName>
+                                        </p:attrNameLst>
+                                      </p:cBhvr>
+                                      <p:to>
+                                        <p:strVal val="visible"/>
+                                      </p:to>
+                                    </p:set>
+                                    <p:anim calcmode="lin" valueType="num">
+                                      <p:cBhvr additive="base">
+                                        <p:cTn id="55" dur="500" fill="hold"/>
+                                        <p:tgtEl>
+                                          <p:spTgt spid="33"/>
+                                        </p:tgtEl>
+                                        <p:attrNameLst>
+                                          <p:attrName>ppt_x</p:attrName>
+                                        </p:attrNameLst>
+                                      </p:cBhvr>
+                                      <p:tavLst>
+                                        <p:tav tm="0">
+                                          <p:val>
+                                            <p:strVal val="#ppt_x"/>
+                                          </p:val>
+                                        </p:tav>
+                                        <p:tav tm="100000">
+                                          <p:val>
+                                            <p:strVal val="#ppt_x"/>
+                                          </p:val>
+                                        </p:tav>
+                                      </p:tavLst>
+                                    </p:anim>
+                                    <p:anim calcmode="lin" valueType="num">
+                                      <p:cBhvr additive="base">
+                                        <p:cTn id="56" dur="500" fill="hold"/>
+                                        <p:tgtEl>
+                                          <p:spTgt spid="33"/>
+                                        </p:tgtEl>
+                                        <p:attrNameLst>
+                                          <p:attrName>ppt_y</p:attrName>
+                                        </p:attrNameLst>
+                                      </p:cBhvr>
+                                      <p:tavLst>
+                                        <p:tav tm="0">
+                                          <p:val>
+                                            <p:strVal val="1+#ppt_h/2"/>
+                                          </p:val>
+                                        </p:tav>
+                                        <p:tav tm="100000">
+                                          <p:val>
+                                            <p:strVal val="#ppt_y"/>
+                                          </p:val>
+                                        </p:tav>
+                                      </p:tavLst>
+                                    </p:anim>
+                                  </p:childTnLst>
+                                </p:cTn>
+                              </p:par>
+                            </p:childTnLst>
+                          </p:cTn>
+                        </p:par>
+                      </p:childTnLst>
+                    </p:cTn>
+                  </p:par>
+                  <p:par>
+                    <p:cTn id="57" fill="hold">
+                      <p:stCondLst>
+                        <p:cond delay="indefinite"/>
+                      </p:stCondLst>
+                      <p:childTnLst>
+                        <p:par>
+                          <p:cTn id="58" fill="hold">
+                            <p:stCondLst>
+                              <p:cond delay="0"/>
+                            </p:stCondLst>
+                            <p:childTnLst>
+                              <p:par>
+                                <p:cTn id="59" presetID="2" presetClass="entr" presetSubtype="4" fill="hold" nodeType="clickEffect">
+                                  <p:stCondLst>
+                                    <p:cond delay="0"/>
+                                  </p:stCondLst>
+                                  <p:childTnLst>
+                                    <p:set>
+                                      <p:cBhvr>
+                                        <p:cTn id="60" dur="1" fill="hold">
+                                          <p:stCondLst>
+                                            <p:cond delay="0"/>
+                                          </p:stCondLst>
+                                        </p:cTn>
+                                        <p:tgtEl>
+                                          <p:spTgt spid="25"/>
+                                        </p:tgtEl>
+                                        <p:attrNameLst>
+                                          <p:attrName>style.visibility</p:attrName>
+                                        </p:attrNameLst>
+                                      </p:cBhvr>
+                                      <p:to>
+                                        <p:strVal val="visible"/>
+                                      </p:to>
+                                    </p:set>
+                                    <p:anim calcmode="lin" valueType="num">
+                                      <p:cBhvr additive="base">
+                                        <p:cTn id="61" dur="500" fill="hold"/>
+                                        <p:tgtEl>
+                                          <p:spTgt spid="25"/>
+                                        </p:tgtEl>
+                                        <p:attrNameLst>
+                                          <p:attrName>ppt_x</p:attrName>
+                                        </p:attrNameLst>
+                                      </p:cBhvr>
+                                      <p:tavLst>
+                                        <p:tav tm="0">
+                                          <p:val>
+                                            <p:strVal val="#ppt_x"/>
+                                          </p:val>
+                                        </p:tav>
+                                        <p:tav tm="100000">
+                                          <p:val>
+                                            <p:strVal val="#ppt_x"/>
+                                          </p:val>
+                                        </p:tav>
+                                      </p:tavLst>
+                                    </p:anim>
+                                    <p:anim calcmode="lin" valueType="num">
+                                      <p:cBhvr additive="base">
+                                        <p:cTn id="62" dur="500" fill="hold"/>
+                                        <p:tgtEl>
+                                          <p:spTgt spid="25"/>
+                                        </p:tgtEl>
+                                        <p:attrNameLst>
+                                          <p:attrName>ppt_y</p:attrName>
+                                        </p:attrNameLst>
+                                      </p:cBhvr>
+                                      <p:tavLst>
+                                        <p:tav tm="0">
+                                          <p:val>
+                                            <p:strVal val="1+#ppt_h/2"/>
+                                          </p:val>
+                                        </p:tav>
+                                        <p:tav tm="100000">
+                                          <p:val>
+                                            <p:strVal val="#ppt_y"/>
+                                          </p:val>
+                                        </p:tav>
+                                      </p:tavLst>
+                                    </p:anim>
+                                  </p:childTnLst>
+                                </p:cTn>
+                              </p:par>
+                            </p:childTnLst>
+                          </p:cTn>
+                        </p:par>
+                      </p:childTnLst>
+                    </p:cTn>
+                  </p:par>
+                  <p:par>
+                    <p:cTn id="63" fill="hold">
+                      <p:stCondLst>
+                        <p:cond delay="indefinite"/>
+                      </p:stCondLst>
+                      <p:childTnLst>
+                        <p:par>
+                          <p:cTn id="64" fill="hold">
+                            <p:stCondLst>
+                              <p:cond delay="0"/>
+                            </p:stCondLst>
+                            <p:childTnLst>
+                              <p:par>
+                                <p:cTn id="65" presetID="2" presetClass="entr" presetSubtype="4" fill="hold" nodeType="clickEffect">
+                                  <p:stCondLst>
+                                    <p:cond delay="0"/>
+                                  </p:stCondLst>
+                                  <p:childTnLst>
+                                    <p:set>
+                                      <p:cBhvr>
+                                        <p:cTn id="66" dur="1" fill="hold">
+                                          <p:stCondLst>
+                                            <p:cond delay="0"/>
+                                          </p:stCondLst>
+                                        </p:cTn>
+                                        <p:tgtEl>
+                                          <p:spTgt spid="27"/>
+                                        </p:tgtEl>
+                                        <p:attrNameLst>
+                                          <p:attrName>style.visibility</p:attrName>
+                                        </p:attrNameLst>
+                                      </p:cBhvr>
+                                      <p:to>
+                                        <p:strVal val="visible"/>
+                                      </p:to>
+                                    </p:set>
+                                    <p:anim calcmode="lin" valueType="num">
+                                      <p:cBhvr additive="base">
+                                        <p:cTn id="67" dur="500" fill="hold"/>
+                                        <p:tgtEl>
+                                          <p:spTgt spid="27"/>
+                                        </p:tgtEl>
+                                        <p:attrNameLst>
+                                          <p:attrName>ppt_x</p:attrName>
+                                        </p:attrNameLst>
+                                      </p:cBhvr>
+                                      <p:tavLst>
+                                        <p:tav tm="0">
+                                          <p:val>
+                                            <p:strVal val="#ppt_x"/>
+                                          </p:val>
+                                        </p:tav>
+                                        <p:tav tm="100000">
+                                          <p:val>
+                                            <p:strVal val="#ppt_x"/>
+                                          </p:val>
+                                        </p:tav>
+                                      </p:tavLst>
+                                    </p:anim>
+                                    <p:anim calcmode="lin" valueType="num">
+                                      <p:cBhvr additive="base">
+                                        <p:cTn id="68" dur="500" fill="hold"/>
+                                        <p:tgtEl>
+                                          <p:spTgt spid="27"/>
+                                        </p:tgtEl>
+                                        <p:attrNameLst>
+                                          <p:attrName>ppt_y</p:attrName>
+                                        </p:attrNameLst>
+                                      </p:cBhvr>
+                                      <p:tavLst>
+                                        <p:tav tm="0">
+                                          <p:val>
+                                            <p:strVal val="1+#ppt_h/2"/>
+                                          </p:val>
+                                        </p:tav>
+                                        <p:tav tm="100000">
+                                          <p:val>
+                                            <p:strVal val="#ppt_y"/>
+                                          </p:val>
+                                        </p:tav>
+                                      </p:tavLst>
+                                    </p:anim>
+                                  </p:childTnLst>
+                                </p:cTn>
+                              </p:par>
+                            </p:childTnLst>
+                          </p:cTn>
+                        </p:par>
+                      </p:childTnLst>
+                    </p:cTn>
+                  </p:par>
+                  <p:par>
+                    <p:cTn id="69" fill="hold">
+                      <p:stCondLst>
+                        <p:cond delay="indefinite"/>
+                      </p:stCondLst>
+                      <p:childTnLst>
+                        <p:par>
+                          <p:cTn id="70" fill="hold">
+                            <p:stCondLst>
+                              <p:cond delay="0"/>
+                            </p:stCondLst>
+                            <p:childTnLst>
+                              <p:par>
+                                <p:cTn id="71" presetID="2" presetClass="entr" presetSubtype="4" fill="hold" grpId="0" nodeType="clickEffect">
+                                  <p:stCondLst>
+                                    <p:cond delay="0"/>
+                                  </p:stCondLst>
+                                  <p:childTnLst>
+                                    <p:set>
+                                      <p:cBhvr>
+                                        <p:cTn id="72" dur="1" fill="hold">
+                                          <p:stCondLst>
+                                            <p:cond delay="0"/>
+                                          </p:stCondLst>
+                                        </p:cTn>
+                                        <p:tgtEl>
+                                          <p:spTgt spid="31"/>
+                                        </p:tgtEl>
+                                        <p:attrNameLst>
+                                          <p:attrName>style.visibility</p:attrName>
+                                        </p:attrNameLst>
+                                      </p:cBhvr>
+                                      <p:to>
+                                        <p:strVal val="visible"/>
+                                      </p:to>
+                                    </p:set>
+                                    <p:anim calcmode="lin" valueType="num">
+                                      <p:cBhvr additive="base">
+                                        <p:cTn id="73" dur="500" fill="hold"/>
+                                        <p:tgtEl>
+                                          <p:spTgt spid="31"/>
+                                        </p:tgtEl>
+                                        <p:attrNameLst>
+                                          <p:attrName>ppt_x</p:attrName>
+                                        </p:attrNameLst>
+                                      </p:cBhvr>
+                                      <p:tavLst>
+                                        <p:tav tm="0">
+                                          <p:val>
+                                            <p:strVal val="#ppt_x"/>
+                                          </p:val>
+                                        </p:tav>
+                                        <p:tav tm="100000">
+                                          <p:val>
+                                            <p:strVal val="#ppt_x"/>
+                                          </p:val>
+                                        </p:tav>
+                                      </p:tavLst>
+                                    </p:anim>
+                                    <p:anim calcmode="lin" valueType="num">
+                                      <p:cBhvr additive="base">
+                                        <p:cTn id="74" dur="500" fill="hold"/>
+                                        <p:tgtEl>
+                                          <p:spTgt spid="31"/>
+                                        </p:tgtEl>
+                                        <p:attrNameLst>
+                                          <p:attrName>ppt_y</p:attrName>
+                                        </p:attrNameLst>
+                                      </p:cBhvr>
+                                      <p:tavLst>
+                                        <p:tav tm="0">
+                                          <p:val>
+                                            <p:strVal val="1+#ppt_h/2"/>
+                                          </p:val>
+                                        </p:tav>
+                                        <p:tav tm="100000">
+                                          <p:val>
+                                            <p:strVal val="#ppt_y"/>
+                                          </p:val>
+                                        </p:tav>
+                                      </p:tavLst>
+                                    </p:anim>
+                                  </p:childTnLst>
+                                </p:cTn>
+                              </p:par>
+                            </p:childTnLst>
+                          </p:cTn>
+                        </p:par>
+                      </p:childTnLst>
+                    </p:cTn>
+                  </p:par>
+                </p:childTnLst>
+              </p:cTn>
+              <p:prevCondLst>
+                <p:cond evt="onPrev" delay="0">
+                  <p:tgtEl>
+                    <p:sldTgt/>
+                  </p:tgtEl>
+                </p:cond>
+              </p:prevCondLst>
+              <p:nextCondLst>
+                <p:cond evt="onNext" delay="0">
+                  <p:tgtEl>
+                    <p:sldTgt/>
+                  </p:tgtEl>
+                </p:cond>
+              </p:nextCondLst>
+            </p:seq>
+          </p:childTnLst>
+        </p:cTn>
+      </p:par>
+    </p:tnLst>
+    <p:bldLst>
+      <p:bldP spid="3" grpId="0"/>
+      <p:bldP spid="12" grpId="0"/>
+      <p:bldP spid="21" grpId="0"/>
+      <p:bldP spid="31" grpId="0"/>
+      <p:bldP spid="33" grpId="0"/>
+    </p:bldLst>
+  </p:timing>
+</p:sld>
+</file>
+
+<file path=ppt/slides/slide11.xml><?xml version="1.0" encoding="utf-8"?>
+<p:sld xmlns:a="http://schemas.openxmlformats.org/drawingml/2006/main" xmlns:r="http://schemas.openxmlformats.org/officeDocument/2006/relationships" xmlns:p="http://schemas.openxmlformats.org/presentationml/2006/main">
+  <p:cSld>
+    <p:spTree>
+      <p:nvGrpSpPr>
+        <p:cNvPr id="1" name=""/>
+        <p:cNvGrpSpPr/>
+        <p:nvPr/>
+      </p:nvGrpSpPr>
+      <p:grpSpPr>
+        <a:xfrm>
+          <a:off x="0" y="0"/>
+          <a:ext cx="0" cy="0"/>
+          <a:chOff x="0" y="0"/>
+          <a:chExt cx="0" cy="0"/>
+        </a:xfrm>
+      </p:grpSpPr>
       <p:graphicFrame>
         <p:nvGraphicFramePr>
           <p:cNvPr id="2" name="Table 1">
@@ -5135,7 +7013,7 @@
           <a:p>
             <a:fld id="{5AECCE9C-A74C-48F0-A7FA-3F28FA7CDF62}" type="slidenum">
               <a:rPr lang="en-US" smtClean="0"/>
-              <a:t>10</a:t>
+              <a:t>11</a:t>
             </a:fld>
             <a:endParaRPr lang="en-US"/>
           </a:p>
@@ -6235,170 +8113,6 @@
 </p:sld>
 </file>
 
-<file path=ppt/slides/slide11.xml><?xml version="1.0" encoding="utf-8"?>
-<p:sld xmlns:a="http://schemas.openxmlformats.org/drawingml/2006/main" xmlns:r="http://schemas.openxmlformats.org/officeDocument/2006/relationships" xmlns:p="http://schemas.openxmlformats.org/presentationml/2006/main">
-  <p:cSld>
-    <p:spTree>
-      <p:nvGrpSpPr>
-        <p:cNvPr id="1" name=""/>
-        <p:cNvGrpSpPr/>
-        <p:nvPr/>
-      </p:nvGrpSpPr>
-      <p:grpSpPr>
-        <a:xfrm>
-          <a:off x="0" y="0"/>
-          <a:ext cx="0" cy="0"/>
-          <a:chOff x="0" y="0"/>
-          <a:chExt cx="0" cy="0"/>
-        </a:xfrm>
-      </p:grpSpPr>
-      <p:sp>
-        <p:nvSpPr>
-          <p:cNvPr id="2" name="Title 1">
-            <a:extLst>
-              <a:ext uri="{FF2B5EF4-FFF2-40B4-BE49-F238E27FC236}">
-                <a16:creationId xmlns:a16="http://schemas.microsoft.com/office/drawing/2014/main" id="{760BF0EE-7544-D852-89D0-7A87EE75C511}"/>
-              </a:ext>
-            </a:extLst>
-          </p:cNvPr>
-          <p:cNvSpPr>
-            <a:spLocks noGrp="1"/>
-          </p:cNvSpPr>
-          <p:nvPr>
-            <p:ph type="ctrTitle"/>
-          </p:nvPr>
-        </p:nvSpPr>
-        <p:spPr/>
-        <p:txBody>
-          <a:bodyPr>
-            <a:normAutofit/>
-          </a:bodyPr>
-          <a:lstStyle/>
-          <a:p>
-            <a:r>
-              <a:rPr lang="en-US" sz="3200" b="1" dirty="0">
-                <a:solidFill>
-                  <a:schemeClr val="accent1">
-                    <a:lumMod val="75000"/>
-                  </a:schemeClr>
-                </a:solidFill>
-                <a:latin typeface="Arial Black" panose="020B0A04020102020204" pitchFamily="34" charset="0"/>
-              </a:rPr>
-              <a:t>Customers Section </a:t>
-            </a:r>
-          </a:p>
-        </p:txBody>
-      </p:sp>
-      <p:sp>
-        <p:nvSpPr>
-          <p:cNvPr id="3" name="Subtitle 2">
-            <a:extLst>
-              <a:ext uri="{FF2B5EF4-FFF2-40B4-BE49-F238E27FC236}">
-                <a16:creationId xmlns:a16="http://schemas.microsoft.com/office/drawing/2014/main" id="{1C11B316-75AE-A752-A8A0-40A03936D089}"/>
-              </a:ext>
-            </a:extLst>
-          </p:cNvPr>
-          <p:cNvSpPr>
-            <a:spLocks noGrp="1"/>
-          </p:cNvSpPr>
-          <p:nvPr>
-            <p:ph type="subTitle" idx="1"/>
-          </p:nvPr>
-        </p:nvSpPr>
-        <p:spPr/>
-        <p:txBody>
-          <a:bodyPr/>
-          <a:lstStyle/>
-          <a:p>
-            <a:r>
-              <a:rPr lang="en-US" sz="2200" b="1" dirty="0">
-                <a:solidFill>
-                  <a:schemeClr val="accent5">
-                    <a:lumMod val="50000"/>
-                  </a:schemeClr>
-                </a:solidFill>
-                <a:latin typeface="+mj-lt"/>
-                <a:ea typeface="+mj-ea"/>
-                <a:cs typeface="+mj-cs"/>
-              </a:rPr>
-              <a:t>Please find the detailed analysis and report for the Walmart customer segmentation and business analysis according to the sales and revenue generated by the Customer section .</a:t>
-            </a:r>
-          </a:p>
-          <a:p>
-            <a:endParaRPr lang="en-US" dirty="0"/>
-          </a:p>
-        </p:txBody>
-      </p:sp>
-      <p:sp>
-        <p:nvSpPr>
-          <p:cNvPr id="5" name="Slide Number Placeholder 4">
-            <a:extLst>
-              <a:ext uri="{FF2B5EF4-FFF2-40B4-BE49-F238E27FC236}">
-                <a16:creationId xmlns:a16="http://schemas.microsoft.com/office/drawing/2014/main" id="{33F86B5B-6FF8-57BB-DB98-007C43227FE5}"/>
-              </a:ext>
-            </a:extLst>
-          </p:cNvPr>
-          <p:cNvSpPr>
-            <a:spLocks noGrp="1"/>
-          </p:cNvSpPr>
-          <p:nvPr>
-            <p:ph type="sldNum" sz="quarter" idx="12"/>
-          </p:nvPr>
-        </p:nvSpPr>
-        <p:spPr/>
-        <p:txBody>
-          <a:bodyPr/>
-          <a:lstStyle/>
-          <a:p>
-            <a:fld id="{5AECCE9C-A74C-48F0-A7FA-3F28FA7CDF62}" type="slidenum">
-              <a:rPr lang="en-US" smtClean="0"/>
-              <a:t>11</a:t>
-            </a:fld>
-            <a:endParaRPr lang="en-US"/>
-          </a:p>
-        </p:txBody>
-      </p:sp>
-      <p:sp>
-        <p:nvSpPr>
-          <p:cNvPr id="6" name="Footer Placeholder 5">
-            <a:extLst>
-              <a:ext uri="{FF2B5EF4-FFF2-40B4-BE49-F238E27FC236}">
-                <a16:creationId xmlns:a16="http://schemas.microsoft.com/office/drawing/2014/main" id="{D7EEE8CE-4E0E-6C76-FF12-AFDA0AFF5FE1}"/>
-              </a:ext>
-            </a:extLst>
-          </p:cNvPr>
-          <p:cNvSpPr>
-            <a:spLocks noGrp="1"/>
-          </p:cNvSpPr>
-          <p:nvPr>
-            <p:ph type="ftr" sz="quarter" idx="11"/>
-          </p:nvPr>
-        </p:nvSpPr>
-        <p:spPr/>
-        <p:txBody>
-          <a:bodyPr/>
-          <a:lstStyle/>
-          <a:p>
-            <a:r>
-              <a:rPr lang="en-US"/>
-              <a:t>Pg.No.</a:t>
-            </a:r>
-          </a:p>
-        </p:txBody>
-      </p:sp>
-    </p:spTree>
-    <p:extLst>
-      <p:ext uri="{BB962C8B-B14F-4D97-AF65-F5344CB8AC3E}">
-        <p14:creationId xmlns:p14="http://schemas.microsoft.com/office/powerpoint/2010/main" val="3918018150"/>
-      </p:ext>
-    </p:extLst>
-  </p:cSld>
-  <p:clrMapOvr>
-    <a:masterClrMapping/>
-  </p:clrMapOvr>
-</p:sld>
-</file>
-
 <file path=ppt/slides/slide12.xml><?xml version="1.0" encoding="utf-8"?>
 <p:sld xmlns:a="http://schemas.openxmlformats.org/drawingml/2006/main" xmlns:r="http://schemas.openxmlformats.org/officeDocument/2006/relationships" xmlns:p="http://schemas.openxmlformats.org/presentationml/2006/main">
   <p:cSld>
@@ -6421,7 +8135,7 @@
           <p:cNvPr id="2" name="Title 1">
             <a:extLst>
               <a:ext uri="{FF2B5EF4-FFF2-40B4-BE49-F238E27FC236}">
-                <a16:creationId xmlns:a16="http://schemas.microsoft.com/office/drawing/2014/main" id="{7DAC99B3-BA88-2E68-BDD6-CB90C32DCEFA}"/>
+                <a16:creationId xmlns:a16="http://schemas.microsoft.com/office/drawing/2014/main" id="{760BF0EE-7544-D852-89D0-7A87EE75C511}"/>
               </a:ext>
             </a:extLst>
           </p:cNvPr>
@@ -6429,7 +8143,7 @@
             <a:spLocks noGrp="1"/>
           </p:cNvSpPr>
           <p:nvPr>
-            <p:ph type="title"/>
+            <p:ph type="ctrTitle"/>
           </p:nvPr>
         </p:nvSpPr>
         <p:spPr/>
@@ -6448,275 +8162,57 @@
                 </a:solidFill>
                 <a:latin typeface="Arial Black" panose="020B0A04020102020204" pitchFamily="34" charset="0"/>
               </a:rPr>
-              <a:t>Client’s requirements for the Customer Section:-</a:t>
+              <a:t>Customers Section </a:t>
             </a:r>
           </a:p>
         </p:txBody>
       </p:sp>
       <p:sp>
         <p:nvSpPr>
-          <p:cNvPr id="6" name="TextBox 5">
-            <a:extLst>
-              <a:ext uri="{FF2B5EF4-FFF2-40B4-BE49-F238E27FC236}">
-                <a16:creationId xmlns:a16="http://schemas.microsoft.com/office/drawing/2014/main" id="{02C859D5-9F9D-98AF-624C-5935F7545A5E}"/>
-              </a:ext>
-            </a:extLst>
-          </p:cNvPr>
-          <p:cNvSpPr txBox="1"/>
-          <p:nvPr/>
+          <p:cNvPr id="3" name="Subtitle 2">
+            <a:extLst>
+              <a:ext uri="{FF2B5EF4-FFF2-40B4-BE49-F238E27FC236}">
+                <a16:creationId xmlns:a16="http://schemas.microsoft.com/office/drawing/2014/main" id="{1C11B316-75AE-A752-A8A0-40A03936D089}"/>
+              </a:ext>
+            </a:extLst>
+          </p:cNvPr>
+          <p:cNvSpPr>
+            <a:spLocks noGrp="1"/>
+          </p:cNvSpPr>
+          <p:nvPr>
+            <p:ph type="subTitle" idx="1"/>
+          </p:nvPr>
         </p:nvSpPr>
-        <p:spPr>
-          <a:xfrm>
-            <a:off x="838199" y="1690688"/>
-            <a:ext cx="10254521" cy="2040046"/>
-          </a:xfrm>
-          <a:prstGeom prst="rect">
-            <a:avLst/>
-          </a:prstGeom>
-          <a:noFill/>
-        </p:spPr>
+        <p:spPr/>
         <p:txBody>
-          <a:bodyPr wrap="square">
-            <a:spAutoFit/>
-          </a:bodyPr>
+          <a:bodyPr/>
           <a:lstStyle/>
           <a:p>
-            <a:pPr marL="228600" indent="-228600">
-              <a:lnSpc>
-                <a:spcPct val="70000"/>
-              </a:lnSpc>
-              <a:spcBef>
-                <a:spcPts val="1000"/>
-              </a:spcBef>
-              <a:buFont typeface="Arial" panose="020B0604020202020204" pitchFamily="34" charset="0"/>
-              <a:buChar char="•"/>
-            </a:pPr>
-            <a:r>
-              <a:rPr lang="en-US" sz="2000" b="1" dirty="0">
+            <a:r>
+              <a:rPr lang="en-US" sz="2200" b="1" dirty="0">
                 <a:solidFill>
-                  <a:srgbClr val="252423"/>
+                  <a:schemeClr val="accent5">
+                    <a:lumMod val="50000"/>
+                  </a:schemeClr>
                 </a:solidFill>
+                <a:latin typeface="+mj-lt"/>
+                <a:ea typeface="+mj-ea"/>
+                <a:cs typeface="+mj-cs"/>
               </a:rPr>
-              <a:t>Q1. How many unique customer types the data have ?</a:t>
-            </a:r>
-          </a:p>
-          <a:p>
-            <a:pPr marL="228600" indent="-228600">
-              <a:lnSpc>
-                <a:spcPct val="70000"/>
-              </a:lnSpc>
-              <a:spcBef>
-                <a:spcPts val="1000"/>
-              </a:spcBef>
-              <a:buFont typeface="Arial" panose="020B0604020202020204" pitchFamily="34" charset="0"/>
-              <a:buChar char="•"/>
-            </a:pPr>
-            <a:r>
-              <a:rPr lang="en-US" sz="2000" b="1" dirty="0">
-                <a:solidFill>
-                  <a:srgbClr val="252423"/>
-                </a:solidFill>
-              </a:rPr>
-              <a:t>Q2. How many unique payment methods does the data have?</a:t>
-            </a:r>
-          </a:p>
-          <a:p>
-            <a:pPr marL="228600" indent="-228600">
-              <a:lnSpc>
-                <a:spcPct val="70000"/>
-              </a:lnSpc>
-              <a:spcBef>
-                <a:spcPts val="1000"/>
-              </a:spcBef>
-              <a:buFont typeface="Arial" panose="020B0604020202020204" pitchFamily="34" charset="0"/>
-              <a:buChar char="•"/>
-            </a:pPr>
-            <a:r>
-              <a:rPr lang="en-US" sz="2000" b="1" dirty="0">
-                <a:solidFill>
-                  <a:srgbClr val="252423"/>
-                </a:solidFill>
-              </a:rPr>
-              <a:t>Q3. What is the most common customer type?</a:t>
-            </a:r>
-          </a:p>
-          <a:p>
-            <a:pPr marL="228600" indent="-228600">
-              <a:lnSpc>
-                <a:spcPct val="70000"/>
-              </a:lnSpc>
-              <a:spcBef>
-                <a:spcPts val="1000"/>
-              </a:spcBef>
-              <a:buFont typeface="Arial" panose="020B0604020202020204" pitchFamily="34" charset="0"/>
-              <a:buChar char="•"/>
-            </a:pPr>
-            <a:r>
-              <a:rPr lang="en-US" sz="2000" b="1" dirty="0">
-                <a:solidFill>
-                  <a:srgbClr val="252423"/>
-                </a:solidFill>
-              </a:rPr>
-              <a:t>Q4.Which customer type buys the most?</a:t>
-            </a:r>
-          </a:p>
-          <a:p>
-            <a:pPr marL="228600" indent="-228600">
-              <a:lnSpc>
-                <a:spcPct val="70000"/>
-              </a:lnSpc>
-              <a:spcBef>
-                <a:spcPts val="1000"/>
-              </a:spcBef>
-              <a:buFont typeface="Arial" panose="020B0604020202020204" pitchFamily="34" charset="0"/>
-              <a:buChar char="•"/>
-            </a:pPr>
-            <a:r>
-              <a:rPr lang="en-US" sz="2000" b="1" dirty="0">
-                <a:solidFill>
-                  <a:srgbClr val="252423"/>
-                </a:solidFill>
-              </a:rPr>
-              <a:t>Q5.What is the gender of most of the customers ?</a:t>
-            </a:r>
-          </a:p>
-          <a:p>
-            <a:pPr marL="228600" indent="-228600">
-              <a:lnSpc>
-                <a:spcPct val="70000"/>
-              </a:lnSpc>
-              <a:spcBef>
-                <a:spcPts val="1000"/>
-              </a:spcBef>
-              <a:buFont typeface="Arial" panose="020B0604020202020204" pitchFamily="34" charset="0"/>
-              <a:buChar char="•"/>
-            </a:pPr>
-            <a:r>
-              <a:rPr lang="en-US" sz="2000" b="1" dirty="0">
-                <a:solidFill>
-                  <a:srgbClr val="252423"/>
-                </a:solidFill>
-              </a:rPr>
-              <a:t>Q6. What is the gender distribution per branch ?</a:t>
-            </a:r>
+              <a:t>Please find the detailed analysis and report for the Walmart customer segmentation and business analysis according to the sales and revenue generated by the Customer section .</a:t>
+            </a:r>
+          </a:p>
+          <a:p>
+            <a:endParaRPr lang="en-US" dirty="0"/>
           </a:p>
         </p:txBody>
       </p:sp>
       <p:sp>
         <p:nvSpPr>
-          <p:cNvPr id="8" name="TextBox 7">
-            <a:extLst>
-              <a:ext uri="{FF2B5EF4-FFF2-40B4-BE49-F238E27FC236}">
-                <a16:creationId xmlns:a16="http://schemas.microsoft.com/office/drawing/2014/main" id="{4C33FFF2-7AAC-E1C4-597E-AFEBC708D809}"/>
-              </a:ext>
-            </a:extLst>
-          </p:cNvPr>
-          <p:cNvSpPr txBox="1"/>
-          <p:nvPr/>
-        </p:nvSpPr>
-        <p:spPr>
-          <a:xfrm>
-            <a:off x="838198" y="3708748"/>
-            <a:ext cx="10254521" cy="1352678"/>
-          </a:xfrm>
-          <a:prstGeom prst="rect">
-            <a:avLst/>
-          </a:prstGeom>
-          <a:noFill/>
-        </p:spPr>
-        <p:txBody>
-          <a:bodyPr wrap="square">
-            <a:spAutoFit/>
-          </a:bodyPr>
-          <a:lstStyle/>
-          <a:p>
-            <a:pPr marL="228600" indent="-228600">
-              <a:lnSpc>
-                <a:spcPct val="70000"/>
-              </a:lnSpc>
-              <a:spcBef>
-                <a:spcPts val="1000"/>
-              </a:spcBef>
-              <a:buFont typeface="Arial" panose="020B0604020202020204" pitchFamily="34" charset="0"/>
-              <a:buChar char="•"/>
-            </a:pPr>
-            <a:r>
-              <a:rPr lang="en-US" sz="2000" b="1" dirty="0">
-                <a:solidFill>
-                  <a:srgbClr val="252423"/>
-                </a:solidFill>
-              </a:rPr>
-              <a:t>Q7. Which time of the day customers give most ratings ?</a:t>
-            </a:r>
-          </a:p>
-          <a:p>
-            <a:pPr marL="228600" indent="-228600">
-              <a:lnSpc>
-                <a:spcPct val="70000"/>
-              </a:lnSpc>
-              <a:spcBef>
-                <a:spcPts val="1000"/>
-              </a:spcBef>
-              <a:buFont typeface="Arial" panose="020B0604020202020204" pitchFamily="34" charset="0"/>
-              <a:buChar char="•"/>
-            </a:pPr>
-            <a:r>
-              <a:rPr lang="en-US" sz="2000" b="1" dirty="0">
-                <a:solidFill>
-                  <a:srgbClr val="252423"/>
-                </a:solidFill>
-              </a:rPr>
-              <a:t>Q8. Q7. Which time of the day customers give most ratings per branch ?</a:t>
-            </a:r>
-          </a:p>
-          <a:p>
-            <a:pPr marL="228600" indent="-228600">
-              <a:lnSpc>
-                <a:spcPct val="70000"/>
-              </a:lnSpc>
-              <a:spcBef>
-                <a:spcPts val="1000"/>
-              </a:spcBef>
-              <a:buFont typeface="Arial" panose="020B0604020202020204" pitchFamily="34" charset="0"/>
-              <a:buChar char="•"/>
-            </a:pPr>
-            <a:r>
-              <a:rPr lang="en-US" sz="2000" b="1" dirty="0">
-                <a:solidFill>
-                  <a:srgbClr val="252423"/>
-                </a:solidFill>
-              </a:rPr>
-              <a:t>Q9. Which day of the week has the best average ratings ?</a:t>
-            </a:r>
-          </a:p>
-          <a:p>
-            <a:pPr marL="228600" indent="-228600">
-              <a:lnSpc>
-                <a:spcPct val="70000"/>
-              </a:lnSpc>
-              <a:spcBef>
-                <a:spcPts val="1000"/>
-              </a:spcBef>
-              <a:buFont typeface="Arial" panose="020B0604020202020204" pitchFamily="34" charset="0"/>
-              <a:buChar char="•"/>
-            </a:pPr>
-            <a:r>
-              <a:rPr lang="en-US" sz="2000" b="1" dirty="0">
-                <a:solidFill>
-                  <a:srgbClr val="252423"/>
-                </a:solidFill>
-              </a:rPr>
-              <a:t>Q10. Which day of the week has the best average ratings per branch ?</a:t>
-            </a:r>
-          </a:p>
-        </p:txBody>
-      </p:sp>
-      <p:sp>
-        <p:nvSpPr>
-          <p:cNvPr id="4" name="Slide Number Placeholder 3">
-            <a:extLst>
-              <a:ext uri="{FF2B5EF4-FFF2-40B4-BE49-F238E27FC236}">
-                <a16:creationId xmlns:a16="http://schemas.microsoft.com/office/drawing/2014/main" id="{4411B81B-C5B4-6ADB-4D6C-945B41862F9C}"/>
+          <p:cNvPr id="5" name="Slide Number Placeholder 4">
+            <a:extLst>
+              <a:ext uri="{FF2B5EF4-FFF2-40B4-BE49-F238E27FC236}">
+                <a16:creationId xmlns:a16="http://schemas.microsoft.com/office/drawing/2014/main" id="{33F86B5B-6FF8-57BB-DB98-007C43227FE5}"/>
               </a:ext>
             </a:extLst>
           </p:cNvPr>
@@ -6742,10 +8238,10 @@
       </p:sp>
       <p:sp>
         <p:nvSpPr>
-          <p:cNvPr id="5" name="Footer Placeholder 4">
-            <a:extLst>
-              <a:ext uri="{FF2B5EF4-FFF2-40B4-BE49-F238E27FC236}">
-                <a16:creationId xmlns:a16="http://schemas.microsoft.com/office/drawing/2014/main" id="{C743E4F2-3048-D622-2835-03FC5B035E3E}"/>
+          <p:cNvPr id="6" name="Footer Placeholder 5">
+            <a:extLst>
+              <a:ext uri="{FF2B5EF4-FFF2-40B4-BE49-F238E27FC236}">
+                <a16:creationId xmlns:a16="http://schemas.microsoft.com/office/drawing/2014/main" id="{D7EEE8CE-4E0E-6C76-FF12-AFDA0AFF5FE1}"/>
               </a:ext>
             </a:extLst>
           </p:cNvPr>
@@ -6771,7 +8267,7 @@
     </p:spTree>
     <p:extLst>
       <p:ext uri="{BB962C8B-B14F-4D97-AF65-F5344CB8AC3E}">
-        <p14:creationId xmlns:p14="http://schemas.microsoft.com/office/powerpoint/2010/main" val="1787767678"/>
+        <p14:creationId xmlns:p14="http://schemas.microsoft.com/office/powerpoint/2010/main" val="3918018150"/>
       </p:ext>
     </p:extLst>
   </p:cSld>
@@ -6800,6 +8296,567 @@
       </p:grpSpPr>
       <p:sp>
         <p:nvSpPr>
+          <p:cNvPr id="6" name="Title 5">
+            <a:extLst>
+              <a:ext uri="{FF2B5EF4-FFF2-40B4-BE49-F238E27FC236}">
+                <a16:creationId xmlns:a16="http://schemas.microsoft.com/office/drawing/2014/main" id="{9C7C552F-56F7-8B79-E4E0-BF22DB4CB770}"/>
+              </a:ext>
+            </a:extLst>
+          </p:cNvPr>
+          <p:cNvSpPr>
+            <a:spLocks noGrp="1"/>
+          </p:cNvSpPr>
+          <p:nvPr>
+            <p:ph type="title"/>
+          </p:nvPr>
+        </p:nvSpPr>
+        <p:spPr>
+          <a:xfrm>
+            <a:off x="838200" y="365126"/>
+            <a:ext cx="10629274" cy="760608"/>
+          </a:xfrm>
+        </p:spPr>
+        <p:txBody>
+          <a:bodyPr/>
+          <a:lstStyle/>
+          <a:p>
+            <a:pPr algn="ctr"/>
+            <a:r>
+              <a:rPr lang="en-US" sz="3200" b="1" dirty="0">
+                <a:solidFill>
+                  <a:schemeClr val="accent1">
+                    <a:lumMod val="75000"/>
+                  </a:schemeClr>
+                </a:solidFill>
+                <a:latin typeface="Arial Black" panose="020B0A04020102020204" pitchFamily="34" charset="0"/>
+              </a:rPr>
+              <a:t>Customers</a:t>
+            </a:r>
+            <a:r>
+              <a:rPr lang="en-US" dirty="0"/>
+              <a:t> </a:t>
+            </a:r>
+            <a:r>
+              <a:rPr lang="en-US" sz="3200" b="1" dirty="0">
+                <a:solidFill>
+                  <a:schemeClr val="accent1">
+                    <a:lumMod val="75000"/>
+                  </a:schemeClr>
+                </a:solidFill>
+                <a:latin typeface="Arial Black" panose="020B0A04020102020204" pitchFamily="34" charset="0"/>
+              </a:rPr>
+              <a:t>Section Page</a:t>
+            </a:r>
+          </a:p>
+        </p:txBody>
+      </p:sp>
+      <p:sp>
+        <p:nvSpPr>
+          <p:cNvPr id="2" name="Footer Placeholder 1">
+            <a:extLst>
+              <a:ext uri="{FF2B5EF4-FFF2-40B4-BE49-F238E27FC236}">
+                <a16:creationId xmlns:a16="http://schemas.microsoft.com/office/drawing/2014/main" id="{DB2938DB-376E-C5DC-0A8C-5CDC51B592CD}"/>
+              </a:ext>
+            </a:extLst>
+          </p:cNvPr>
+          <p:cNvSpPr>
+            <a:spLocks noGrp="1"/>
+          </p:cNvSpPr>
+          <p:nvPr>
+            <p:ph type="ftr" sz="quarter" idx="11"/>
+          </p:nvPr>
+        </p:nvSpPr>
+        <p:spPr/>
+        <p:txBody>
+          <a:bodyPr/>
+          <a:lstStyle/>
+          <a:p>
+            <a:r>
+              <a:rPr lang="en-US"/>
+              <a:t>Pg.No.</a:t>
+            </a:r>
+          </a:p>
+        </p:txBody>
+      </p:sp>
+      <p:sp>
+        <p:nvSpPr>
+          <p:cNvPr id="3" name="Slide Number Placeholder 2">
+            <a:extLst>
+              <a:ext uri="{FF2B5EF4-FFF2-40B4-BE49-F238E27FC236}">
+                <a16:creationId xmlns:a16="http://schemas.microsoft.com/office/drawing/2014/main" id="{69BBD39C-BA08-CD53-D3B6-4BD1407E6722}"/>
+              </a:ext>
+            </a:extLst>
+          </p:cNvPr>
+          <p:cNvSpPr>
+            <a:spLocks noGrp="1"/>
+          </p:cNvSpPr>
+          <p:nvPr>
+            <p:ph type="sldNum" sz="quarter" idx="12"/>
+          </p:nvPr>
+        </p:nvSpPr>
+        <p:spPr/>
+        <p:txBody>
+          <a:bodyPr/>
+          <a:lstStyle/>
+          <a:p>
+            <a:fld id="{5AECCE9C-A74C-48F0-A7FA-3F28FA7CDF62}" type="slidenum">
+              <a:rPr lang="en-US" smtClean="0"/>
+              <a:t>13</a:t>
+            </a:fld>
+            <a:endParaRPr lang="en-US"/>
+          </a:p>
+        </p:txBody>
+      </p:sp>
+      <p:pic>
+        <p:nvPicPr>
+          <p:cNvPr id="7" name="Picture 6">
+            <a:extLst>
+              <a:ext uri="{FF2B5EF4-FFF2-40B4-BE49-F238E27FC236}">
+                <a16:creationId xmlns:a16="http://schemas.microsoft.com/office/drawing/2014/main" id="{933BDBEB-7E5D-8378-7088-C4F030BC4F7A}"/>
+              </a:ext>
+            </a:extLst>
+          </p:cNvPr>
+          <p:cNvPicPr>
+            <a:picLocks noChangeAspect="1"/>
+          </p:cNvPicPr>
+          <p:nvPr/>
+        </p:nvPicPr>
+        <p:blipFill>
+          <a:blip r:embed="rId2">
+            <a:extLst>
+              <a:ext uri="{28A0092B-C50C-407E-A947-70E740481C1C}">
+                <a14:useLocalDpi xmlns:a14="http://schemas.microsoft.com/office/drawing/2010/main" val="0"/>
+              </a:ext>
+            </a:extLst>
+          </a:blip>
+          <a:stretch>
+            <a:fillRect/>
+          </a:stretch>
+        </p:blipFill>
+        <p:spPr>
+          <a:xfrm>
+            <a:off x="724526" y="1125734"/>
+            <a:ext cx="10742948" cy="5215187"/>
+          </a:xfrm>
+          <a:prstGeom prst="rect">
+            <a:avLst/>
+          </a:prstGeom>
+        </p:spPr>
+      </p:pic>
+    </p:spTree>
+    <p:extLst>
+      <p:ext uri="{BB962C8B-B14F-4D97-AF65-F5344CB8AC3E}">
+        <p14:creationId xmlns:p14="http://schemas.microsoft.com/office/powerpoint/2010/main" val="3258587576"/>
+      </p:ext>
+    </p:extLst>
+  </p:cSld>
+  <p:clrMapOvr>
+    <a:masterClrMapping/>
+  </p:clrMapOvr>
+</p:sld>
+</file>
+
+<file path=ppt/slides/slide14.xml><?xml version="1.0" encoding="utf-8"?>
+<p:sld xmlns:a="http://schemas.openxmlformats.org/drawingml/2006/main" xmlns:r="http://schemas.openxmlformats.org/officeDocument/2006/relationships" xmlns:p="http://schemas.openxmlformats.org/presentationml/2006/main">
+  <p:cSld>
+    <p:spTree>
+      <p:nvGrpSpPr>
+        <p:cNvPr id="1" name=""/>
+        <p:cNvGrpSpPr/>
+        <p:nvPr/>
+      </p:nvGrpSpPr>
+      <p:grpSpPr>
+        <a:xfrm>
+          <a:off x="0" y="0"/>
+          <a:ext cx="0" cy="0"/>
+          <a:chOff x="0" y="0"/>
+          <a:chExt cx="0" cy="0"/>
+        </a:xfrm>
+      </p:grpSpPr>
+      <p:sp>
+        <p:nvSpPr>
+          <p:cNvPr id="2" name="Title 1">
+            <a:extLst>
+              <a:ext uri="{FF2B5EF4-FFF2-40B4-BE49-F238E27FC236}">
+                <a16:creationId xmlns:a16="http://schemas.microsoft.com/office/drawing/2014/main" id="{7DAC99B3-BA88-2E68-BDD6-CB90C32DCEFA}"/>
+              </a:ext>
+            </a:extLst>
+          </p:cNvPr>
+          <p:cNvSpPr>
+            <a:spLocks noGrp="1"/>
+          </p:cNvSpPr>
+          <p:nvPr>
+            <p:ph type="title"/>
+          </p:nvPr>
+        </p:nvSpPr>
+        <p:spPr/>
+        <p:txBody>
+          <a:bodyPr>
+            <a:normAutofit/>
+          </a:bodyPr>
+          <a:lstStyle/>
+          <a:p>
+            <a:r>
+              <a:rPr lang="en-US" sz="3200" b="1" dirty="0">
+                <a:solidFill>
+                  <a:schemeClr val="accent1">
+                    <a:lumMod val="75000"/>
+                  </a:schemeClr>
+                </a:solidFill>
+                <a:latin typeface="Arial Black" panose="020B0A04020102020204" pitchFamily="34" charset="0"/>
+              </a:rPr>
+              <a:t>Client’s requirements for the Customer Section:-</a:t>
+            </a:r>
+          </a:p>
+        </p:txBody>
+      </p:sp>
+      <p:sp>
+        <p:nvSpPr>
+          <p:cNvPr id="6" name="TextBox 5">
+            <a:extLst>
+              <a:ext uri="{FF2B5EF4-FFF2-40B4-BE49-F238E27FC236}">
+                <a16:creationId xmlns:a16="http://schemas.microsoft.com/office/drawing/2014/main" id="{02C859D5-9F9D-98AF-624C-5935F7545A5E}"/>
+              </a:ext>
+            </a:extLst>
+          </p:cNvPr>
+          <p:cNvSpPr txBox="1"/>
+          <p:nvPr/>
+        </p:nvSpPr>
+        <p:spPr>
+          <a:xfrm>
+            <a:off x="838199" y="1690688"/>
+            <a:ext cx="10254521" cy="2040046"/>
+          </a:xfrm>
+          <a:prstGeom prst="rect">
+            <a:avLst/>
+          </a:prstGeom>
+          <a:noFill/>
+        </p:spPr>
+        <p:txBody>
+          <a:bodyPr wrap="square">
+            <a:spAutoFit/>
+          </a:bodyPr>
+          <a:lstStyle/>
+          <a:p>
+            <a:pPr marL="228600" indent="-228600">
+              <a:lnSpc>
+                <a:spcPct val="70000"/>
+              </a:lnSpc>
+              <a:spcBef>
+                <a:spcPts val="1000"/>
+              </a:spcBef>
+              <a:buFont typeface="Arial" panose="020B0604020202020204" pitchFamily="34" charset="0"/>
+              <a:buChar char="•"/>
+            </a:pPr>
+            <a:r>
+              <a:rPr lang="en-US" sz="2000" b="1" dirty="0">
+                <a:solidFill>
+                  <a:srgbClr val="252423"/>
+                </a:solidFill>
+              </a:rPr>
+              <a:t>Q1. How many unique customer types the data have ?</a:t>
+            </a:r>
+          </a:p>
+          <a:p>
+            <a:pPr marL="228600" indent="-228600">
+              <a:lnSpc>
+                <a:spcPct val="70000"/>
+              </a:lnSpc>
+              <a:spcBef>
+                <a:spcPts val="1000"/>
+              </a:spcBef>
+              <a:buFont typeface="Arial" panose="020B0604020202020204" pitchFamily="34" charset="0"/>
+              <a:buChar char="•"/>
+            </a:pPr>
+            <a:r>
+              <a:rPr lang="en-US" sz="2000" b="1" dirty="0">
+                <a:solidFill>
+                  <a:srgbClr val="252423"/>
+                </a:solidFill>
+              </a:rPr>
+              <a:t>Q2. How many unique payment methods does the data have?</a:t>
+            </a:r>
+          </a:p>
+          <a:p>
+            <a:pPr marL="228600" indent="-228600">
+              <a:lnSpc>
+                <a:spcPct val="70000"/>
+              </a:lnSpc>
+              <a:spcBef>
+                <a:spcPts val="1000"/>
+              </a:spcBef>
+              <a:buFont typeface="Arial" panose="020B0604020202020204" pitchFamily="34" charset="0"/>
+              <a:buChar char="•"/>
+            </a:pPr>
+            <a:r>
+              <a:rPr lang="en-US" sz="2000" b="1" dirty="0">
+                <a:solidFill>
+                  <a:srgbClr val="252423"/>
+                </a:solidFill>
+              </a:rPr>
+              <a:t>Q3. What is the most common customer type?</a:t>
+            </a:r>
+          </a:p>
+          <a:p>
+            <a:pPr marL="228600" indent="-228600">
+              <a:lnSpc>
+                <a:spcPct val="70000"/>
+              </a:lnSpc>
+              <a:spcBef>
+                <a:spcPts val="1000"/>
+              </a:spcBef>
+              <a:buFont typeface="Arial" panose="020B0604020202020204" pitchFamily="34" charset="0"/>
+              <a:buChar char="•"/>
+            </a:pPr>
+            <a:r>
+              <a:rPr lang="en-US" sz="2000" b="1" dirty="0">
+                <a:solidFill>
+                  <a:srgbClr val="252423"/>
+                </a:solidFill>
+              </a:rPr>
+              <a:t>Q4.Which customer type buys the most?</a:t>
+            </a:r>
+          </a:p>
+          <a:p>
+            <a:pPr marL="228600" indent="-228600">
+              <a:lnSpc>
+                <a:spcPct val="70000"/>
+              </a:lnSpc>
+              <a:spcBef>
+                <a:spcPts val="1000"/>
+              </a:spcBef>
+              <a:buFont typeface="Arial" panose="020B0604020202020204" pitchFamily="34" charset="0"/>
+              <a:buChar char="•"/>
+            </a:pPr>
+            <a:r>
+              <a:rPr lang="en-US" sz="2000" b="1" dirty="0">
+                <a:solidFill>
+                  <a:srgbClr val="252423"/>
+                </a:solidFill>
+              </a:rPr>
+              <a:t>Q5.What is the gender of most of the customers ?</a:t>
+            </a:r>
+          </a:p>
+          <a:p>
+            <a:pPr marL="228600" indent="-228600">
+              <a:lnSpc>
+                <a:spcPct val="70000"/>
+              </a:lnSpc>
+              <a:spcBef>
+                <a:spcPts val="1000"/>
+              </a:spcBef>
+              <a:buFont typeface="Arial" panose="020B0604020202020204" pitchFamily="34" charset="0"/>
+              <a:buChar char="•"/>
+            </a:pPr>
+            <a:r>
+              <a:rPr lang="en-US" sz="2000" b="1" dirty="0">
+                <a:solidFill>
+                  <a:srgbClr val="252423"/>
+                </a:solidFill>
+              </a:rPr>
+              <a:t>Q6. What is the gender distribution per branch ?</a:t>
+            </a:r>
+          </a:p>
+        </p:txBody>
+      </p:sp>
+      <p:sp>
+        <p:nvSpPr>
+          <p:cNvPr id="8" name="TextBox 7">
+            <a:extLst>
+              <a:ext uri="{FF2B5EF4-FFF2-40B4-BE49-F238E27FC236}">
+                <a16:creationId xmlns:a16="http://schemas.microsoft.com/office/drawing/2014/main" id="{4C33FFF2-7AAC-E1C4-597E-AFEBC708D809}"/>
+              </a:ext>
+            </a:extLst>
+          </p:cNvPr>
+          <p:cNvSpPr txBox="1"/>
+          <p:nvPr/>
+        </p:nvSpPr>
+        <p:spPr>
+          <a:xfrm>
+            <a:off x="838198" y="3708748"/>
+            <a:ext cx="10254521" cy="1352678"/>
+          </a:xfrm>
+          <a:prstGeom prst="rect">
+            <a:avLst/>
+          </a:prstGeom>
+          <a:noFill/>
+        </p:spPr>
+        <p:txBody>
+          <a:bodyPr wrap="square">
+            <a:spAutoFit/>
+          </a:bodyPr>
+          <a:lstStyle/>
+          <a:p>
+            <a:pPr marL="228600" indent="-228600">
+              <a:lnSpc>
+                <a:spcPct val="70000"/>
+              </a:lnSpc>
+              <a:spcBef>
+                <a:spcPts val="1000"/>
+              </a:spcBef>
+              <a:buFont typeface="Arial" panose="020B0604020202020204" pitchFamily="34" charset="0"/>
+              <a:buChar char="•"/>
+            </a:pPr>
+            <a:r>
+              <a:rPr lang="en-US" sz="2000" b="1" dirty="0">
+                <a:solidFill>
+                  <a:srgbClr val="252423"/>
+                </a:solidFill>
+              </a:rPr>
+              <a:t>Q7. Which time of the day customers give most ratings ?</a:t>
+            </a:r>
+          </a:p>
+          <a:p>
+            <a:pPr marL="228600" indent="-228600">
+              <a:lnSpc>
+                <a:spcPct val="70000"/>
+              </a:lnSpc>
+              <a:spcBef>
+                <a:spcPts val="1000"/>
+              </a:spcBef>
+              <a:buFont typeface="Arial" panose="020B0604020202020204" pitchFamily="34" charset="0"/>
+              <a:buChar char="•"/>
+            </a:pPr>
+            <a:r>
+              <a:rPr lang="en-US" sz="2000" b="1" dirty="0">
+                <a:solidFill>
+                  <a:srgbClr val="252423"/>
+                </a:solidFill>
+              </a:rPr>
+              <a:t>Q8. Q7. Which time of the day customers give most ratings per branch ?</a:t>
+            </a:r>
+          </a:p>
+          <a:p>
+            <a:pPr marL="228600" indent="-228600">
+              <a:lnSpc>
+                <a:spcPct val="70000"/>
+              </a:lnSpc>
+              <a:spcBef>
+                <a:spcPts val="1000"/>
+              </a:spcBef>
+              <a:buFont typeface="Arial" panose="020B0604020202020204" pitchFamily="34" charset="0"/>
+              <a:buChar char="•"/>
+            </a:pPr>
+            <a:r>
+              <a:rPr lang="en-US" sz="2000" b="1" dirty="0">
+                <a:solidFill>
+                  <a:srgbClr val="252423"/>
+                </a:solidFill>
+              </a:rPr>
+              <a:t>Q9. Which day of the week has the best average ratings ?</a:t>
+            </a:r>
+          </a:p>
+          <a:p>
+            <a:pPr marL="228600" indent="-228600">
+              <a:lnSpc>
+                <a:spcPct val="70000"/>
+              </a:lnSpc>
+              <a:spcBef>
+                <a:spcPts val="1000"/>
+              </a:spcBef>
+              <a:buFont typeface="Arial" panose="020B0604020202020204" pitchFamily="34" charset="0"/>
+              <a:buChar char="•"/>
+            </a:pPr>
+            <a:r>
+              <a:rPr lang="en-US" sz="2000" b="1" dirty="0">
+                <a:solidFill>
+                  <a:srgbClr val="252423"/>
+                </a:solidFill>
+              </a:rPr>
+              <a:t>Q10. Which day of the week has the best average ratings per branch ?</a:t>
+            </a:r>
+          </a:p>
+        </p:txBody>
+      </p:sp>
+      <p:sp>
+        <p:nvSpPr>
+          <p:cNvPr id="4" name="Slide Number Placeholder 3">
+            <a:extLst>
+              <a:ext uri="{FF2B5EF4-FFF2-40B4-BE49-F238E27FC236}">
+                <a16:creationId xmlns:a16="http://schemas.microsoft.com/office/drawing/2014/main" id="{4411B81B-C5B4-6ADB-4D6C-945B41862F9C}"/>
+              </a:ext>
+            </a:extLst>
+          </p:cNvPr>
+          <p:cNvSpPr>
+            <a:spLocks noGrp="1"/>
+          </p:cNvSpPr>
+          <p:nvPr>
+            <p:ph type="sldNum" sz="quarter" idx="12"/>
+          </p:nvPr>
+        </p:nvSpPr>
+        <p:spPr/>
+        <p:txBody>
+          <a:bodyPr/>
+          <a:lstStyle/>
+          <a:p>
+            <a:fld id="{5AECCE9C-A74C-48F0-A7FA-3F28FA7CDF62}" type="slidenum">
+              <a:rPr lang="en-US" smtClean="0"/>
+              <a:t>14</a:t>
+            </a:fld>
+            <a:endParaRPr lang="en-US"/>
+          </a:p>
+        </p:txBody>
+      </p:sp>
+      <p:sp>
+        <p:nvSpPr>
+          <p:cNvPr id="5" name="Footer Placeholder 4">
+            <a:extLst>
+              <a:ext uri="{FF2B5EF4-FFF2-40B4-BE49-F238E27FC236}">
+                <a16:creationId xmlns:a16="http://schemas.microsoft.com/office/drawing/2014/main" id="{C743E4F2-3048-D622-2835-03FC5B035E3E}"/>
+              </a:ext>
+            </a:extLst>
+          </p:cNvPr>
+          <p:cNvSpPr>
+            <a:spLocks noGrp="1"/>
+          </p:cNvSpPr>
+          <p:nvPr>
+            <p:ph type="ftr" sz="quarter" idx="11"/>
+          </p:nvPr>
+        </p:nvSpPr>
+        <p:spPr/>
+        <p:txBody>
+          <a:bodyPr/>
+          <a:lstStyle/>
+          <a:p>
+            <a:r>
+              <a:rPr lang="en-US"/>
+              <a:t>Pg.No.</a:t>
+            </a:r>
+          </a:p>
+        </p:txBody>
+      </p:sp>
+    </p:spTree>
+    <p:extLst>
+      <p:ext uri="{BB962C8B-B14F-4D97-AF65-F5344CB8AC3E}">
+        <p14:creationId xmlns:p14="http://schemas.microsoft.com/office/powerpoint/2010/main" val="1787767678"/>
+      </p:ext>
+    </p:extLst>
+  </p:cSld>
+  <p:clrMapOvr>
+    <a:masterClrMapping/>
+  </p:clrMapOvr>
+</p:sld>
+</file>
+
+<file path=ppt/slides/slide15.xml><?xml version="1.0" encoding="utf-8"?>
+<p:sld xmlns:a="http://schemas.openxmlformats.org/drawingml/2006/main" xmlns:r="http://schemas.openxmlformats.org/officeDocument/2006/relationships" xmlns:p="http://schemas.openxmlformats.org/presentationml/2006/main">
+  <p:cSld>
+    <p:spTree>
+      <p:nvGrpSpPr>
+        <p:cNvPr id="1" name=""/>
+        <p:cNvGrpSpPr/>
+        <p:nvPr/>
+      </p:nvGrpSpPr>
+      <p:grpSpPr>
+        <a:xfrm>
+          <a:off x="0" y="0"/>
+          <a:ext cx="0" cy="0"/>
+          <a:chOff x="0" y="0"/>
+          <a:chExt cx="0" cy="0"/>
+        </a:xfrm>
+      </p:grpSpPr>
+      <p:sp>
+        <p:nvSpPr>
           <p:cNvPr id="3" name="TextBox 2">
             <a:extLst>
               <a:ext uri="{FF2B5EF4-FFF2-40B4-BE49-F238E27FC236}">
@@ -7485,7 +9542,7 @@
           <a:p>
             <a:fld id="{5AECCE9C-A74C-48F0-A7FA-3F28FA7CDF62}" type="slidenum">
               <a:rPr lang="en-US" smtClean="0"/>
-              <a:t>13</a:t>
+              <a:t>15</a:t>
             </a:fld>
             <a:endParaRPr lang="en-US"/>
           </a:p>
@@ -8274,7 +10331,7 @@
 </p:sld>
 </file>
 
-<file path=ppt/slides/slide14.xml><?xml version="1.0" encoding="utf-8"?>
+<file path=ppt/slides/slide16.xml><?xml version="1.0" encoding="utf-8"?>
 <p:sld xmlns:a="http://schemas.openxmlformats.org/drawingml/2006/main" xmlns:r="http://schemas.openxmlformats.org/officeDocument/2006/relationships" xmlns:p="http://schemas.openxmlformats.org/presentationml/2006/main">
   <p:cSld>
     <p:spTree>
@@ -8729,7 +10786,7 @@
           <a:p>
             <a:fld id="{5AECCE9C-A74C-48F0-A7FA-3F28FA7CDF62}" type="slidenum">
               <a:rPr lang="en-US" smtClean="0"/>
-              <a:t>14</a:t>
+              <a:t>16</a:t>
             </a:fld>
             <a:endParaRPr lang="en-US"/>
           </a:p>
@@ -9540,7 +11597,7 @@
 </p:sld>
 </file>
 
-<file path=ppt/slides/slide15.xml><?xml version="1.0" encoding="utf-8"?>
+<file path=ppt/slides/slide17.xml><?xml version="1.0" encoding="utf-8"?>
 <p:sld xmlns:a="http://schemas.openxmlformats.org/drawingml/2006/main" xmlns:r="http://schemas.openxmlformats.org/officeDocument/2006/relationships" xmlns:p="http://schemas.openxmlformats.org/presentationml/2006/main">
   <p:cSld>
     <p:spTree>
@@ -9974,7 +12031,7 @@
           <a:p>
             <a:fld id="{5AECCE9C-A74C-48F0-A7FA-3F28FA7CDF62}" type="slidenum">
               <a:rPr lang="en-US" smtClean="0"/>
-              <a:t>15</a:t>
+              <a:t>17</a:t>
             </a:fld>
             <a:endParaRPr lang="en-US"/>
           </a:p>
@@ -10527,7 +12584,7 @@
 </p:sld>
 </file>
 
-<file path=ppt/slides/slide16.xml><?xml version="1.0" encoding="utf-8"?>
+<file path=ppt/slides/slide18.xml><?xml version="1.0" encoding="utf-8"?>
 <p:sld xmlns:a="http://schemas.openxmlformats.org/drawingml/2006/main" xmlns:r="http://schemas.openxmlformats.org/officeDocument/2006/relationships" xmlns:p="http://schemas.openxmlformats.org/presentationml/2006/main">
   <p:cSld>
     <p:spTree>
@@ -10644,7 +12701,7 @@
           <a:p>
             <a:fld id="{5AECCE9C-A74C-48F0-A7FA-3F28FA7CDF62}" type="slidenum">
               <a:rPr lang="en-US" smtClean="0"/>
-              <a:t>16</a:t>
+              <a:t>18</a:t>
             </a:fld>
             <a:endParaRPr lang="en-US"/>
           </a:p>
@@ -10688,1173 +12745,6 @@
   <p:clrMapOvr>
     <a:masterClrMapping/>
   </p:clrMapOvr>
-</p:sld>
-</file>
-
-<file path=ppt/slides/slide17.xml><?xml version="1.0" encoding="utf-8"?>
-<p:sld xmlns:a="http://schemas.openxmlformats.org/drawingml/2006/main" xmlns:r="http://schemas.openxmlformats.org/officeDocument/2006/relationships" xmlns:p="http://schemas.openxmlformats.org/presentationml/2006/main">
-  <p:cSld>
-    <p:spTree>
-      <p:nvGrpSpPr>
-        <p:cNvPr id="1" name=""/>
-        <p:cNvGrpSpPr/>
-        <p:nvPr/>
-      </p:nvGrpSpPr>
-      <p:grpSpPr>
-        <a:xfrm>
-          <a:off x="0" y="0"/>
-          <a:ext cx="0" cy="0"/>
-          <a:chOff x="0" y="0"/>
-          <a:chExt cx="0" cy="0"/>
-        </a:xfrm>
-      </p:grpSpPr>
-      <p:sp>
-        <p:nvSpPr>
-          <p:cNvPr id="2" name="Title 1">
-            <a:extLst>
-              <a:ext uri="{FF2B5EF4-FFF2-40B4-BE49-F238E27FC236}">
-                <a16:creationId xmlns:a16="http://schemas.microsoft.com/office/drawing/2014/main" id="{CA8E1774-4F55-0DC3-66AB-5ECA4B1F2F3A}"/>
-              </a:ext>
-            </a:extLst>
-          </p:cNvPr>
-          <p:cNvSpPr>
-            <a:spLocks noGrp="1"/>
-          </p:cNvSpPr>
-          <p:nvPr>
-            <p:ph type="title"/>
-          </p:nvPr>
-        </p:nvSpPr>
-        <p:spPr/>
-        <p:txBody>
-          <a:bodyPr/>
-          <a:lstStyle/>
-          <a:p>
-            <a:r>
-              <a:rPr lang="en-US" sz="3200" b="1" dirty="0">
-                <a:solidFill>
-                  <a:schemeClr val="accent1">
-                    <a:lumMod val="75000"/>
-                  </a:schemeClr>
-                </a:solidFill>
-                <a:latin typeface="Arial Black" panose="020B0A04020102020204" pitchFamily="34" charset="0"/>
-              </a:rPr>
-              <a:t>Client’s requirements for the Customer Section:-</a:t>
-            </a:r>
-          </a:p>
-        </p:txBody>
-      </p:sp>
-      <p:sp>
-        <p:nvSpPr>
-          <p:cNvPr id="4" name="TextBox 3">
-            <a:extLst>
-              <a:ext uri="{FF2B5EF4-FFF2-40B4-BE49-F238E27FC236}">
-                <a16:creationId xmlns:a16="http://schemas.microsoft.com/office/drawing/2014/main" id="{4CC03137-0E80-5DAC-03A2-39309D8E4CBB}"/>
-              </a:ext>
-            </a:extLst>
-          </p:cNvPr>
-          <p:cNvSpPr txBox="1"/>
-          <p:nvPr/>
-        </p:nvSpPr>
-        <p:spPr>
-          <a:xfrm>
-            <a:off x="838200" y="1585757"/>
-            <a:ext cx="9834797" cy="1352678"/>
-          </a:xfrm>
-          <a:prstGeom prst="rect">
-            <a:avLst/>
-          </a:prstGeom>
-          <a:noFill/>
-        </p:spPr>
-        <p:txBody>
-          <a:bodyPr wrap="square">
-            <a:spAutoFit/>
-          </a:bodyPr>
-          <a:lstStyle/>
-          <a:p>
-            <a:pPr marL="228600" indent="-228600">
-              <a:lnSpc>
-                <a:spcPct val="70000"/>
-              </a:lnSpc>
-              <a:spcBef>
-                <a:spcPts val="1000"/>
-              </a:spcBef>
-              <a:buFont typeface="Arial" panose="020B0604020202020204" pitchFamily="34" charset="0"/>
-              <a:buChar char="•"/>
-            </a:pPr>
-            <a:r>
-              <a:rPr lang="en-US" sz="2000" b="1" dirty="0">
-                <a:solidFill>
-                  <a:srgbClr val="252423"/>
-                </a:solidFill>
-              </a:rPr>
-              <a:t>Q1. number of Sales made each time of the day per week ?</a:t>
-            </a:r>
-          </a:p>
-          <a:p>
-            <a:pPr marL="228600" indent="-228600">
-              <a:lnSpc>
-                <a:spcPct val="70000"/>
-              </a:lnSpc>
-              <a:spcBef>
-                <a:spcPts val="1000"/>
-              </a:spcBef>
-              <a:buFont typeface="Arial" panose="020B0604020202020204" pitchFamily="34" charset="0"/>
-              <a:buChar char="•"/>
-            </a:pPr>
-            <a:r>
-              <a:rPr lang="en-US" sz="2000" b="1" dirty="0">
-                <a:solidFill>
-                  <a:srgbClr val="252423"/>
-                </a:solidFill>
-              </a:rPr>
-              <a:t>Q2. Which of the customer types brings the most revenue ?</a:t>
-            </a:r>
-          </a:p>
-          <a:p>
-            <a:pPr marL="228600" indent="-228600">
-              <a:lnSpc>
-                <a:spcPct val="70000"/>
-              </a:lnSpc>
-              <a:spcBef>
-                <a:spcPts val="1000"/>
-              </a:spcBef>
-              <a:buFont typeface="Arial" panose="020B0604020202020204" pitchFamily="34" charset="0"/>
-              <a:buChar char="•"/>
-            </a:pPr>
-            <a:r>
-              <a:rPr lang="en-US" sz="2000" b="1" dirty="0">
-                <a:solidFill>
-                  <a:srgbClr val="252423"/>
-                </a:solidFill>
-              </a:rPr>
-              <a:t>Q3. Which city has the largest tax percent /vat?</a:t>
-            </a:r>
-          </a:p>
-          <a:p>
-            <a:pPr marL="228600" indent="-228600">
-              <a:lnSpc>
-                <a:spcPct val="70000"/>
-              </a:lnSpc>
-              <a:spcBef>
-                <a:spcPts val="1000"/>
-              </a:spcBef>
-              <a:buFont typeface="Arial" panose="020B0604020202020204" pitchFamily="34" charset="0"/>
-              <a:buChar char="•"/>
-            </a:pPr>
-            <a:r>
-              <a:rPr lang="en-US" sz="2000" b="1" dirty="0">
-                <a:solidFill>
-                  <a:srgbClr val="252423"/>
-                </a:solidFill>
-              </a:rPr>
-              <a:t>Q4. Which customer type pays the most vat?</a:t>
-            </a:r>
-          </a:p>
-        </p:txBody>
-      </p:sp>
-      <p:sp>
-        <p:nvSpPr>
-          <p:cNvPr id="5" name="Slide Number Placeholder 4">
-            <a:extLst>
-              <a:ext uri="{FF2B5EF4-FFF2-40B4-BE49-F238E27FC236}">
-                <a16:creationId xmlns:a16="http://schemas.microsoft.com/office/drawing/2014/main" id="{DE83DF74-4F73-8012-A119-A1E4E3D2AD74}"/>
-              </a:ext>
-            </a:extLst>
-          </p:cNvPr>
-          <p:cNvSpPr>
-            <a:spLocks noGrp="1"/>
-          </p:cNvSpPr>
-          <p:nvPr>
-            <p:ph type="sldNum" sz="quarter" idx="12"/>
-          </p:nvPr>
-        </p:nvSpPr>
-        <p:spPr/>
-        <p:txBody>
-          <a:bodyPr/>
-          <a:lstStyle/>
-          <a:p>
-            <a:fld id="{5AECCE9C-A74C-48F0-A7FA-3F28FA7CDF62}" type="slidenum">
-              <a:rPr lang="en-US" smtClean="0"/>
-              <a:t>17</a:t>
-            </a:fld>
-            <a:endParaRPr lang="en-US"/>
-          </a:p>
-        </p:txBody>
-      </p:sp>
-      <p:sp>
-        <p:nvSpPr>
-          <p:cNvPr id="6" name="Footer Placeholder 5">
-            <a:extLst>
-              <a:ext uri="{FF2B5EF4-FFF2-40B4-BE49-F238E27FC236}">
-                <a16:creationId xmlns:a16="http://schemas.microsoft.com/office/drawing/2014/main" id="{B8D40710-D462-0FDD-5FF9-2F5B39E91EB1}"/>
-              </a:ext>
-            </a:extLst>
-          </p:cNvPr>
-          <p:cNvSpPr>
-            <a:spLocks noGrp="1"/>
-          </p:cNvSpPr>
-          <p:nvPr>
-            <p:ph type="ftr" sz="quarter" idx="11"/>
-          </p:nvPr>
-        </p:nvSpPr>
-        <p:spPr/>
-        <p:txBody>
-          <a:bodyPr/>
-          <a:lstStyle/>
-          <a:p>
-            <a:r>
-              <a:rPr lang="en-US"/>
-              <a:t>Pg.No.</a:t>
-            </a:r>
-          </a:p>
-        </p:txBody>
-      </p:sp>
-    </p:spTree>
-    <p:extLst>
-      <p:ext uri="{BB962C8B-B14F-4D97-AF65-F5344CB8AC3E}">
-        <p14:creationId xmlns:p14="http://schemas.microsoft.com/office/powerpoint/2010/main" val="1985005628"/>
-      </p:ext>
-    </p:extLst>
-  </p:cSld>
-  <p:clrMapOvr>
-    <a:masterClrMapping/>
-  </p:clrMapOvr>
-</p:sld>
-</file>
-
-<file path=ppt/slides/slide18.xml><?xml version="1.0" encoding="utf-8"?>
-<p:sld xmlns:a="http://schemas.openxmlformats.org/drawingml/2006/main" xmlns:r="http://schemas.openxmlformats.org/officeDocument/2006/relationships" xmlns:p="http://schemas.openxmlformats.org/presentationml/2006/main">
-  <p:cSld>
-    <p:spTree>
-      <p:nvGrpSpPr>
-        <p:cNvPr id="1" name=""/>
-        <p:cNvGrpSpPr/>
-        <p:nvPr/>
-      </p:nvGrpSpPr>
-      <p:grpSpPr>
-        <a:xfrm>
-          <a:off x="0" y="0"/>
-          <a:ext cx="0" cy="0"/>
-          <a:chOff x="0" y="0"/>
-          <a:chExt cx="0" cy="0"/>
-        </a:xfrm>
-      </p:grpSpPr>
-      <p:sp>
-        <p:nvSpPr>
-          <p:cNvPr id="3" name="TextBox 2">
-            <a:extLst>
-              <a:ext uri="{FF2B5EF4-FFF2-40B4-BE49-F238E27FC236}">
-                <a16:creationId xmlns:a16="http://schemas.microsoft.com/office/drawing/2014/main" id="{30C25FCA-F71B-D6CD-8053-9DDA4D338C41}"/>
-              </a:ext>
-            </a:extLst>
-          </p:cNvPr>
-          <p:cNvSpPr txBox="1"/>
-          <p:nvPr/>
-        </p:nvSpPr>
-        <p:spPr>
-          <a:xfrm>
-            <a:off x="179854" y="359525"/>
-            <a:ext cx="10354455" cy="369332"/>
-          </a:xfrm>
-          <a:prstGeom prst="rect">
-            <a:avLst/>
-          </a:prstGeom>
-          <a:noFill/>
-        </p:spPr>
-        <p:txBody>
-          <a:bodyPr wrap="square">
-            <a:spAutoFit/>
-          </a:bodyPr>
-          <a:lstStyle/>
-          <a:p>
-            <a:r>
-              <a:rPr lang="en-US" b="1" i="0" dirty="0">
-                <a:solidFill>
-                  <a:srgbClr val="252423"/>
-                </a:solidFill>
-                <a:effectLst/>
-                <a:latin typeface="Segoe UI" panose="020B0502040204020203" pitchFamily="34" charset="0"/>
-              </a:rPr>
-              <a:t>Q1. Number of Sales made each time of the day per week ?</a:t>
-            </a:r>
-          </a:p>
-        </p:txBody>
-      </p:sp>
-      <p:pic>
-        <p:nvPicPr>
-          <p:cNvPr id="5" name="Picture 4">
-            <a:extLst>
-              <a:ext uri="{FF2B5EF4-FFF2-40B4-BE49-F238E27FC236}">
-                <a16:creationId xmlns:a16="http://schemas.microsoft.com/office/drawing/2014/main" id="{06C84105-E55C-2EBC-F72D-7C96C79F0DDA}"/>
-              </a:ext>
-            </a:extLst>
-          </p:cNvPr>
-          <p:cNvPicPr>
-            <a:picLocks noChangeAspect="1"/>
-          </p:cNvPicPr>
-          <p:nvPr/>
-        </p:nvPicPr>
-        <p:blipFill>
-          <a:blip r:embed="rId2">
-            <a:extLst>
-              <a:ext uri="{28A0092B-C50C-407E-A947-70E740481C1C}">
-                <a14:useLocalDpi xmlns:a14="http://schemas.microsoft.com/office/drawing/2010/main" val="0"/>
-              </a:ext>
-            </a:extLst>
-          </a:blip>
-          <a:stretch>
-            <a:fillRect/>
-          </a:stretch>
-        </p:blipFill>
-        <p:spPr>
-          <a:xfrm>
-            <a:off x="9637102" y="102319"/>
-            <a:ext cx="2375044" cy="3075596"/>
-          </a:xfrm>
-          <a:prstGeom prst="rect">
-            <a:avLst/>
-          </a:prstGeom>
-        </p:spPr>
-      </p:pic>
-      <p:sp>
-        <p:nvSpPr>
-          <p:cNvPr id="7" name="TextBox 6">
-            <a:extLst>
-              <a:ext uri="{FF2B5EF4-FFF2-40B4-BE49-F238E27FC236}">
-                <a16:creationId xmlns:a16="http://schemas.microsoft.com/office/drawing/2014/main" id="{1F2791AC-E3E0-89C5-AF54-4D57C0028630}"/>
-              </a:ext>
-            </a:extLst>
-          </p:cNvPr>
-          <p:cNvSpPr txBox="1"/>
-          <p:nvPr/>
-        </p:nvSpPr>
-        <p:spPr>
-          <a:xfrm>
-            <a:off x="179854" y="728857"/>
-            <a:ext cx="9457248" cy="646331"/>
-          </a:xfrm>
-          <a:prstGeom prst="rect">
-            <a:avLst/>
-          </a:prstGeom>
-          <a:noFill/>
-        </p:spPr>
-        <p:txBody>
-          <a:bodyPr wrap="square">
-            <a:spAutoFit/>
-          </a:bodyPr>
-          <a:lstStyle/>
-          <a:p>
-            <a:r>
-              <a:rPr lang="en-US" b="1" i="0" dirty="0">
-                <a:solidFill>
-                  <a:srgbClr val="252423"/>
-                </a:solidFill>
-                <a:effectLst/>
-                <a:latin typeface="Segoe UI" panose="020B0502040204020203" pitchFamily="34" charset="0"/>
-              </a:rPr>
-              <a:t>Ans</a:t>
-            </a:r>
-            <a:r>
-              <a:rPr lang="en-US" b="0" i="0" dirty="0">
-                <a:solidFill>
-                  <a:srgbClr val="252423"/>
-                </a:solidFill>
-                <a:effectLst/>
-                <a:latin typeface="Segoe UI" panose="020B0502040204020203" pitchFamily="34" charset="0"/>
-              </a:rPr>
-              <a:t>. </a:t>
-            </a:r>
-            <a:r>
-              <a:rPr lang="en-US" b="0" i="0" dirty="0">
-                <a:solidFill>
-                  <a:schemeClr val="accent5">
-                    <a:lumMod val="50000"/>
-                  </a:schemeClr>
-                </a:solidFill>
-                <a:effectLst/>
-                <a:latin typeface="Segoe UI" panose="020B0502040204020203" pitchFamily="34" charset="0"/>
-              </a:rPr>
-              <a:t>By referring to the visual of Table Snapshot of Product Sales Frequency by the Time of the day for the whole week we conclude that Afternoon has the highest frequency of sales.</a:t>
-            </a:r>
-          </a:p>
-        </p:txBody>
-      </p:sp>
-      <p:sp>
-        <p:nvSpPr>
-          <p:cNvPr id="9" name="TextBox 8">
-            <a:extLst>
-              <a:ext uri="{FF2B5EF4-FFF2-40B4-BE49-F238E27FC236}">
-                <a16:creationId xmlns:a16="http://schemas.microsoft.com/office/drawing/2014/main" id="{73E05EAD-0D67-5043-F236-5CAB57695BA6}"/>
-              </a:ext>
-            </a:extLst>
-          </p:cNvPr>
-          <p:cNvSpPr txBox="1"/>
-          <p:nvPr/>
-        </p:nvSpPr>
-        <p:spPr>
-          <a:xfrm>
-            <a:off x="234818" y="1584054"/>
-            <a:ext cx="9174008" cy="369332"/>
-          </a:xfrm>
-          <a:prstGeom prst="rect">
-            <a:avLst/>
-          </a:prstGeom>
-          <a:noFill/>
-        </p:spPr>
-        <p:txBody>
-          <a:bodyPr wrap="square">
-            <a:spAutoFit/>
-          </a:bodyPr>
-          <a:lstStyle/>
-          <a:p>
-            <a:r>
-              <a:rPr lang="en-US" b="1" i="0" dirty="0">
-                <a:solidFill>
-                  <a:srgbClr val="252423"/>
-                </a:solidFill>
-                <a:effectLst/>
-                <a:latin typeface="Segoe UI" panose="020B0502040204020203" pitchFamily="34" charset="0"/>
-              </a:rPr>
-              <a:t>Q2. Which of the customer types brings the most revenue ?</a:t>
-            </a:r>
-            <a:endParaRPr lang="en-US" b="1" dirty="0"/>
-          </a:p>
-        </p:txBody>
-      </p:sp>
-      <p:pic>
-        <p:nvPicPr>
-          <p:cNvPr id="13" name="Picture 12">
-            <a:extLst>
-              <a:ext uri="{FF2B5EF4-FFF2-40B4-BE49-F238E27FC236}">
-                <a16:creationId xmlns:a16="http://schemas.microsoft.com/office/drawing/2014/main" id="{9592684A-2301-90F1-922E-6E3E8EED14D4}"/>
-              </a:ext>
-            </a:extLst>
-          </p:cNvPr>
-          <p:cNvPicPr>
-            <a:picLocks noChangeAspect="1"/>
-          </p:cNvPicPr>
-          <p:nvPr/>
-        </p:nvPicPr>
-        <p:blipFill>
-          <a:blip r:embed="rId3">
-            <a:extLst>
-              <a:ext uri="{28A0092B-C50C-407E-A947-70E740481C1C}">
-                <a14:useLocalDpi xmlns:a14="http://schemas.microsoft.com/office/drawing/2010/main" val="0"/>
-              </a:ext>
-            </a:extLst>
-          </a:blip>
-          <a:stretch>
-            <a:fillRect/>
-          </a:stretch>
-        </p:blipFill>
-        <p:spPr>
-          <a:xfrm>
-            <a:off x="234818" y="2062009"/>
-            <a:ext cx="9174008" cy="2796439"/>
-          </a:xfrm>
-          <a:prstGeom prst="rect">
-            <a:avLst/>
-          </a:prstGeom>
-        </p:spPr>
-      </p:pic>
-      <p:sp>
-        <p:nvSpPr>
-          <p:cNvPr id="15" name="TextBox 14">
-            <a:extLst>
-              <a:ext uri="{FF2B5EF4-FFF2-40B4-BE49-F238E27FC236}">
-                <a16:creationId xmlns:a16="http://schemas.microsoft.com/office/drawing/2014/main" id="{AD306959-9611-7085-D2F2-6C3FAC60A4D6}"/>
-              </a:ext>
-            </a:extLst>
-          </p:cNvPr>
-          <p:cNvSpPr txBox="1"/>
-          <p:nvPr/>
-        </p:nvSpPr>
-        <p:spPr>
-          <a:xfrm>
-            <a:off x="234818" y="5062889"/>
-            <a:ext cx="11652382" cy="1200329"/>
-          </a:xfrm>
-          <a:prstGeom prst="rect">
-            <a:avLst/>
-          </a:prstGeom>
-          <a:noFill/>
-        </p:spPr>
-        <p:txBody>
-          <a:bodyPr wrap="square">
-            <a:spAutoFit/>
-          </a:bodyPr>
-          <a:lstStyle/>
-          <a:p>
-            <a:r>
-              <a:rPr lang="en-US" b="1" dirty="0"/>
-              <a:t>Ans</a:t>
-            </a:r>
-            <a:r>
-              <a:rPr lang="en-US" dirty="0"/>
-              <a:t>. </a:t>
-            </a:r>
-            <a:r>
-              <a:rPr lang="en-US" dirty="0">
-                <a:solidFill>
-                  <a:schemeClr val="accent5">
-                    <a:lumMod val="50000"/>
-                  </a:schemeClr>
-                </a:solidFill>
-              </a:rPr>
-              <a:t>By referring to these two visuals together i.e., Pie chart “Tax Percentage by City and Customer_type” and Table “Snapshot of Products Frequency by Time of the day ” we can easily conclude that Member type of customer have 50.85% of 322,966.75 which sums to about 164228.24 while Normal type of customer has 49.15% of the total revenue generated which sums to about 158738.1576  </a:t>
-            </a:r>
-          </a:p>
-        </p:txBody>
-      </p:sp>
-      <p:sp>
-        <p:nvSpPr>
-          <p:cNvPr id="4" name="Slide Number Placeholder 3">
-            <a:extLst>
-              <a:ext uri="{FF2B5EF4-FFF2-40B4-BE49-F238E27FC236}">
-                <a16:creationId xmlns:a16="http://schemas.microsoft.com/office/drawing/2014/main" id="{5DFF0357-9BB3-9BBE-FD8A-0ED9634AA43A}"/>
-              </a:ext>
-            </a:extLst>
-          </p:cNvPr>
-          <p:cNvSpPr>
-            <a:spLocks noGrp="1"/>
-          </p:cNvSpPr>
-          <p:nvPr>
-            <p:ph type="sldNum" sz="quarter" idx="12"/>
-          </p:nvPr>
-        </p:nvSpPr>
-        <p:spPr/>
-        <p:txBody>
-          <a:bodyPr/>
-          <a:lstStyle/>
-          <a:p>
-            <a:fld id="{5AECCE9C-A74C-48F0-A7FA-3F28FA7CDF62}" type="slidenum">
-              <a:rPr lang="en-US" smtClean="0"/>
-              <a:t>18</a:t>
-            </a:fld>
-            <a:endParaRPr lang="en-US"/>
-          </a:p>
-        </p:txBody>
-      </p:sp>
-      <p:sp>
-        <p:nvSpPr>
-          <p:cNvPr id="6" name="Footer Placeholder 5">
-            <a:extLst>
-              <a:ext uri="{FF2B5EF4-FFF2-40B4-BE49-F238E27FC236}">
-                <a16:creationId xmlns:a16="http://schemas.microsoft.com/office/drawing/2014/main" id="{515A959D-23A0-6845-DF35-6A4CF08C986C}"/>
-              </a:ext>
-            </a:extLst>
-          </p:cNvPr>
-          <p:cNvSpPr>
-            <a:spLocks noGrp="1"/>
-          </p:cNvSpPr>
-          <p:nvPr>
-            <p:ph type="ftr" sz="quarter" idx="11"/>
-          </p:nvPr>
-        </p:nvSpPr>
-        <p:spPr/>
-        <p:txBody>
-          <a:bodyPr/>
-          <a:lstStyle/>
-          <a:p>
-            <a:r>
-              <a:rPr lang="en-US"/>
-              <a:t>Pg.No.</a:t>
-            </a:r>
-          </a:p>
-        </p:txBody>
-      </p:sp>
-    </p:spTree>
-    <p:extLst>
-      <p:ext uri="{BB962C8B-B14F-4D97-AF65-F5344CB8AC3E}">
-        <p14:creationId xmlns:p14="http://schemas.microsoft.com/office/powerpoint/2010/main" val="3171806233"/>
-      </p:ext>
-    </p:extLst>
-  </p:cSld>
-  <p:clrMapOvr>
-    <a:masterClrMapping/>
-  </p:clrMapOvr>
-  <p:timing>
-    <p:tnLst>
-      <p:par>
-        <p:cTn id="1" dur="indefinite" restart="never" nodeType="tmRoot">
-          <p:childTnLst>
-            <p:seq concurrent="1" nextAc="seek">
-              <p:cTn id="2" dur="indefinite" nodeType="mainSeq">
-                <p:childTnLst>
-                  <p:par>
-                    <p:cTn id="3" fill="hold">
-                      <p:stCondLst>
-                        <p:cond delay="indefinite"/>
-                      </p:stCondLst>
-                      <p:childTnLst>
-                        <p:par>
-                          <p:cTn id="4" fill="hold">
-                            <p:stCondLst>
-                              <p:cond delay="0"/>
-                            </p:stCondLst>
-                            <p:childTnLst>
-                              <p:par>
-                                <p:cTn id="5" presetID="2" presetClass="entr" presetSubtype="4" fill="hold" grpId="0" nodeType="clickEffect">
-                                  <p:stCondLst>
-                                    <p:cond delay="0"/>
-                                  </p:stCondLst>
-                                  <p:childTnLst>
-                                    <p:set>
-                                      <p:cBhvr>
-                                        <p:cTn id="6" dur="1" fill="hold">
-                                          <p:stCondLst>
-                                            <p:cond delay="0"/>
-                                          </p:stCondLst>
-                                        </p:cTn>
-                                        <p:tgtEl>
-                                          <p:spTgt spid="3"/>
-                                        </p:tgtEl>
-                                        <p:attrNameLst>
-                                          <p:attrName>style.visibility</p:attrName>
-                                        </p:attrNameLst>
-                                      </p:cBhvr>
-                                      <p:to>
-                                        <p:strVal val="visible"/>
-                                      </p:to>
-                                    </p:set>
-                                    <p:anim calcmode="lin" valueType="num">
-                                      <p:cBhvr additive="base">
-                                        <p:cTn id="7" dur="500" fill="hold"/>
-                                        <p:tgtEl>
-                                          <p:spTgt spid="3"/>
-                                        </p:tgtEl>
-                                        <p:attrNameLst>
-                                          <p:attrName>ppt_x</p:attrName>
-                                        </p:attrNameLst>
-                                      </p:cBhvr>
-                                      <p:tavLst>
-                                        <p:tav tm="0">
-                                          <p:val>
-                                            <p:strVal val="#ppt_x"/>
-                                          </p:val>
-                                        </p:tav>
-                                        <p:tav tm="100000">
-                                          <p:val>
-                                            <p:strVal val="#ppt_x"/>
-                                          </p:val>
-                                        </p:tav>
-                                      </p:tavLst>
-                                    </p:anim>
-                                    <p:anim calcmode="lin" valueType="num">
-                                      <p:cBhvr additive="base">
-                                        <p:cTn id="8" dur="500" fill="hold"/>
-                                        <p:tgtEl>
-                                          <p:spTgt spid="3"/>
-                                        </p:tgtEl>
-                                        <p:attrNameLst>
-                                          <p:attrName>ppt_y</p:attrName>
-                                        </p:attrNameLst>
-                                      </p:cBhvr>
-                                      <p:tavLst>
-                                        <p:tav tm="0">
-                                          <p:val>
-                                            <p:strVal val="1+#ppt_h/2"/>
-                                          </p:val>
-                                        </p:tav>
-                                        <p:tav tm="100000">
-                                          <p:val>
-                                            <p:strVal val="#ppt_y"/>
-                                          </p:val>
-                                        </p:tav>
-                                      </p:tavLst>
-                                    </p:anim>
-                                  </p:childTnLst>
-                                </p:cTn>
-                              </p:par>
-                            </p:childTnLst>
-                          </p:cTn>
-                        </p:par>
-                      </p:childTnLst>
-                    </p:cTn>
-                  </p:par>
-                  <p:par>
-                    <p:cTn id="9" fill="hold">
-                      <p:stCondLst>
-                        <p:cond delay="indefinite"/>
-                      </p:stCondLst>
-                      <p:childTnLst>
-                        <p:par>
-                          <p:cTn id="10" fill="hold">
-                            <p:stCondLst>
-                              <p:cond delay="0"/>
-                            </p:stCondLst>
-                            <p:childTnLst>
-                              <p:par>
-                                <p:cTn id="11" presetID="2" presetClass="entr" presetSubtype="4" fill="hold" nodeType="clickEffect">
-                                  <p:stCondLst>
-                                    <p:cond delay="0"/>
-                                  </p:stCondLst>
-                                  <p:childTnLst>
-                                    <p:set>
-                                      <p:cBhvr>
-                                        <p:cTn id="12" dur="1" fill="hold">
-                                          <p:stCondLst>
-                                            <p:cond delay="0"/>
-                                          </p:stCondLst>
-                                        </p:cTn>
-                                        <p:tgtEl>
-                                          <p:spTgt spid="5"/>
-                                        </p:tgtEl>
-                                        <p:attrNameLst>
-                                          <p:attrName>style.visibility</p:attrName>
-                                        </p:attrNameLst>
-                                      </p:cBhvr>
-                                      <p:to>
-                                        <p:strVal val="visible"/>
-                                      </p:to>
-                                    </p:set>
-                                    <p:anim calcmode="lin" valueType="num">
-                                      <p:cBhvr additive="base">
-                                        <p:cTn id="13" dur="500" fill="hold"/>
-                                        <p:tgtEl>
-                                          <p:spTgt spid="5"/>
-                                        </p:tgtEl>
-                                        <p:attrNameLst>
-                                          <p:attrName>ppt_x</p:attrName>
-                                        </p:attrNameLst>
-                                      </p:cBhvr>
-                                      <p:tavLst>
-                                        <p:tav tm="0">
-                                          <p:val>
-                                            <p:strVal val="#ppt_x"/>
-                                          </p:val>
-                                        </p:tav>
-                                        <p:tav tm="100000">
-                                          <p:val>
-                                            <p:strVal val="#ppt_x"/>
-                                          </p:val>
-                                        </p:tav>
-                                      </p:tavLst>
-                                    </p:anim>
-                                    <p:anim calcmode="lin" valueType="num">
-                                      <p:cBhvr additive="base">
-                                        <p:cTn id="14" dur="500" fill="hold"/>
-                                        <p:tgtEl>
-                                          <p:spTgt spid="5"/>
-                                        </p:tgtEl>
-                                        <p:attrNameLst>
-                                          <p:attrName>ppt_y</p:attrName>
-                                        </p:attrNameLst>
-                                      </p:cBhvr>
-                                      <p:tavLst>
-                                        <p:tav tm="0">
-                                          <p:val>
-                                            <p:strVal val="1+#ppt_h/2"/>
-                                          </p:val>
-                                        </p:tav>
-                                        <p:tav tm="100000">
-                                          <p:val>
-                                            <p:strVal val="#ppt_y"/>
-                                          </p:val>
-                                        </p:tav>
-                                      </p:tavLst>
-                                    </p:anim>
-                                  </p:childTnLst>
-                                </p:cTn>
-                              </p:par>
-                            </p:childTnLst>
-                          </p:cTn>
-                        </p:par>
-                      </p:childTnLst>
-                    </p:cTn>
-                  </p:par>
-                  <p:par>
-                    <p:cTn id="15" fill="hold">
-                      <p:stCondLst>
-                        <p:cond delay="indefinite"/>
-                      </p:stCondLst>
-                      <p:childTnLst>
-                        <p:par>
-                          <p:cTn id="16" fill="hold">
-                            <p:stCondLst>
-                              <p:cond delay="0"/>
-                            </p:stCondLst>
-                            <p:childTnLst>
-                              <p:par>
-                                <p:cTn id="17" presetID="2" presetClass="entr" presetSubtype="4" fill="hold" grpId="0" nodeType="clickEffect">
-                                  <p:stCondLst>
-                                    <p:cond delay="0"/>
-                                  </p:stCondLst>
-                                  <p:childTnLst>
-                                    <p:set>
-                                      <p:cBhvr>
-                                        <p:cTn id="18" dur="1" fill="hold">
-                                          <p:stCondLst>
-                                            <p:cond delay="0"/>
-                                          </p:stCondLst>
-                                        </p:cTn>
-                                        <p:tgtEl>
-                                          <p:spTgt spid="7"/>
-                                        </p:tgtEl>
-                                        <p:attrNameLst>
-                                          <p:attrName>style.visibility</p:attrName>
-                                        </p:attrNameLst>
-                                      </p:cBhvr>
-                                      <p:to>
-                                        <p:strVal val="visible"/>
-                                      </p:to>
-                                    </p:set>
-                                    <p:anim calcmode="lin" valueType="num">
-                                      <p:cBhvr additive="base">
-                                        <p:cTn id="19" dur="500" fill="hold"/>
-                                        <p:tgtEl>
-                                          <p:spTgt spid="7"/>
-                                        </p:tgtEl>
-                                        <p:attrNameLst>
-                                          <p:attrName>ppt_x</p:attrName>
-                                        </p:attrNameLst>
-                                      </p:cBhvr>
-                                      <p:tavLst>
-                                        <p:tav tm="0">
-                                          <p:val>
-                                            <p:strVal val="#ppt_x"/>
-                                          </p:val>
-                                        </p:tav>
-                                        <p:tav tm="100000">
-                                          <p:val>
-                                            <p:strVal val="#ppt_x"/>
-                                          </p:val>
-                                        </p:tav>
-                                      </p:tavLst>
-                                    </p:anim>
-                                    <p:anim calcmode="lin" valueType="num">
-                                      <p:cBhvr additive="base">
-                                        <p:cTn id="20" dur="500" fill="hold"/>
-                                        <p:tgtEl>
-                                          <p:spTgt spid="7"/>
-                                        </p:tgtEl>
-                                        <p:attrNameLst>
-                                          <p:attrName>ppt_y</p:attrName>
-                                        </p:attrNameLst>
-                                      </p:cBhvr>
-                                      <p:tavLst>
-                                        <p:tav tm="0">
-                                          <p:val>
-                                            <p:strVal val="1+#ppt_h/2"/>
-                                          </p:val>
-                                        </p:tav>
-                                        <p:tav tm="100000">
-                                          <p:val>
-                                            <p:strVal val="#ppt_y"/>
-                                          </p:val>
-                                        </p:tav>
-                                      </p:tavLst>
-                                    </p:anim>
-                                  </p:childTnLst>
-                                </p:cTn>
-                              </p:par>
-                            </p:childTnLst>
-                          </p:cTn>
-                        </p:par>
-                      </p:childTnLst>
-                    </p:cTn>
-                  </p:par>
-                  <p:par>
-                    <p:cTn id="21" fill="hold">
-                      <p:stCondLst>
-                        <p:cond delay="indefinite"/>
-                      </p:stCondLst>
-                      <p:childTnLst>
-                        <p:par>
-                          <p:cTn id="22" fill="hold">
-                            <p:stCondLst>
-                              <p:cond delay="0"/>
-                            </p:stCondLst>
-                            <p:childTnLst>
-                              <p:par>
-                                <p:cTn id="23" presetID="2" presetClass="entr" presetSubtype="4" fill="hold" grpId="0" nodeType="clickEffect">
-                                  <p:stCondLst>
-                                    <p:cond delay="0"/>
-                                  </p:stCondLst>
-                                  <p:childTnLst>
-                                    <p:set>
-                                      <p:cBhvr>
-                                        <p:cTn id="24" dur="1" fill="hold">
-                                          <p:stCondLst>
-                                            <p:cond delay="0"/>
-                                          </p:stCondLst>
-                                        </p:cTn>
-                                        <p:tgtEl>
-                                          <p:spTgt spid="9"/>
-                                        </p:tgtEl>
-                                        <p:attrNameLst>
-                                          <p:attrName>style.visibility</p:attrName>
-                                        </p:attrNameLst>
-                                      </p:cBhvr>
-                                      <p:to>
-                                        <p:strVal val="visible"/>
-                                      </p:to>
-                                    </p:set>
-                                    <p:anim calcmode="lin" valueType="num">
-                                      <p:cBhvr additive="base">
-                                        <p:cTn id="25" dur="500" fill="hold"/>
-                                        <p:tgtEl>
-                                          <p:spTgt spid="9"/>
-                                        </p:tgtEl>
-                                        <p:attrNameLst>
-                                          <p:attrName>ppt_x</p:attrName>
-                                        </p:attrNameLst>
-                                      </p:cBhvr>
-                                      <p:tavLst>
-                                        <p:tav tm="0">
-                                          <p:val>
-                                            <p:strVal val="#ppt_x"/>
-                                          </p:val>
-                                        </p:tav>
-                                        <p:tav tm="100000">
-                                          <p:val>
-                                            <p:strVal val="#ppt_x"/>
-                                          </p:val>
-                                        </p:tav>
-                                      </p:tavLst>
-                                    </p:anim>
-                                    <p:anim calcmode="lin" valueType="num">
-                                      <p:cBhvr additive="base">
-                                        <p:cTn id="26" dur="500" fill="hold"/>
-                                        <p:tgtEl>
-                                          <p:spTgt spid="9"/>
-                                        </p:tgtEl>
-                                        <p:attrNameLst>
-                                          <p:attrName>ppt_y</p:attrName>
-                                        </p:attrNameLst>
-                                      </p:cBhvr>
-                                      <p:tavLst>
-                                        <p:tav tm="0">
-                                          <p:val>
-                                            <p:strVal val="1+#ppt_h/2"/>
-                                          </p:val>
-                                        </p:tav>
-                                        <p:tav tm="100000">
-                                          <p:val>
-                                            <p:strVal val="#ppt_y"/>
-                                          </p:val>
-                                        </p:tav>
-                                      </p:tavLst>
-                                    </p:anim>
-                                  </p:childTnLst>
-                                </p:cTn>
-                              </p:par>
-                            </p:childTnLst>
-                          </p:cTn>
-                        </p:par>
-                      </p:childTnLst>
-                    </p:cTn>
-                  </p:par>
-                  <p:par>
-                    <p:cTn id="27" fill="hold">
-                      <p:stCondLst>
-                        <p:cond delay="indefinite"/>
-                      </p:stCondLst>
-                      <p:childTnLst>
-                        <p:par>
-                          <p:cTn id="28" fill="hold">
-                            <p:stCondLst>
-                              <p:cond delay="0"/>
-                            </p:stCondLst>
-                            <p:childTnLst>
-                              <p:par>
-                                <p:cTn id="29" presetID="2" presetClass="entr" presetSubtype="4" fill="hold" nodeType="clickEffect">
-                                  <p:stCondLst>
-                                    <p:cond delay="0"/>
-                                  </p:stCondLst>
-                                  <p:childTnLst>
-                                    <p:set>
-                                      <p:cBhvr>
-                                        <p:cTn id="30" dur="1" fill="hold">
-                                          <p:stCondLst>
-                                            <p:cond delay="0"/>
-                                          </p:stCondLst>
-                                        </p:cTn>
-                                        <p:tgtEl>
-                                          <p:spTgt spid="13"/>
-                                        </p:tgtEl>
-                                        <p:attrNameLst>
-                                          <p:attrName>style.visibility</p:attrName>
-                                        </p:attrNameLst>
-                                      </p:cBhvr>
-                                      <p:to>
-                                        <p:strVal val="visible"/>
-                                      </p:to>
-                                    </p:set>
-                                    <p:anim calcmode="lin" valueType="num">
-                                      <p:cBhvr additive="base">
-                                        <p:cTn id="31" dur="500" fill="hold"/>
-                                        <p:tgtEl>
-                                          <p:spTgt spid="13"/>
-                                        </p:tgtEl>
-                                        <p:attrNameLst>
-                                          <p:attrName>ppt_x</p:attrName>
-                                        </p:attrNameLst>
-                                      </p:cBhvr>
-                                      <p:tavLst>
-                                        <p:tav tm="0">
-                                          <p:val>
-                                            <p:strVal val="#ppt_x"/>
-                                          </p:val>
-                                        </p:tav>
-                                        <p:tav tm="100000">
-                                          <p:val>
-                                            <p:strVal val="#ppt_x"/>
-                                          </p:val>
-                                        </p:tav>
-                                      </p:tavLst>
-                                    </p:anim>
-                                    <p:anim calcmode="lin" valueType="num">
-                                      <p:cBhvr additive="base">
-                                        <p:cTn id="32" dur="500" fill="hold"/>
-                                        <p:tgtEl>
-                                          <p:spTgt spid="13"/>
-                                        </p:tgtEl>
-                                        <p:attrNameLst>
-                                          <p:attrName>ppt_y</p:attrName>
-                                        </p:attrNameLst>
-                                      </p:cBhvr>
-                                      <p:tavLst>
-                                        <p:tav tm="0">
-                                          <p:val>
-                                            <p:strVal val="1+#ppt_h/2"/>
-                                          </p:val>
-                                        </p:tav>
-                                        <p:tav tm="100000">
-                                          <p:val>
-                                            <p:strVal val="#ppt_y"/>
-                                          </p:val>
-                                        </p:tav>
-                                      </p:tavLst>
-                                    </p:anim>
-                                  </p:childTnLst>
-                                </p:cTn>
-                              </p:par>
-                            </p:childTnLst>
-                          </p:cTn>
-                        </p:par>
-                      </p:childTnLst>
-                    </p:cTn>
-                  </p:par>
-                  <p:par>
-                    <p:cTn id="33" fill="hold">
-                      <p:stCondLst>
-                        <p:cond delay="indefinite"/>
-                      </p:stCondLst>
-                      <p:childTnLst>
-                        <p:par>
-                          <p:cTn id="34" fill="hold">
-                            <p:stCondLst>
-                              <p:cond delay="0"/>
-                            </p:stCondLst>
-                            <p:childTnLst>
-                              <p:par>
-                                <p:cTn id="35" presetID="2" presetClass="entr" presetSubtype="4" fill="hold" grpId="0" nodeType="clickEffect">
-                                  <p:stCondLst>
-                                    <p:cond delay="0"/>
-                                  </p:stCondLst>
-                                  <p:childTnLst>
-                                    <p:set>
-                                      <p:cBhvr>
-                                        <p:cTn id="36" dur="1" fill="hold">
-                                          <p:stCondLst>
-                                            <p:cond delay="0"/>
-                                          </p:stCondLst>
-                                        </p:cTn>
-                                        <p:tgtEl>
-                                          <p:spTgt spid="15"/>
-                                        </p:tgtEl>
-                                        <p:attrNameLst>
-                                          <p:attrName>style.visibility</p:attrName>
-                                        </p:attrNameLst>
-                                      </p:cBhvr>
-                                      <p:to>
-                                        <p:strVal val="visible"/>
-                                      </p:to>
-                                    </p:set>
-                                    <p:anim calcmode="lin" valueType="num">
-                                      <p:cBhvr additive="base">
-                                        <p:cTn id="37" dur="500" fill="hold"/>
-                                        <p:tgtEl>
-                                          <p:spTgt spid="15"/>
-                                        </p:tgtEl>
-                                        <p:attrNameLst>
-                                          <p:attrName>ppt_x</p:attrName>
-                                        </p:attrNameLst>
-                                      </p:cBhvr>
-                                      <p:tavLst>
-                                        <p:tav tm="0">
-                                          <p:val>
-                                            <p:strVal val="#ppt_x"/>
-                                          </p:val>
-                                        </p:tav>
-                                        <p:tav tm="100000">
-                                          <p:val>
-                                            <p:strVal val="#ppt_x"/>
-                                          </p:val>
-                                        </p:tav>
-                                      </p:tavLst>
-                                    </p:anim>
-                                    <p:anim calcmode="lin" valueType="num">
-                                      <p:cBhvr additive="base">
-                                        <p:cTn id="38" dur="500" fill="hold"/>
-                                        <p:tgtEl>
-                                          <p:spTgt spid="15"/>
-                                        </p:tgtEl>
-                                        <p:attrNameLst>
-                                          <p:attrName>ppt_y</p:attrName>
-                                        </p:attrNameLst>
-                                      </p:cBhvr>
-                                      <p:tavLst>
-                                        <p:tav tm="0">
-                                          <p:val>
-                                            <p:strVal val="1+#ppt_h/2"/>
-                                          </p:val>
-                                        </p:tav>
-                                        <p:tav tm="100000">
-                                          <p:val>
-                                            <p:strVal val="#ppt_y"/>
-                                          </p:val>
-                                        </p:tav>
-                                      </p:tavLst>
-                                    </p:anim>
-                                  </p:childTnLst>
-                                </p:cTn>
-                              </p:par>
-                            </p:childTnLst>
-                          </p:cTn>
-                        </p:par>
-                      </p:childTnLst>
-                    </p:cTn>
-                  </p:par>
-                </p:childTnLst>
-              </p:cTn>
-              <p:prevCondLst>
-                <p:cond evt="onPrev" delay="0">
-                  <p:tgtEl>
-                    <p:sldTgt/>
-                  </p:tgtEl>
-                </p:cond>
-              </p:prevCondLst>
-              <p:nextCondLst>
-                <p:cond evt="onNext" delay="0">
-                  <p:tgtEl>
-                    <p:sldTgt/>
-                  </p:tgtEl>
-                </p:cond>
-              </p:nextCondLst>
-            </p:seq>
-          </p:childTnLst>
-        </p:cTn>
-      </p:par>
-    </p:tnLst>
-    <p:bldLst>
-      <p:bldP spid="3" grpId="0"/>
-      <p:bldP spid="7" grpId="0"/>
-      <p:bldP spid="9" grpId="0"/>
-      <p:bldP spid="15" grpId="0"/>
-    </p:bldLst>
-  </p:timing>
 </p:sld>
 </file>
 
@@ -11877,304 +12767,94 @@
       </p:grpSpPr>
       <p:sp>
         <p:nvSpPr>
-          <p:cNvPr id="3" name="TextBox 2">
-            <a:extLst>
-              <a:ext uri="{FF2B5EF4-FFF2-40B4-BE49-F238E27FC236}">
-                <a16:creationId xmlns:a16="http://schemas.microsoft.com/office/drawing/2014/main" id="{FD0A0697-E871-C4B5-9FBE-7C409AE0FA51}"/>
-              </a:ext>
-            </a:extLst>
-          </p:cNvPr>
-          <p:cNvSpPr txBox="1"/>
-          <p:nvPr/>
+          <p:cNvPr id="6" name="Title 5">
+            <a:extLst>
+              <a:ext uri="{FF2B5EF4-FFF2-40B4-BE49-F238E27FC236}">
+                <a16:creationId xmlns:a16="http://schemas.microsoft.com/office/drawing/2014/main" id="{9C7C552F-56F7-8B79-E4E0-BF22DB4CB770}"/>
+              </a:ext>
+            </a:extLst>
+          </p:cNvPr>
+          <p:cNvSpPr>
+            <a:spLocks noGrp="1"/>
+          </p:cNvSpPr>
+          <p:nvPr>
+            <p:ph type="title"/>
+          </p:nvPr>
         </p:nvSpPr>
         <p:spPr>
           <a:xfrm>
-            <a:off x="138659" y="122632"/>
-            <a:ext cx="6093500" cy="369332"/>
+            <a:off x="838200" y="365126"/>
+            <a:ext cx="10629274" cy="760608"/>
           </a:xfrm>
-          <a:prstGeom prst="rect">
-            <a:avLst/>
-          </a:prstGeom>
-          <a:noFill/>
         </p:spPr>
         <p:txBody>
-          <a:bodyPr wrap="square">
-            <a:spAutoFit/>
-          </a:bodyPr>
+          <a:bodyPr/>
           <a:lstStyle/>
           <a:p>
-            <a:r>
-              <a:rPr lang="en-US" b="1" i="0" dirty="0">
+            <a:pPr algn="ctr"/>
+            <a:r>
+              <a:rPr lang="en-US" sz="3200" b="1" dirty="0">
                 <a:solidFill>
-                  <a:srgbClr val="252423"/>
+                  <a:schemeClr val="accent1">
+                    <a:lumMod val="75000"/>
+                  </a:schemeClr>
                 </a:solidFill>
-                <a:effectLst/>
-                <a:latin typeface="Segoe UI" panose="020B0502040204020203" pitchFamily="34" charset="0"/>
+                <a:latin typeface="Arial Black" panose="020B0A04020102020204" pitchFamily="34" charset="0"/>
               </a:rPr>
-              <a:t>Q3. Which city has the largest tax percent /vat?</a:t>
-            </a:r>
-            <a:endParaRPr lang="en-US" b="1" dirty="0"/>
+              <a:t>Sales</a:t>
+            </a:r>
+            <a:r>
+              <a:rPr lang="en-US" dirty="0"/>
+              <a:t> </a:t>
+            </a:r>
+            <a:r>
+              <a:rPr lang="en-US" sz="3200" b="1" dirty="0">
+                <a:solidFill>
+                  <a:schemeClr val="accent1">
+                    <a:lumMod val="75000"/>
+                  </a:schemeClr>
+                </a:solidFill>
+                <a:latin typeface="Arial Black" panose="020B0A04020102020204" pitchFamily="34" charset="0"/>
+              </a:rPr>
+              <a:t>Section Page</a:t>
+            </a:r>
           </a:p>
         </p:txBody>
       </p:sp>
       <p:sp>
         <p:nvSpPr>
-          <p:cNvPr id="7" name="TextBox 6">
-            <a:extLst>
-              <a:ext uri="{FF2B5EF4-FFF2-40B4-BE49-F238E27FC236}">
-                <a16:creationId xmlns:a16="http://schemas.microsoft.com/office/drawing/2014/main" id="{B25D7980-A7FA-C6EA-2E8A-807CAC0F6505}"/>
-              </a:ext>
-            </a:extLst>
-          </p:cNvPr>
-          <p:cNvSpPr txBox="1"/>
-          <p:nvPr/>
+          <p:cNvPr id="2" name="Footer Placeholder 1">
+            <a:extLst>
+              <a:ext uri="{FF2B5EF4-FFF2-40B4-BE49-F238E27FC236}">
+                <a16:creationId xmlns:a16="http://schemas.microsoft.com/office/drawing/2014/main" id="{DB2938DB-376E-C5DC-0A8C-5CDC51B592CD}"/>
+              </a:ext>
+            </a:extLst>
+          </p:cNvPr>
+          <p:cNvSpPr>
+            <a:spLocks noGrp="1"/>
+          </p:cNvSpPr>
+          <p:nvPr>
+            <p:ph type="ftr" sz="quarter" idx="11"/>
+          </p:nvPr>
         </p:nvSpPr>
-        <p:spPr>
-          <a:xfrm>
-            <a:off x="254832" y="3186380"/>
-            <a:ext cx="11568379" cy="646331"/>
-          </a:xfrm>
-          <a:prstGeom prst="rect">
-            <a:avLst/>
-          </a:prstGeom>
-          <a:noFill/>
-        </p:spPr>
+        <p:spPr/>
         <p:txBody>
-          <a:bodyPr wrap="square">
-            <a:spAutoFit/>
-          </a:bodyPr>
+          <a:bodyPr/>
           <a:lstStyle/>
           <a:p>
             <a:r>
-              <a:rPr lang="en-US" b="1" dirty="0"/>
-              <a:t>Ans</a:t>
-            </a:r>
-            <a:r>
-              <a:rPr lang="en-US" dirty="0"/>
-              <a:t>. </a:t>
-            </a:r>
-            <a:r>
-              <a:rPr lang="en-US" dirty="0">
-                <a:solidFill>
-                  <a:schemeClr val="accent5">
-                    <a:lumMod val="50000"/>
-                  </a:schemeClr>
-                </a:solidFill>
-              </a:rPr>
-              <a:t>By referring to the Pie Chart Tax Percentage by City and Customer Type we can conclude that Naypyitaw city pays the majority of the tax .</a:t>
-            </a:r>
-            <a:r>
-              <a:rPr lang="en-US" dirty="0" err="1">
-                <a:solidFill>
-                  <a:schemeClr val="accent5">
-                    <a:lumMod val="50000"/>
-                  </a:schemeClr>
-                </a:solidFill>
-              </a:rPr>
-              <a:t>ie</a:t>
-            </a:r>
-            <a:r>
-              <a:rPr lang="en-US" dirty="0">
-                <a:solidFill>
-                  <a:schemeClr val="accent5">
-                    <a:lumMod val="50000"/>
-                  </a:schemeClr>
-                </a:solidFill>
-              </a:rPr>
-              <a:t>., 32.88% of the total tax i.e., 15379.37 which sums to about 5056.74. </a:t>
-            </a:r>
-          </a:p>
-        </p:txBody>
-      </p:sp>
-      <p:pic>
-        <p:nvPicPr>
-          <p:cNvPr id="9" name="Picture 8">
-            <a:extLst>
-              <a:ext uri="{FF2B5EF4-FFF2-40B4-BE49-F238E27FC236}">
-                <a16:creationId xmlns:a16="http://schemas.microsoft.com/office/drawing/2014/main" id="{44D24B81-9343-EF53-9130-DAABD76C2550}"/>
-              </a:ext>
-            </a:extLst>
-          </p:cNvPr>
-          <p:cNvPicPr>
-            <a:picLocks noChangeAspect="1"/>
-          </p:cNvPicPr>
-          <p:nvPr/>
-        </p:nvPicPr>
-        <p:blipFill>
-          <a:blip r:embed="rId2">
-            <a:extLst>
-              <a:ext uri="{28A0092B-C50C-407E-A947-70E740481C1C}">
-                <a14:useLocalDpi xmlns:a14="http://schemas.microsoft.com/office/drawing/2010/main" val="0"/>
-              </a:ext>
-            </a:extLst>
-          </a:blip>
-          <a:stretch>
-            <a:fillRect/>
-          </a:stretch>
-        </p:blipFill>
-        <p:spPr>
-          <a:xfrm>
-            <a:off x="254832" y="498696"/>
-            <a:ext cx="11277601" cy="2543530"/>
-          </a:xfrm>
-          <a:prstGeom prst="rect">
-            <a:avLst/>
-          </a:prstGeom>
-        </p:spPr>
-      </p:pic>
-      <p:sp>
-        <p:nvSpPr>
-          <p:cNvPr id="11" name="TextBox 10">
-            <a:extLst>
-              <a:ext uri="{FF2B5EF4-FFF2-40B4-BE49-F238E27FC236}">
-                <a16:creationId xmlns:a16="http://schemas.microsoft.com/office/drawing/2014/main" id="{5D45B2BA-4E33-DE06-87E0-84CC7E79CFE3}"/>
-              </a:ext>
-            </a:extLst>
-          </p:cNvPr>
-          <p:cNvSpPr txBox="1"/>
-          <p:nvPr/>
-        </p:nvSpPr>
-        <p:spPr>
-          <a:xfrm>
-            <a:off x="254832" y="3907343"/>
-            <a:ext cx="6093500" cy="369332"/>
-          </a:xfrm>
-          <a:prstGeom prst="rect">
-            <a:avLst/>
-          </a:prstGeom>
-          <a:noFill/>
-        </p:spPr>
-        <p:txBody>
-          <a:bodyPr wrap="square">
-            <a:spAutoFit/>
-          </a:bodyPr>
-          <a:lstStyle/>
-          <a:p>
-            <a:r>
-              <a:rPr lang="en-US" b="1" i="0" dirty="0">
-                <a:solidFill>
-                  <a:srgbClr val="252423"/>
-                </a:solidFill>
-                <a:effectLst/>
-                <a:latin typeface="Segoe UI" panose="020B0502040204020203" pitchFamily="34" charset="0"/>
-              </a:rPr>
-              <a:t>Q4. Which customer type pays the most vat?</a:t>
-            </a:r>
-            <a:endParaRPr lang="en-US" b="1" dirty="0"/>
-          </a:p>
-        </p:txBody>
-      </p:sp>
-      <p:pic>
-        <p:nvPicPr>
-          <p:cNvPr id="13" name="Picture 12">
-            <a:extLst>
-              <a:ext uri="{FF2B5EF4-FFF2-40B4-BE49-F238E27FC236}">
-                <a16:creationId xmlns:a16="http://schemas.microsoft.com/office/drawing/2014/main" id="{7FD191D1-D3B2-548C-4DDF-9C3714627F10}"/>
-              </a:ext>
-            </a:extLst>
-          </p:cNvPr>
-          <p:cNvPicPr>
-            <a:picLocks noChangeAspect="1"/>
-          </p:cNvPicPr>
-          <p:nvPr/>
-        </p:nvPicPr>
-        <p:blipFill>
-          <a:blip r:embed="rId3">
-            <a:extLst>
-              <a:ext uri="{28A0092B-C50C-407E-A947-70E740481C1C}">
-                <a14:useLocalDpi xmlns:a14="http://schemas.microsoft.com/office/drawing/2010/main" val="0"/>
-              </a:ext>
-            </a:extLst>
-          </a:blip>
-          <a:stretch>
-            <a:fillRect/>
-          </a:stretch>
-        </p:blipFill>
-        <p:spPr>
-          <a:xfrm>
-            <a:off x="5306518" y="3983596"/>
-            <a:ext cx="6765561" cy="2751771"/>
-          </a:xfrm>
-          <a:prstGeom prst="rect">
-            <a:avLst/>
-          </a:prstGeom>
-        </p:spPr>
-      </p:pic>
-      <p:sp>
-        <p:nvSpPr>
-          <p:cNvPr id="15" name="TextBox 14">
-            <a:extLst>
-              <a:ext uri="{FF2B5EF4-FFF2-40B4-BE49-F238E27FC236}">
-                <a16:creationId xmlns:a16="http://schemas.microsoft.com/office/drawing/2014/main" id="{F1CBD86A-DA00-D553-C35E-05AD9752630A}"/>
-              </a:ext>
-            </a:extLst>
-          </p:cNvPr>
-          <p:cNvSpPr txBox="1"/>
-          <p:nvPr/>
-        </p:nvSpPr>
-        <p:spPr>
-          <a:xfrm>
-            <a:off x="254832" y="4351307"/>
-            <a:ext cx="4527030" cy="1754326"/>
-          </a:xfrm>
-          <a:prstGeom prst="rect">
-            <a:avLst/>
-          </a:prstGeom>
-          <a:noFill/>
-        </p:spPr>
-        <p:txBody>
-          <a:bodyPr wrap="square">
-            <a:spAutoFit/>
-          </a:bodyPr>
-          <a:lstStyle/>
-          <a:p>
-            <a:r>
-              <a:rPr lang="en-US" b="1" dirty="0"/>
-              <a:t>Ans</a:t>
-            </a:r>
-            <a:r>
-              <a:rPr lang="en-US" dirty="0"/>
-              <a:t>. </a:t>
-            </a:r>
-            <a:r>
-              <a:rPr lang="en-US" dirty="0">
-                <a:solidFill>
-                  <a:schemeClr val="accent5">
-                    <a:lumMod val="50000"/>
-                  </a:schemeClr>
-                </a:solidFill>
-              </a:rPr>
-              <a:t>Again, by referring to the Pie Chart Tax Percentage by City and Customer Type we can conclude that Customer type Member pays the majority of the tax .</a:t>
-            </a:r>
-            <a:r>
-              <a:rPr lang="en-US" dirty="0" err="1">
-                <a:solidFill>
-                  <a:schemeClr val="accent5">
-                    <a:lumMod val="50000"/>
-                  </a:schemeClr>
-                </a:solidFill>
-              </a:rPr>
-              <a:t>ie</a:t>
-            </a:r>
-            <a:r>
-              <a:rPr lang="en-US" dirty="0">
-                <a:solidFill>
-                  <a:schemeClr val="accent5">
-                    <a:lumMod val="50000"/>
-                  </a:schemeClr>
-                </a:solidFill>
-              </a:rPr>
-              <a:t>., 50.85% of the total tax i.e., 15379.37 which sums to about 7820.401</a:t>
+              <a:rPr lang="en-US"/>
+              <a:t>Pg.No.</a:t>
             </a:r>
           </a:p>
         </p:txBody>
       </p:sp>
       <p:sp>
         <p:nvSpPr>
-          <p:cNvPr id="4" name="Slide Number Placeholder 3">
-            <a:extLst>
-              <a:ext uri="{FF2B5EF4-FFF2-40B4-BE49-F238E27FC236}">
-                <a16:creationId xmlns:a16="http://schemas.microsoft.com/office/drawing/2014/main" id="{A9697278-5EF8-B8DA-5CE2-D4891217090B}"/>
+          <p:cNvPr id="3" name="Slide Number Placeholder 2">
+            <a:extLst>
+              <a:ext uri="{FF2B5EF4-FFF2-40B4-BE49-F238E27FC236}">
+                <a16:creationId xmlns:a16="http://schemas.microsoft.com/office/drawing/2014/main" id="{69BBD39C-BA08-CD53-D3B6-4BD1407E6722}"/>
               </a:ext>
             </a:extLst>
           </p:cNvPr>
@@ -12198,650 +12878,52 @@
           </a:p>
         </p:txBody>
       </p:sp>
-      <p:sp>
-        <p:nvSpPr>
-          <p:cNvPr id="5" name="Footer Placeholder 4">
-            <a:extLst>
-              <a:ext uri="{FF2B5EF4-FFF2-40B4-BE49-F238E27FC236}">
-                <a16:creationId xmlns:a16="http://schemas.microsoft.com/office/drawing/2014/main" id="{1CEB9252-92FE-3007-910B-6FF485CC61BD}"/>
-              </a:ext>
-            </a:extLst>
-          </p:cNvPr>
-          <p:cNvSpPr>
-            <a:spLocks noGrp="1"/>
-          </p:cNvSpPr>
-          <p:nvPr>
-            <p:ph type="ftr" sz="quarter" idx="11"/>
-          </p:nvPr>
-        </p:nvSpPr>
-        <p:spPr/>
-        <p:txBody>
-          <a:bodyPr/>
-          <a:lstStyle/>
-          <a:p>
-            <a:r>
-              <a:rPr lang="en-US"/>
-              <a:t>Pg.No.</a:t>
-            </a:r>
-          </a:p>
-        </p:txBody>
-      </p:sp>
+      <p:pic>
+        <p:nvPicPr>
+          <p:cNvPr id="5" name="Picture 4">
+            <a:extLst>
+              <a:ext uri="{FF2B5EF4-FFF2-40B4-BE49-F238E27FC236}">
+                <a16:creationId xmlns:a16="http://schemas.microsoft.com/office/drawing/2014/main" id="{243E1D21-AB6C-7E51-1309-D498F77FFF14}"/>
+              </a:ext>
+            </a:extLst>
+          </p:cNvPr>
+          <p:cNvPicPr>
+            <a:picLocks noChangeAspect="1"/>
+          </p:cNvPicPr>
+          <p:nvPr/>
+        </p:nvPicPr>
+        <p:blipFill>
+          <a:blip r:embed="rId2">
+            <a:extLst>
+              <a:ext uri="{28A0092B-C50C-407E-A947-70E740481C1C}">
+                <a14:useLocalDpi xmlns:a14="http://schemas.microsoft.com/office/drawing/2010/main" val="0"/>
+              </a:ext>
+            </a:extLst>
+          </a:blip>
+          <a:stretch>
+            <a:fillRect/>
+          </a:stretch>
+        </p:blipFill>
+        <p:spPr>
+          <a:xfrm>
+            <a:off x="724526" y="1023602"/>
+            <a:ext cx="10742948" cy="5332748"/>
+          </a:xfrm>
+          <a:prstGeom prst="rect">
+            <a:avLst/>
+          </a:prstGeom>
+        </p:spPr>
+      </p:pic>
     </p:spTree>
     <p:extLst>
       <p:ext uri="{BB962C8B-B14F-4D97-AF65-F5344CB8AC3E}">
-        <p14:creationId xmlns:p14="http://schemas.microsoft.com/office/powerpoint/2010/main" val="1627177041"/>
+        <p14:creationId xmlns:p14="http://schemas.microsoft.com/office/powerpoint/2010/main" val="2351856722"/>
       </p:ext>
     </p:extLst>
   </p:cSld>
   <p:clrMapOvr>
     <a:masterClrMapping/>
   </p:clrMapOvr>
-  <p:timing>
-    <p:tnLst>
-      <p:par>
-        <p:cTn id="1" dur="indefinite" restart="never" nodeType="tmRoot">
-          <p:childTnLst>
-            <p:seq concurrent="1" nextAc="seek">
-              <p:cTn id="2" dur="indefinite" nodeType="mainSeq">
-                <p:childTnLst>
-                  <p:par>
-                    <p:cTn id="3" fill="hold">
-                      <p:stCondLst>
-                        <p:cond delay="indefinite"/>
-                      </p:stCondLst>
-                      <p:childTnLst>
-                        <p:par>
-                          <p:cTn id="4" fill="hold">
-                            <p:stCondLst>
-                              <p:cond delay="0"/>
-                            </p:stCondLst>
-                            <p:childTnLst>
-                              <p:par>
-                                <p:cTn id="5" presetID="42" presetClass="entr" presetSubtype="0" fill="hold" grpId="0" nodeType="clickEffect">
-                                  <p:stCondLst>
-                                    <p:cond delay="0"/>
-                                  </p:stCondLst>
-                                  <p:childTnLst>
-                                    <p:set>
-                                      <p:cBhvr>
-                                        <p:cTn id="6" dur="1" fill="hold">
-                                          <p:stCondLst>
-                                            <p:cond delay="0"/>
-                                          </p:stCondLst>
-                                        </p:cTn>
-                                        <p:tgtEl>
-                                          <p:spTgt spid="3"/>
-                                        </p:tgtEl>
-                                        <p:attrNameLst>
-                                          <p:attrName>style.visibility</p:attrName>
-                                        </p:attrNameLst>
-                                      </p:cBhvr>
-                                      <p:to>
-                                        <p:strVal val="visible"/>
-                                      </p:to>
-                                    </p:set>
-                                    <p:animEffect transition="in" filter="fade">
-                                      <p:cBhvr>
-                                        <p:cTn id="7" dur="1000"/>
-                                        <p:tgtEl>
-                                          <p:spTgt spid="3"/>
-                                        </p:tgtEl>
-                                      </p:cBhvr>
-                                    </p:animEffect>
-                                    <p:anim calcmode="lin" valueType="num">
-                                      <p:cBhvr>
-                                        <p:cTn id="8" dur="1000" fill="hold"/>
-                                        <p:tgtEl>
-                                          <p:spTgt spid="3"/>
-                                        </p:tgtEl>
-                                        <p:attrNameLst>
-                                          <p:attrName>ppt_x</p:attrName>
-                                        </p:attrNameLst>
-                                      </p:cBhvr>
-                                      <p:tavLst>
-                                        <p:tav tm="0">
-                                          <p:val>
-                                            <p:strVal val="#ppt_x"/>
-                                          </p:val>
-                                        </p:tav>
-                                        <p:tav tm="100000">
-                                          <p:val>
-                                            <p:strVal val="#ppt_x"/>
-                                          </p:val>
-                                        </p:tav>
-                                      </p:tavLst>
-                                    </p:anim>
-                                    <p:anim calcmode="lin" valueType="num">
-                                      <p:cBhvr>
-                                        <p:cTn id="9" dur="1000" fill="hold"/>
-                                        <p:tgtEl>
-                                          <p:spTgt spid="3"/>
-                                        </p:tgtEl>
-                                        <p:attrNameLst>
-                                          <p:attrName>ppt_y</p:attrName>
-                                        </p:attrNameLst>
-                                      </p:cBhvr>
-                                      <p:tavLst>
-                                        <p:tav tm="0">
-                                          <p:val>
-                                            <p:strVal val="#ppt_y+.1"/>
-                                          </p:val>
-                                        </p:tav>
-                                        <p:tav tm="100000">
-                                          <p:val>
-                                            <p:strVal val="#ppt_y"/>
-                                          </p:val>
-                                        </p:tav>
-                                      </p:tavLst>
-                                    </p:anim>
-                                  </p:childTnLst>
-                                </p:cTn>
-                              </p:par>
-                            </p:childTnLst>
-                          </p:cTn>
-                        </p:par>
-                      </p:childTnLst>
-                    </p:cTn>
-                  </p:par>
-                  <p:par>
-                    <p:cTn id="10" fill="hold">
-                      <p:stCondLst>
-                        <p:cond delay="indefinite"/>
-                      </p:stCondLst>
-                      <p:childTnLst>
-                        <p:par>
-                          <p:cTn id="11" fill="hold">
-                            <p:stCondLst>
-                              <p:cond delay="0"/>
-                            </p:stCondLst>
-                            <p:childTnLst>
-                              <p:par>
-                                <p:cTn id="12" presetID="42" presetClass="entr" presetSubtype="0" fill="hold" nodeType="clickEffect">
-                                  <p:stCondLst>
-                                    <p:cond delay="0"/>
-                                  </p:stCondLst>
-                                  <p:childTnLst>
-                                    <p:set>
-                                      <p:cBhvr>
-                                        <p:cTn id="13" dur="1" fill="hold">
-                                          <p:stCondLst>
-                                            <p:cond delay="0"/>
-                                          </p:stCondLst>
-                                        </p:cTn>
-                                        <p:tgtEl>
-                                          <p:spTgt spid="9"/>
-                                        </p:tgtEl>
-                                        <p:attrNameLst>
-                                          <p:attrName>style.visibility</p:attrName>
-                                        </p:attrNameLst>
-                                      </p:cBhvr>
-                                      <p:to>
-                                        <p:strVal val="visible"/>
-                                      </p:to>
-                                    </p:set>
-                                    <p:animEffect transition="in" filter="fade">
-                                      <p:cBhvr>
-                                        <p:cTn id="14" dur="1000"/>
-                                        <p:tgtEl>
-                                          <p:spTgt spid="9"/>
-                                        </p:tgtEl>
-                                      </p:cBhvr>
-                                    </p:animEffect>
-                                    <p:anim calcmode="lin" valueType="num">
-                                      <p:cBhvr>
-                                        <p:cTn id="15" dur="1000" fill="hold"/>
-                                        <p:tgtEl>
-                                          <p:spTgt spid="9"/>
-                                        </p:tgtEl>
-                                        <p:attrNameLst>
-                                          <p:attrName>ppt_x</p:attrName>
-                                        </p:attrNameLst>
-                                      </p:cBhvr>
-                                      <p:tavLst>
-                                        <p:tav tm="0">
-                                          <p:val>
-                                            <p:strVal val="#ppt_x"/>
-                                          </p:val>
-                                        </p:tav>
-                                        <p:tav tm="100000">
-                                          <p:val>
-                                            <p:strVal val="#ppt_x"/>
-                                          </p:val>
-                                        </p:tav>
-                                      </p:tavLst>
-                                    </p:anim>
-                                    <p:anim calcmode="lin" valueType="num">
-                                      <p:cBhvr>
-                                        <p:cTn id="16" dur="1000" fill="hold"/>
-                                        <p:tgtEl>
-                                          <p:spTgt spid="9"/>
-                                        </p:tgtEl>
-                                        <p:attrNameLst>
-                                          <p:attrName>ppt_y</p:attrName>
-                                        </p:attrNameLst>
-                                      </p:cBhvr>
-                                      <p:tavLst>
-                                        <p:tav tm="0">
-                                          <p:val>
-                                            <p:strVal val="#ppt_y+.1"/>
-                                          </p:val>
-                                        </p:tav>
-                                        <p:tav tm="100000">
-                                          <p:val>
-                                            <p:strVal val="#ppt_y"/>
-                                          </p:val>
-                                        </p:tav>
-                                      </p:tavLst>
-                                    </p:anim>
-                                  </p:childTnLst>
-                                </p:cTn>
-                              </p:par>
-                            </p:childTnLst>
-                          </p:cTn>
-                        </p:par>
-                      </p:childTnLst>
-                    </p:cTn>
-                  </p:par>
-                  <p:par>
-                    <p:cTn id="17" fill="hold">
-                      <p:stCondLst>
-                        <p:cond delay="indefinite"/>
-                      </p:stCondLst>
-                      <p:childTnLst>
-                        <p:par>
-                          <p:cTn id="18" fill="hold">
-                            <p:stCondLst>
-                              <p:cond delay="0"/>
-                            </p:stCondLst>
-                            <p:childTnLst>
-                              <p:par>
-                                <p:cTn id="19" presetID="42" presetClass="entr" presetSubtype="0" fill="hold" grpId="0" nodeType="clickEffect">
-                                  <p:stCondLst>
-                                    <p:cond delay="0"/>
-                                  </p:stCondLst>
-                                  <p:childTnLst>
-                                    <p:set>
-                                      <p:cBhvr>
-                                        <p:cTn id="20" dur="1" fill="hold">
-                                          <p:stCondLst>
-                                            <p:cond delay="0"/>
-                                          </p:stCondLst>
-                                        </p:cTn>
-                                        <p:tgtEl>
-                                          <p:spTgt spid="7"/>
-                                        </p:tgtEl>
-                                        <p:attrNameLst>
-                                          <p:attrName>style.visibility</p:attrName>
-                                        </p:attrNameLst>
-                                      </p:cBhvr>
-                                      <p:to>
-                                        <p:strVal val="visible"/>
-                                      </p:to>
-                                    </p:set>
-                                    <p:animEffect transition="in" filter="fade">
-                                      <p:cBhvr>
-                                        <p:cTn id="21" dur="1000"/>
-                                        <p:tgtEl>
-                                          <p:spTgt spid="7"/>
-                                        </p:tgtEl>
-                                      </p:cBhvr>
-                                    </p:animEffect>
-                                    <p:anim calcmode="lin" valueType="num">
-                                      <p:cBhvr>
-                                        <p:cTn id="22" dur="1000" fill="hold"/>
-                                        <p:tgtEl>
-                                          <p:spTgt spid="7"/>
-                                        </p:tgtEl>
-                                        <p:attrNameLst>
-                                          <p:attrName>ppt_x</p:attrName>
-                                        </p:attrNameLst>
-                                      </p:cBhvr>
-                                      <p:tavLst>
-                                        <p:tav tm="0">
-                                          <p:val>
-                                            <p:strVal val="#ppt_x"/>
-                                          </p:val>
-                                        </p:tav>
-                                        <p:tav tm="100000">
-                                          <p:val>
-                                            <p:strVal val="#ppt_x"/>
-                                          </p:val>
-                                        </p:tav>
-                                      </p:tavLst>
-                                    </p:anim>
-                                    <p:anim calcmode="lin" valueType="num">
-                                      <p:cBhvr>
-                                        <p:cTn id="23" dur="1000" fill="hold"/>
-                                        <p:tgtEl>
-                                          <p:spTgt spid="7"/>
-                                        </p:tgtEl>
-                                        <p:attrNameLst>
-                                          <p:attrName>ppt_y</p:attrName>
-                                        </p:attrNameLst>
-                                      </p:cBhvr>
-                                      <p:tavLst>
-                                        <p:tav tm="0">
-                                          <p:val>
-                                            <p:strVal val="#ppt_y+.1"/>
-                                          </p:val>
-                                        </p:tav>
-                                        <p:tav tm="100000">
-                                          <p:val>
-                                            <p:strVal val="#ppt_y"/>
-                                          </p:val>
-                                        </p:tav>
-                                      </p:tavLst>
-                                    </p:anim>
-                                  </p:childTnLst>
-                                </p:cTn>
-                              </p:par>
-                            </p:childTnLst>
-                          </p:cTn>
-                        </p:par>
-                      </p:childTnLst>
-                    </p:cTn>
-                  </p:par>
-                  <p:par>
-                    <p:cTn id="24" fill="hold">
-                      <p:stCondLst>
-                        <p:cond delay="indefinite"/>
-                      </p:stCondLst>
-                      <p:childTnLst>
-                        <p:par>
-                          <p:cTn id="25" fill="hold">
-                            <p:stCondLst>
-                              <p:cond delay="0"/>
-                            </p:stCondLst>
-                            <p:childTnLst>
-                              <p:par>
-                                <p:cTn id="26" presetID="2" presetClass="entr" presetSubtype="4" fill="hold" grpId="0" nodeType="clickEffect">
-                                  <p:stCondLst>
-                                    <p:cond delay="0"/>
-                                  </p:stCondLst>
-                                  <p:childTnLst>
-                                    <p:set>
-                                      <p:cBhvr>
-                                        <p:cTn id="27" dur="1" fill="hold">
-                                          <p:stCondLst>
-                                            <p:cond delay="0"/>
-                                          </p:stCondLst>
-                                        </p:cTn>
-                                        <p:tgtEl>
-                                          <p:spTgt spid="11"/>
-                                        </p:tgtEl>
-                                        <p:attrNameLst>
-                                          <p:attrName>style.visibility</p:attrName>
-                                        </p:attrNameLst>
-                                      </p:cBhvr>
-                                      <p:to>
-                                        <p:strVal val="visible"/>
-                                      </p:to>
-                                    </p:set>
-                                    <p:anim calcmode="lin" valueType="num">
-                                      <p:cBhvr additive="base">
-                                        <p:cTn id="28" dur="500" fill="hold"/>
-                                        <p:tgtEl>
-                                          <p:spTgt spid="11"/>
-                                        </p:tgtEl>
-                                        <p:attrNameLst>
-                                          <p:attrName>ppt_x</p:attrName>
-                                        </p:attrNameLst>
-                                      </p:cBhvr>
-                                      <p:tavLst>
-                                        <p:tav tm="0">
-                                          <p:val>
-                                            <p:strVal val="#ppt_x"/>
-                                          </p:val>
-                                        </p:tav>
-                                        <p:tav tm="100000">
-                                          <p:val>
-                                            <p:strVal val="#ppt_x"/>
-                                          </p:val>
-                                        </p:tav>
-                                      </p:tavLst>
-                                    </p:anim>
-                                    <p:anim calcmode="lin" valueType="num">
-                                      <p:cBhvr additive="base">
-                                        <p:cTn id="29" dur="500" fill="hold"/>
-                                        <p:tgtEl>
-                                          <p:spTgt spid="11"/>
-                                        </p:tgtEl>
-                                        <p:attrNameLst>
-                                          <p:attrName>ppt_y</p:attrName>
-                                        </p:attrNameLst>
-                                      </p:cBhvr>
-                                      <p:tavLst>
-                                        <p:tav tm="0">
-                                          <p:val>
-                                            <p:strVal val="1+#ppt_h/2"/>
-                                          </p:val>
-                                        </p:tav>
-                                        <p:tav tm="100000">
-                                          <p:val>
-                                            <p:strVal val="#ppt_y"/>
-                                          </p:val>
-                                        </p:tav>
-                                      </p:tavLst>
-                                    </p:anim>
-                                  </p:childTnLst>
-                                </p:cTn>
-                              </p:par>
-                            </p:childTnLst>
-                          </p:cTn>
-                        </p:par>
-                      </p:childTnLst>
-                    </p:cTn>
-                  </p:par>
-                  <p:par>
-                    <p:cTn id="30" fill="hold">
-                      <p:stCondLst>
-                        <p:cond delay="indefinite"/>
-                      </p:stCondLst>
-                      <p:childTnLst>
-                        <p:par>
-                          <p:cTn id="31" fill="hold">
-                            <p:stCondLst>
-                              <p:cond delay="0"/>
-                            </p:stCondLst>
-                            <p:childTnLst>
-                              <p:par>
-                                <p:cTn id="32" presetID="2" presetClass="entr" presetSubtype="4" fill="hold" nodeType="clickEffect">
-                                  <p:stCondLst>
-                                    <p:cond delay="0"/>
-                                  </p:stCondLst>
-                                  <p:childTnLst>
-                                    <p:set>
-                                      <p:cBhvr>
-                                        <p:cTn id="33" dur="1" fill="hold">
-                                          <p:stCondLst>
-                                            <p:cond delay="0"/>
-                                          </p:stCondLst>
-                                        </p:cTn>
-                                        <p:tgtEl>
-                                          <p:spTgt spid="13"/>
-                                        </p:tgtEl>
-                                        <p:attrNameLst>
-                                          <p:attrName>style.visibility</p:attrName>
-                                        </p:attrNameLst>
-                                      </p:cBhvr>
-                                      <p:to>
-                                        <p:strVal val="visible"/>
-                                      </p:to>
-                                    </p:set>
-                                    <p:anim calcmode="lin" valueType="num">
-                                      <p:cBhvr additive="base">
-                                        <p:cTn id="34" dur="500" fill="hold"/>
-                                        <p:tgtEl>
-                                          <p:spTgt spid="13"/>
-                                        </p:tgtEl>
-                                        <p:attrNameLst>
-                                          <p:attrName>ppt_x</p:attrName>
-                                        </p:attrNameLst>
-                                      </p:cBhvr>
-                                      <p:tavLst>
-                                        <p:tav tm="0">
-                                          <p:val>
-                                            <p:strVal val="#ppt_x"/>
-                                          </p:val>
-                                        </p:tav>
-                                        <p:tav tm="100000">
-                                          <p:val>
-                                            <p:strVal val="#ppt_x"/>
-                                          </p:val>
-                                        </p:tav>
-                                      </p:tavLst>
-                                    </p:anim>
-                                    <p:anim calcmode="lin" valueType="num">
-                                      <p:cBhvr additive="base">
-                                        <p:cTn id="35" dur="500" fill="hold"/>
-                                        <p:tgtEl>
-                                          <p:spTgt spid="13"/>
-                                        </p:tgtEl>
-                                        <p:attrNameLst>
-                                          <p:attrName>ppt_y</p:attrName>
-                                        </p:attrNameLst>
-                                      </p:cBhvr>
-                                      <p:tavLst>
-                                        <p:tav tm="0">
-                                          <p:val>
-                                            <p:strVal val="1+#ppt_h/2"/>
-                                          </p:val>
-                                        </p:tav>
-                                        <p:tav tm="100000">
-                                          <p:val>
-                                            <p:strVal val="#ppt_y"/>
-                                          </p:val>
-                                        </p:tav>
-                                      </p:tavLst>
-                                    </p:anim>
-                                  </p:childTnLst>
-                                </p:cTn>
-                              </p:par>
-                            </p:childTnLst>
-                          </p:cTn>
-                        </p:par>
-                      </p:childTnLst>
-                    </p:cTn>
-                  </p:par>
-                  <p:par>
-                    <p:cTn id="36" fill="hold">
-                      <p:stCondLst>
-                        <p:cond delay="indefinite"/>
-                      </p:stCondLst>
-                      <p:childTnLst>
-                        <p:par>
-                          <p:cTn id="37" fill="hold">
-                            <p:stCondLst>
-                              <p:cond delay="0"/>
-                            </p:stCondLst>
-                            <p:childTnLst>
-                              <p:par>
-                                <p:cTn id="38" presetID="2" presetClass="entr" presetSubtype="4" fill="hold" grpId="0" nodeType="clickEffect">
-                                  <p:stCondLst>
-                                    <p:cond delay="0"/>
-                                  </p:stCondLst>
-                                  <p:childTnLst>
-                                    <p:set>
-                                      <p:cBhvr>
-                                        <p:cTn id="39" dur="1" fill="hold">
-                                          <p:stCondLst>
-                                            <p:cond delay="0"/>
-                                          </p:stCondLst>
-                                        </p:cTn>
-                                        <p:tgtEl>
-                                          <p:spTgt spid="15"/>
-                                        </p:tgtEl>
-                                        <p:attrNameLst>
-                                          <p:attrName>style.visibility</p:attrName>
-                                        </p:attrNameLst>
-                                      </p:cBhvr>
-                                      <p:to>
-                                        <p:strVal val="visible"/>
-                                      </p:to>
-                                    </p:set>
-                                    <p:anim calcmode="lin" valueType="num">
-                                      <p:cBhvr additive="base">
-                                        <p:cTn id="40" dur="500" fill="hold"/>
-                                        <p:tgtEl>
-                                          <p:spTgt spid="15"/>
-                                        </p:tgtEl>
-                                        <p:attrNameLst>
-                                          <p:attrName>ppt_x</p:attrName>
-                                        </p:attrNameLst>
-                                      </p:cBhvr>
-                                      <p:tavLst>
-                                        <p:tav tm="0">
-                                          <p:val>
-                                            <p:strVal val="#ppt_x"/>
-                                          </p:val>
-                                        </p:tav>
-                                        <p:tav tm="100000">
-                                          <p:val>
-                                            <p:strVal val="#ppt_x"/>
-                                          </p:val>
-                                        </p:tav>
-                                      </p:tavLst>
-                                    </p:anim>
-                                    <p:anim calcmode="lin" valueType="num">
-                                      <p:cBhvr additive="base">
-                                        <p:cTn id="41" dur="500" fill="hold"/>
-                                        <p:tgtEl>
-                                          <p:spTgt spid="15"/>
-                                        </p:tgtEl>
-                                        <p:attrNameLst>
-                                          <p:attrName>ppt_y</p:attrName>
-                                        </p:attrNameLst>
-                                      </p:cBhvr>
-                                      <p:tavLst>
-                                        <p:tav tm="0">
-                                          <p:val>
-                                            <p:strVal val="1+#ppt_h/2"/>
-                                          </p:val>
-                                        </p:tav>
-                                        <p:tav tm="100000">
-                                          <p:val>
-                                            <p:strVal val="#ppt_y"/>
-                                          </p:val>
-                                        </p:tav>
-                                      </p:tavLst>
-                                    </p:anim>
-                                  </p:childTnLst>
-                                </p:cTn>
-                              </p:par>
-                            </p:childTnLst>
-                          </p:cTn>
-                        </p:par>
-                      </p:childTnLst>
-                    </p:cTn>
-                  </p:par>
-                </p:childTnLst>
-              </p:cTn>
-              <p:prevCondLst>
-                <p:cond evt="onPrev" delay="0">
-                  <p:tgtEl>
-                    <p:sldTgt/>
-                  </p:tgtEl>
-                </p:cond>
-              </p:prevCondLst>
-              <p:nextCondLst>
-                <p:cond evt="onNext" delay="0">
-                  <p:tgtEl>
-                    <p:sldTgt/>
-                  </p:tgtEl>
-                </p:cond>
-              </p:nextCondLst>
-            </p:seq>
-          </p:childTnLst>
-        </p:cTn>
-      </p:par>
-    </p:tnLst>
-    <p:bldLst>
-      <p:bldP spid="3" grpId="0"/>
-      <p:bldP spid="7" grpId="0"/>
-      <p:bldP spid="11" grpId="0"/>
-      <p:bldP spid="15" grpId="0"/>
-    </p:bldLst>
-  </p:timing>
 </p:sld>
 </file>
 
@@ -13512,10 +13594,10 @@
       </p:grpSpPr>
       <p:sp>
         <p:nvSpPr>
-          <p:cNvPr id="4" name="Title 3">
-            <a:extLst>
-              <a:ext uri="{FF2B5EF4-FFF2-40B4-BE49-F238E27FC236}">
-                <a16:creationId xmlns:a16="http://schemas.microsoft.com/office/drawing/2014/main" id="{7B4BE4ED-724A-C536-DE5E-D7A1C6EDEAEA}"/>
+          <p:cNvPr id="2" name="Title 1">
+            <a:extLst>
+              <a:ext uri="{FF2B5EF4-FFF2-40B4-BE49-F238E27FC236}">
+                <a16:creationId xmlns:a16="http://schemas.microsoft.com/office/drawing/2014/main" id="{CA8E1774-4F55-0DC3-66AB-5ECA4B1F2F3A}"/>
               </a:ext>
             </a:extLst>
           </p:cNvPr>
@@ -13532,18 +13614,163 @@
           <a:lstStyle/>
           <a:p>
             <a:r>
-              <a:rPr lang="en-US" dirty="0"/>
-              <a:t>Resources and Tools used :-</a:t>
+              <a:rPr lang="en-US" sz="3200" b="1" dirty="0">
+                <a:solidFill>
+                  <a:schemeClr val="accent1">
+                    <a:lumMod val="75000"/>
+                  </a:schemeClr>
+                </a:solidFill>
+                <a:latin typeface="Arial Black" panose="020B0A04020102020204" pitchFamily="34" charset="0"/>
+              </a:rPr>
+              <a:t>Client’s requirements for the Customer Section:-</a:t>
             </a:r>
           </a:p>
         </p:txBody>
       </p:sp>
       <p:sp>
         <p:nvSpPr>
-          <p:cNvPr id="2" name="Footer Placeholder 1">
-            <a:extLst>
-              <a:ext uri="{FF2B5EF4-FFF2-40B4-BE49-F238E27FC236}">
-                <a16:creationId xmlns:a16="http://schemas.microsoft.com/office/drawing/2014/main" id="{C88D5D4A-AF75-BDC7-6AEA-A27C1E8CA3BE}"/>
+          <p:cNvPr id="4" name="TextBox 3">
+            <a:extLst>
+              <a:ext uri="{FF2B5EF4-FFF2-40B4-BE49-F238E27FC236}">
+                <a16:creationId xmlns:a16="http://schemas.microsoft.com/office/drawing/2014/main" id="{4CC03137-0E80-5DAC-03A2-39309D8E4CBB}"/>
+              </a:ext>
+            </a:extLst>
+          </p:cNvPr>
+          <p:cNvSpPr txBox="1"/>
+          <p:nvPr/>
+        </p:nvSpPr>
+        <p:spPr>
+          <a:xfrm>
+            <a:off x="838200" y="1585757"/>
+            <a:ext cx="9834797" cy="1352678"/>
+          </a:xfrm>
+          <a:prstGeom prst="rect">
+            <a:avLst/>
+          </a:prstGeom>
+          <a:noFill/>
+        </p:spPr>
+        <p:txBody>
+          <a:bodyPr wrap="square">
+            <a:spAutoFit/>
+          </a:bodyPr>
+          <a:lstStyle/>
+          <a:p>
+            <a:pPr marL="228600" indent="-228600">
+              <a:lnSpc>
+                <a:spcPct val="70000"/>
+              </a:lnSpc>
+              <a:spcBef>
+                <a:spcPts val="1000"/>
+              </a:spcBef>
+              <a:buFont typeface="Arial" panose="020B0604020202020204" pitchFamily="34" charset="0"/>
+              <a:buChar char="•"/>
+            </a:pPr>
+            <a:r>
+              <a:rPr lang="en-US" sz="2000" b="1" dirty="0">
+                <a:solidFill>
+                  <a:srgbClr val="252423"/>
+                </a:solidFill>
+              </a:rPr>
+              <a:t>Q1. number of Sales made each time of the day per week ?</a:t>
+            </a:r>
+          </a:p>
+          <a:p>
+            <a:pPr marL="228600" indent="-228600">
+              <a:lnSpc>
+                <a:spcPct val="70000"/>
+              </a:lnSpc>
+              <a:spcBef>
+                <a:spcPts val="1000"/>
+              </a:spcBef>
+              <a:buFont typeface="Arial" panose="020B0604020202020204" pitchFamily="34" charset="0"/>
+              <a:buChar char="•"/>
+            </a:pPr>
+            <a:r>
+              <a:rPr lang="en-US" sz="2000" b="1" dirty="0">
+                <a:solidFill>
+                  <a:srgbClr val="252423"/>
+                </a:solidFill>
+              </a:rPr>
+              <a:t>Q2. Which of the customer types brings the most revenue ?</a:t>
+            </a:r>
+          </a:p>
+          <a:p>
+            <a:pPr marL="228600" indent="-228600">
+              <a:lnSpc>
+                <a:spcPct val="70000"/>
+              </a:lnSpc>
+              <a:spcBef>
+                <a:spcPts val="1000"/>
+              </a:spcBef>
+              <a:buFont typeface="Arial" panose="020B0604020202020204" pitchFamily="34" charset="0"/>
+              <a:buChar char="•"/>
+            </a:pPr>
+            <a:r>
+              <a:rPr lang="en-US" sz="2000" b="1" dirty="0">
+                <a:solidFill>
+                  <a:srgbClr val="252423"/>
+                </a:solidFill>
+              </a:rPr>
+              <a:t>Q3. Which city has the largest tax percent /vat?</a:t>
+            </a:r>
+          </a:p>
+          <a:p>
+            <a:pPr marL="228600" indent="-228600">
+              <a:lnSpc>
+                <a:spcPct val="70000"/>
+              </a:lnSpc>
+              <a:spcBef>
+                <a:spcPts val="1000"/>
+              </a:spcBef>
+              <a:buFont typeface="Arial" panose="020B0604020202020204" pitchFamily="34" charset="0"/>
+              <a:buChar char="•"/>
+            </a:pPr>
+            <a:r>
+              <a:rPr lang="en-US" sz="2000" b="1" dirty="0">
+                <a:solidFill>
+                  <a:srgbClr val="252423"/>
+                </a:solidFill>
+              </a:rPr>
+              <a:t>Q4. Which customer type pays the most vat?</a:t>
+            </a:r>
+          </a:p>
+        </p:txBody>
+      </p:sp>
+      <p:sp>
+        <p:nvSpPr>
+          <p:cNvPr id="5" name="Slide Number Placeholder 4">
+            <a:extLst>
+              <a:ext uri="{FF2B5EF4-FFF2-40B4-BE49-F238E27FC236}">
+                <a16:creationId xmlns:a16="http://schemas.microsoft.com/office/drawing/2014/main" id="{DE83DF74-4F73-8012-A119-A1E4E3D2AD74}"/>
+              </a:ext>
+            </a:extLst>
+          </p:cNvPr>
+          <p:cNvSpPr>
+            <a:spLocks noGrp="1"/>
+          </p:cNvSpPr>
+          <p:nvPr>
+            <p:ph type="sldNum" sz="quarter" idx="12"/>
+          </p:nvPr>
+        </p:nvSpPr>
+        <p:spPr/>
+        <p:txBody>
+          <a:bodyPr/>
+          <a:lstStyle/>
+          <a:p>
+            <a:fld id="{5AECCE9C-A74C-48F0-A7FA-3F28FA7CDF62}" type="slidenum">
+              <a:rPr lang="en-US" smtClean="0"/>
+              <a:t>20</a:t>
+            </a:fld>
+            <a:endParaRPr lang="en-US"/>
+          </a:p>
+        </p:txBody>
+      </p:sp>
+      <p:sp>
+        <p:nvSpPr>
+          <p:cNvPr id="6" name="Footer Placeholder 5">
+            <a:extLst>
+              <a:ext uri="{FF2B5EF4-FFF2-40B4-BE49-F238E27FC236}">
+                <a16:creationId xmlns:a16="http://schemas.microsoft.com/office/drawing/2014/main" id="{B8D40710-D462-0FDD-5FF9-2F5B39E91EB1}"/>
               </a:ext>
             </a:extLst>
           </p:cNvPr>
@@ -13566,12 +13793,309 @@
           </a:p>
         </p:txBody>
       </p:sp>
+    </p:spTree>
+    <p:extLst>
+      <p:ext uri="{BB962C8B-B14F-4D97-AF65-F5344CB8AC3E}">
+        <p14:creationId xmlns:p14="http://schemas.microsoft.com/office/powerpoint/2010/main" val="1985005628"/>
+      </p:ext>
+    </p:extLst>
+  </p:cSld>
+  <p:clrMapOvr>
+    <a:masterClrMapping/>
+  </p:clrMapOvr>
+</p:sld>
+</file>
+
+<file path=ppt/slides/slide21.xml><?xml version="1.0" encoding="utf-8"?>
+<p:sld xmlns:a="http://schemas.openxmlformats.org/drawingml/2006/main" xmlns:r="http://schemas.openxmlformats.org/officeDocument/2006/relationships" xmlns:p="http://schemas.openxmlformats.org/presentationml/2006/main">
+  <p:cSld>
+    <p:spTree>
+      <p:nvGrpSpPr>
+        <p:cNvPr id="1" name=""/>
+        <p:cNvGrpSpPr/>
+        <p:nvPr/>
+      </p:nvGrpSpPr>
+      <p:grpSpPr>
+        <a:xfrm>
+          <a:off x="0" y="0"/>
+          <a:ext cx="0" cy="0"/>
+          <a:chOff x="0" y="0"/>
+          <a:chExt cx="0" cy="0"/>
+        </a:xfrm>
+      </p:grpSpPr>
       <p:sp>
         <p:nvSpPr>
-          <p:cNvPr id="3" name="Slide Number Placeholder 2">
-            <a:extLst>
-              <a:ext uri="{FF2B5EF4-FFF2-40B4-BE49-F238E27FC236}">
-                <a16:creationId xmlns:a16="http://schemas.microsoft.com/office/drawing/2014/main" id="{CE61F474-2778-4D4C-4703-6F4762F63CFD}"/>
+          <p:cNvPr id="3" name="TextBox 2">
+            <a:extLst>
+              <a:ext uri="{FF2B5EF4-FFF2-40B4-BE49-F238E27FC236}">
+                <a16:creationId xmlns:a16="http://schemas.microsoft.com/office/drawing/2014/main" id="{30C25FCA-F71B-D6CD-8053-9DDA4D338C41}"/>
+              </a:ext>
+            </a:extLst>
+          </p:cNvPr>
+          <p:cNvSpPr txBox="1"/>
+          <p:nvPr/>
+        </p:nvSpPr>
+        <p:spPr>
+          <a:xfrm>
+            <a:off x="179854" y="359525"/>
+            <a:ext cx="10354455" cy="369332"/>
+          </a:xfrm>
+          <a:prstGeom prst="rect">
+            <a:avLst/>
+          </a:prstGeom>
+          <a:noFill/>
+        </p:spPr>
+        <p:txBody>
+          <a:bodyPr wrap="square">
+            <a:spAutoFit/>
+          </a:bodyPr>
+          <a:lstStyle/>
+          <a:p>
+            <a:r>
+              <a:rPr lang="en-US" b="1" i="0" dirty="0">
+                <a:solidFill>
+                  <a:srgbClr val="252423"/>
+                </a:solidFill>
+                <a:effectLst/>
+                <a:latin typeface="Segoe UI" panose="020B0502040204020203" pitchFamily="34" charset="0"/>
+              </a:rPr>
+              <a:t>Q1. Number of Sales made each time of the day per week ?</a:t>
+            </a:r>
+          </a:p>
+        </p:txBody>
+      </p:sp>
+      <p:pic>
+        <p:nvPicPr>
+          <p:cNvPr id="5" name="Picture 4">
+            <a:extLst>
+              <a:ext uri="{FF2B5EF4-FFF2-40B4-BE49-F238E27FC236}">
+                <a16:creationId xmlns:a16="http://schemas.microsoft.com/office/drawing/2014/main" id="{06C84105-E55C-2EBC-F72D-7C96C79F0DDA}"/>
+              </a:ext>
+            </a:extLst>
+          </p:cNvPr>
+          <p:cNvPicPr>
+            <a:picLocks noChangeAspect="1"/>
+          </p:cNvPicPr>
+          <p:nvPr/>
+        </p:nvPicPr>
+        <p:blipFill>
+          <a:blip r:embed="rId2">
+            <a:extLst>
+              <a:ext uri="{28A0092B-C50C-407E-A947-70E740481C1C}">
+                <a14:useLocalDpi xmlns:a14="http://schemas.microsoft.com/office/drawing/2010/main" val="0"/>
+              </a:ext>
+            </a:extLst>
+          </a:blip>
+          <a:stretch>
+            <a:fillRect/>
+          </a:stretch>
+        </p:blipFill>
+        <p:spPr>
+          <a:xfrm>
+            <a:off x="9637102" y="102319"/>
+            <a:ext cx="2375044" cy="3075596"/>
+          </a:xfrm>
+          <a:prstGeom prst="rect">
+            <a:avLst/>
+          </a:prstGeom>
+        </p:spPr>
+      </p:pic>
+      <p:sp>
+        <p:nvSpPr>
+          <p:cNvPr id="7" name="TextBox 6">
+            <a:extLst>
+              <a:ext uri="{FF2B5EF4-FFF2-40B4-BE49-F238E27FC236}">
+                <a16:creationId xmlns:a16="http://schemas.microsoft.com/office/drawing/2014/main" id="{1F2791AC-E3E0-89C5-AF54-4D57C0028630}"/>
+              </a:ext>
+            </a:extLst>
+          </p:cNvPr>
+          <p:cNvSpPr txBox="1"/>
+          <p:nvPr/>
+        </p:nvSpPr>
+        <p:spPr>
+          <a:xfrm>
+            <a:off x="179854" y="728857"/>
+            <a:ext cx="9457248" cy="646331"/>
+          </a:xfrm>
+          <a:prstGeom prst="rect">
+            <a:avLst/>
+          </a:prstGeom>
+          <a:noFill/>
+        </p:spPr>
+        <p:txBody>
+          <a:bodyPr wrap="square">
+            <a:spAutoFit/>
+          </a:bodyPr>
+          <a:lstStyle/>
+          <a:p>
+            <a:r>
+              <a:rPr lang="en-US" b="1" i="0" dirty="0">
+                <a:solidFill>
+                  <a:srgbClr val="252423"/>
+                </a:solidFill>
+                <a:effectLst/>
+                <a:latin typeface="Segoe UI" panose="020B0502040204020203" pitchFamily="34" charset="0"/>
+              </a:rPr>
+              <a:t>Ans</a:t>
+            </a:r>
+            <a:r>
+              <a:rPr lang="en-US" b="0" i="0" dirty="0">
+                <a:solidFill>
+                  <a:srgbClr val="252423"/>
+                </a:solidFill>
+                <a:effectLst/>
+                <a:latin typeface="Segoe UI" panose="020B0502040204020203" pitchFamily="34" charset="0"/>
+              </a:rPr>
+              <a:t>. </a:t>
+            </a:r>
+            <a:r>
+              <a:rPr lang="en-US" b="0" i="0" dirty="0">
+                <a:solidFill>
+                  <a:schemeClr val="accent5">
+                    <a:lumMod val="50000"/>
+                  </a:schemeClr>
+                </a:solidFill>
+                <a:effectLst/>
+                <a:latin typeface="Segoe UI" panose="020B0502040204020203" pitchFamily="34" charset="0"/>
+              </a:rPr>
+              <a:t>By referring to the visual of Table Snapshot of Product Sales Frequency by the Time of the day for the whole week we conclude that Afternoon has the highest frequency of sales.</a:t>
+            </a:r>
+          </a:p>
+        </p:txBody>
+      </p:sp>
+      <p:sp>
+        <p:nvSpPr>
+          <p:cNvPr id="9" name="TextBox 8">
+            <a:extLst>
+              <a:ext uri="{FF2B5EF4-FFF2-40B4-BE49-F238E27FC236}">
+                <a16:creationId xmlns:a16="http://schemas.microsoft.com/office/drawing/2014/main" id="{73E05EAD-0D67-5043-F236-5CAB57695BA6}"/>
+              </a:ext>
+            </a:extLst>
+          </p:cNvPr>
+          <p:cNvSpPr txBox="1"/>
+          <p:nvPr/>
+        </p:nvSpPr>
+        <p:spPr>
+          <a:xfrm>
+            <a:off x="234818" y="1584054"/>
+            <a:ext cx="9174008" cy="369332"/>
+          </a:xfrm>
+          <a:prstGeom prst="rect">
+            <a:avLst/>
+          </a:prstGeom>
+          <a:noFill/>
+        </p:spPr>
+        <p:txBody>
+          <a:bodyPr wrap="square">
+            <a:spAutoFit/>
+          </a:bodyPr>
+          <a:lstStyle/>
+          <a:p>
+            <a:r>
+              <a:rPr lang="en-US" b="1" i="0" dirty="0">
+                <a:solidFill>
+                  <a:srgbClr val="252423"/>
+                </a:solidFill>
+                <a:effectLst/>
+                <a:latin typeface="Segoe UI" panose="020B0502040204020203" pitchFamily="34" charset="0"/>
+              </a:rPr>
+              <a:t>Q2. Which of the customer types brings the most revenue ?</a:t>
+            </a:r>
+            <a:endParaRPr lang="en-US" b="1" dirty="0"/>
+          </a:p>
+        </p:txBody>
+      </p:sp>
+      <p:pic>
+        <p:nvPicPr>
+          <p:cNvPr id="13" name="Picture 12">
+            <a:extLst>
+              <a:ext uri="{FF2B5EF4-FFF2-40B4-BE49-F238E27FC236}">
+                <a16:creationId xmlns:a16="http://schemas.microsoft.com/office/drawing/2014/main" id="{9592684A-2301-90F1-922E-6E3E8EED14D4}"/>
+              </a:ext>
+            </a:extLst>
+          </p:cNvPr>
+          <p:cNvPicPr>
+            <a:picLocks noChangeAspect="1"/>
+          </p:cNvPicPr>
+          <p:nvPr/>
+        </p:nvPicPr>
+        <p:blipFill>
+          <a:blip r:embed="rId3">
+            <a:extLst>
+              <a:ext uri="{28A0092B-C50C-407E-A947-70E740481C1C}">
+                <a14:useLocalDpi xmlns:a14="http://schemas.microsoft.com/office/drawing/2010/main" val="0"/>
+              </a:ext>
+            </a:extLst>
+          </a:blip>
+          <a:stretch>
+            <a:fillRect/>
+          </a:stretch>
+        </p:blipFill>
+        <p:spPr>
+          <a:xfrm>
+            <a:off x="234818" y="2062009"/>
+            <a:ext cx="9174008" cy="2796439"/>
+          </a:xfrm>
+          <a:prstGeom prst="rect">
+            <a:avLst/>
+          </a:prstGeom>
+        </p:spPr>
+      </p:pic>
+      <p:sp>
+        <p:nvSpPr>
+          <p:cNvPr id="15" name="TextBox 14">
+            <a:extLst>
+              <a:ext uri="{FF2B5EF4-FFF2-40B4-BE49-F238E27FC236}">
+                <a16:creationId xmlns:a16="http://schemas.microsoft.com/office/drawing/2014/main" id="{AD306959-9611-7085-D2F2-6C3FAC60A4D6}"/>
+              </a:ext>
+            </a:extLst>
+          </p:cNvPr>
+          <p:cNvSpPr txBox="1"/>
+          <p:nvPr/>
+        </p:nvSpPr>
+        <p:spPr>
+          <a:xfrm>
+            <a:off x="234818" y="5062889"/>
+            <a:ext cx="11652382" cy="1200329"/>
+          </a:xfrm>
+          <a:prstGeom prst="rect">
+            <a:avLst/>
+          </a:prstGeom>
+          <a:noFill/>
+        </p:spPr>
+        <p:txBody>
+          <a:bodyPr wrap="square">
+            <a:spAutoFit/>
+          </a:bodyPr>
+          <a:lstStyle/>
+          <a:p>
+            <a:r>
+              <a:rPr lang="en-US" b="1" dirty="0"/>
+              <a:t>Ans</a:t>
+            </a:r>
+            <a:r>
+              <a:rPr lang="en-US" dirty="0"/>
+              <a:t>. </a:t>
+            </a:r>
+            <a:r>
+              <a:rPr lang="en-US" dirty="0">
+                <a:solidFill>
+                  <a:schemeClr val="accent5">
+                    <a:lumMod val="50000"/>
+                  </a:schemeClr>
+                </a:solidFill>
+              </a:rPr>
+              <a:t>By referring to these two visuals together i.e., Pie chart “Tax Percentage by City and Customer_type” and Table “Snapshot of Products Frequency by Time of the day ” we can easily conclude that Member type of customer have 50.85% of 322,966.75 which sums to about 164228.24 while Normal type of customer has 49.15% of the total revenue generated which sums to about 158738.1576  </a:t>
+            </a:r>
+          </a:p>
+        </p:txBody>
+      </p:sp>
+      <p:sp>
+        <p:nvSpPr>
+          <p:cNvPr id="4" name="Slide Number Placeholder 3">
+            <a:extLst>
+              <a:ext uri="{FF2B5EF4-FFF2-40B4-BE49-F238E27FC236}">
+                <a16:creationId xmlns:a16="http://schemas.microsoft.com/office/drawing/2014/main" id="{5DFF0357-9BB3-9BBE-FD8A-0ED9634AA43A}"/>
               </a:ext>
             </a:extLst>
           </p:cNvPr>
@@ -13589,7 +14113,1719 @@
           <a:p>
             <a:fld id="{5AECCE9C-A74C-48F0-A7FA-3F28FA7CDF62}" type="slidenum">
               <a:rPr lang="en-US" smtClean="0"/>
-              <a:t>20</a:t>
+              <a:t>21</a:t>
+            </a:fld>
+            <a:endParaRPr lang="en-US"/>
+          </a:p>
+        </p:txBody>
+      </p:sp>
+      <p:sp>
+        <p:nvSpPr>
+          <p:cNvPr id="6" name="Footer Placeholder 5">
+            <a:extLst>
+              <a:ext uri="{FF2B5EF4-FFF2-40B4-BE49-F238E27FC236}">
+                <a16:creationId xmlns:a16="http://schemas.microsoft.com/office/drawing/2014/main" id="{515A959D-23A0-6845-DF35-6A4CF08C986C}"/>
+              </a:ext>
+            </a:extLst>
+          </p:cNvPr>
+          <p:cNvSpPr>
+            <a:spLocks noGrp="1"/>
+          </p:cNvSpPr>
+          <p:nvPr>
+            <p:ph type="ftr" sz="quarter" idx="11"/>
+          </p:nvPr>
+        </p:nvSpPr>
+        <p:spPr/>
+        <p:txBody>
+          <a:bodyPr/>
+          <a:lstStyle/>
+          <a:p>
+            <a:r>
+              <a:rPr lang="en-US"/>
+              <a:t>Pg.No.</a:t>
+            </a:r>
+          </a:p>
+        </p:txBody>
+      </p:sp>
+    </p:spTree>
+    <p:extLst>
+      <p:ext uri="{BB962C8B-B14F-4D97-AF65-F5344CB8AC3E}">
+        <p14:creationId xmlns:p14="http://schemas.microsoft.com/office/powerpoint/2010/main" val="3171806233"/>
+      </p:ext>
+    </p:extLst>
+  </p:cSld>
+  <p:clrMapOvr>
+    <a:masterClrMapping/>
+  </p:clrMapOvr>
+  <p:timing>
+    <p:tnLst>
+      <p:par>
+        <p:cTn id="1" dur="indefinite" restart="never" nodeType="tmRoot">
+          <p:childTnLst>
+            <p:seq concurrent="1" nextAc="seek">
+              <p:cTn id="2" dur="indefinite" nodeType="mainSeq">
+                <p:childTnLst>
+                  <p:par>
+                    <p:cTn id="3" fill="hold">
+                      <p:stCondLst>
+                        <p:cond delay="indefinite"/>
+                      </p:stCondLst>
+                      <p:childTnLst>
+                        <p:par>
+                          <p:cTn id="4" fill="hold">
+                            <p:stCondLst>
+                              <p:cond delay="0"/>
+                            </p:stCondLst>
+                            <p:childTnLst>
+                              <p:par>
+                                <p:cTn id="5" presetID="2" presetClass="entr" presetSubtype="4" fill="hold" grpId="0" nodeType="clickEffect">
+                                  <p:stCondLst>
+                                    <p:cond delay="0"/>
+                                  </p:stCondLst>
+                                  <p:childTnLst>
+                                    <p:set>
+                                      <p:cBhvr>
+                                        <p:cTn id="6" dur="1" fill="hold">
+                                          <p:stCondLst>
+                                            <p:cond delay="0"/>
+                                          </p:stCondLst>
+                                        </p:cTn>
+                                        <p:tgtEl>
+                                          <p:spTgt spid="3"/>
+                                        </p:tgtEl>
+                                        <p:attrNameLst>
+                                          <p:attrName>style.visibility</p:attrName>
+                                        </p:attrNameLst>
+                                      </p:cBhvr>
+                                      <p:to>
+                                        <p:strVal val="visible"/>
+                                      </p:to>
+                                    </p:set>
+                                    <p:anim calcmode="lin" valueType="num">
+                                      <p:cBhvr additive="base">
+                                        <p:cTn id="7" dur="500" fill="hold"/>
+                                        <p:tgtEl>
+                                          <p:spTgt spid="3"/>
+                                        </p:tgtEl>
+                                        <p:attrNameLst>
+                                          <p:attrName>ppt_x</p:attrName>
+                                        </p:attrNameLst>
+                                      </p:cBhvr>
+                                      <p:tavLst>
+                                        <p:tav tm="0">
+                                          <p:val>
+                                            <p:strVal val="#ppt_x"/>
+                                          </p:val>
+                                        </p:tav>
+                                        <p:tav tm="100000">
+                                          <p:val>
+                                            <p:strVal val="#ppt_x"/>
+                                          </p:val>
+                                        </p:tav>
+                                      </p:tavLst>
+                                    </p:anim>
+                                    <p:anim calcmode="lin" valueType="num">
+                                      <p:cBhvr additive="base">
+                                        <p:cTn id="8" dur="500" fill="hold"/>
+                                        <p:tgtEl>
+                                          <p:spTgt spid="3"/>
+                                        </p:tgtEl>
+                                        <p:attrNameLst>
+                                          <p:attrName>ppt_y</p:attrName>
+                                        </p:attrNameLst>
+                                      </p:cBhvr>
+                                      <p:tavLst>
+                                        <p:tav tm="0">
+                                          <p:val>
+                                            <p:strVal val="1+#ppt_h/2"/>
+                                          </p:val>
+                                        </p:tav>
+                                        <p:tav tm="100000">
+                                          <p:val>
+                                            <p:strVal val="#ppt_y"/>
+                                          </p:val>
+                                        </p:tav>
+                                      </p:tavLst>
+                                    </p:anim>
+                                  </p:childTnLst>
+                                </p:cTn>
+                              </p:par>
+                            </p:childTnLst>
+                          </p:cTn>
+                        </p:par>
+                      </p:childTnLst>
+                    </p:cTn>
+                  </p:par>
+                  <p:par>
+                    <p:cTn id="9" fill="hold">
+                      <p:stCondLst>
+                        <p:cond delay="indefinite"/>
+                      </p:stCondLst>
+                      <p:childTnLst>
+                        <p:par>
+                          <p:cTn id="10" fill="hold">
+                            <p:stCondLst>
+                              <p:cond delay="0"/>
+                            </p:stCondLst>
+                            <p:childTnLst>
+                              <p:par>
+                                <p:cTn id="11" presetID="2" presetClass="entr" presetSubtype="4" fill="hold" nodeType="clickEffect">
+                                  <p:stCondLst>
+                                    <p:cond delay="0"/>
+                                  </p:stCondLst>
+                                  <p:childTnLst>
+                                    <p:set>
+                                      <p:cBhvr>
+                                        <p:cTn id="12" dur="1" fill="hold">
+                                          <p:stCondLst>
+                                            <p:cond delay="0"/>
+                                          </p:stCondLst>
+                                        </p:cTn>
+                                        <p:tgtEl>
+                                          <p:spTgt spid="5"/>
+                                        </p:tgtEl>
+                                        <p:attrNameLst>
+                                          <p:attrName>style.visibility</p:attrName>
+                                        </p:attrNameLst>
+                                      </p:cBhvr>
+                                      <p:to>
+                                        <p:strVal val="visible"/>
+                                      </p:to>
+                                    </p:set>
+                                    <p:anim calcmode="lin" valueType="num">
+                                      <p:cBhvr additive="base">
+                                        <p:cTn id="13" dur="500" fill="hold"/>
+                                        <p:tgtEl>
+                                          <p:spTgt spid="5"/>
+                                        </p:tgtEl>
+                                        <p:attrNameLst>
+                                          <p:attrName>ppt_x</p:attrName>
+                                        </p:attrNameLst>
+                                      </p:cBhvr>
+                                      <p:tavLst>
+                                        <p:tav tm="0">
+                                          <p:val>
+                                            <p:strVal val="#ppt_x"/>
+                                          </p:val>
+                                        </p:tav>
+                                        <p:tav tm="100000">
+                                          <p:val>
+                                            <p:strVal val="#ppt_x"/>
+                                          </p:val>
+                                        </p:tav>
+                                      </p:tavLst>
+                                    </p:anim>
+                                    <p:anim calcmode="lin" valueType="num">
+                                      <p:cBhvr additive="base">
+                                        <p:cTn id="14" dur="500" fill="hold"/>
+                                        <p:tgtEl>
+                                          <p:spTgt spid="5"/>
+                                        </p:tgtEl>
+                                        <p:attrNameLst>
+                                          <p:attrName>ppt_y</p:attrName>
+                                        </p:attrNameLst>
+                                      </p:cBhvr>
+                                      <p:tavLst>
+                                        <p:tav tm="0">
+                                          <p:val>
+                                            <p:strVal val="1+#ppt_h/2"/>
+                                          </p:val>
+                                        </p:tav>
+                                        <p:tav tm="100000">
+                                          <p:val>
+                                            <p:strVal val="#ppt_y"/>
+                                          </p:val>
+                                        </p:tav>
+                                      </p:tavLst>
+                                    </p:anim>
+                                  </p:childTnLst>
+                                </p:cTn>
+                              </p:par>
+                            </p:childTnLst>
+                          </p:cTn>
+                        </p:par>
+                      </p:childTnLst>
+                    </p:cTn>
+                  </p:par>
+                  <p:par>
+                    <p:cTn id="15" fill="hold">
+                      <p:stCondLst>
+                        <p:cond delay="indefinite"/>
+                      </p:stCondLst>
+                      <p:childTnLst>
+                        <p:par>
+                          <p:cTn id="16" fill="hold">
+                            <p:stCondLst>
+                              <p:cond delay="0"/>
+                            </p:stCondLst>
+                            <p:childTnLst>
+                              <p:par>
+                                <p:cTn id="17" presetID="2" presetClass="entr" presetSubtype="4" fill="hold" grpId="0" nodeType="clickEffect">
+                                  <p:stCondLst>
+                                    <p:cond delay="0"/>
+                                  </p:stCondLst>
+                                  <p:childTnLst>
+                                    <p:set>
+                                      <p:cBhvr>
+                                        <p:cTn id="18" dur="1" fill="hold">
+                                          <p:stCondLst>
+                                            <p:cond delay="0"/>
+                                          </p:stCondLst>
+                                        </p:cTn>
+                                        <p:tgtEl>
+                                          <p:spTgt spid="7"/>
+                                        </p:tgtEl>
+                                        <p:attrNameLst>
+                                          <p:attrName>style.visibility</p:attrName>
+                                        </p:attrNameLst>
+                                      </p:cBhvr>
+                                      <p:to>
+                                        <p:strVal val="visible"/>
+                                      </p:to>
+                                    </p:set>
+                                    <p:anim calcmode="lin" valueType="num">
+                                      <p:cBhvr additive="base">
+                                        <p:cTn id="19" dur="500" fill="hold"/>
+                                        <p:tgtEl>
+                                          <p:spTgt spid="7"/>
+                                        </p:tgtEl>
+                                        <p:attrNameLst>
+                                          <p:attrName>ppt_x</p:attrName>
+                                        </p:attrNameLst>
+                                      </p:cBhvr>
+                                      <p:tavLst>
+                                        <p:tav tm="0">
+                                          <p:val>
+                                            <p:strVal val="#ppt_x"/>
+                                          </p:val>
+                                        </p:tav>
+                                        <p:tav tm="100000">
+                                          <p:val>
+                                            <p:strVal val="#ppt_x"/>
+                                          </p:val>
+                                        </p:tav>
+                                      </p:tavLst>
+                                    </p:anim>
+                                    <p:anim calcmode="lin" valueType="num">
+                                      <p:cBhvr additive="base">
+                                        <p:cTn id="20" dur="500" fill="hold"/>
+                                        <p:tgtEl>
+                                          <p:spTgt spid="7"/>
+                                        </p:tgtEl>
+                                        <p:attrNameLst>
+                                          <p:attrName>ppt_y</p:attrName>
+                                        </p:attrNameLst>
+                                      </p:cBhvr>
+                                      <p:tavLst>
+                                        <p:tav tm="0">
+                                          <p:val>
+                                            <p:strVal val="1+#ppt_h/2"/>
+                                          </p:val>
+                                        </p:tav>
+                                        <p:tav tm="100000">
+                                          <p:val>
+                                            <p:strVal val="#ppt_y"/>
+                                          </p:val>
+                                        </p:tav>
+                                      </p:tavLst>
+                                    </p:anim>
+                                  </p:childTnLst>
+                                </p:cTn>
+                              </p:par>
+                            </p:childTnLst>
+                          </p:cTn>
+                        </p:par>
+                      </p:childTnLst>
+                    </p:cTn>
+                  </p:par>
+                  <p:par>
+                    <p:cTn id="21" fill="hold">
+                      <p:stCondLst>
+                        <p:cond delay="indefinite"/>
+                      </p:stCondLst>
+                      <p:childTnLst>
+                        <p:par>
+                          <p:cTn id="22" fill="hold">
+                            <p:stCondLst>
+                              <p:cond delay="0"/>
+                            </p:stCondLst>
+                            <p:childTnLst>
+                              <p:par>
+                                <p:cTn id="23" presetID="2" presetClass="entr" presetSubtype="4" fill="hold" grpId="0" nodeType="clickEffect">
+                                  <p:stCondLst>
+                                    <p:cond delay="0"/>
+                                  </p:stCondLst>
+                                  <p:childTnLst>
+                                    <p:set>
+                                      <p:cBhvr>
+                                        <p:cTn id="24" dur="1" fill="hold">
+                                          <p:stCondLst>
+                                            <p:cond delay="0"/>
+                                          </p:stCondLst>
+                                        </p:cTn>
+                                        <p:tgtEl>
+                                          <p:spTgt spid="9"/>
+                                        </p:tgtEl>
+                                        <p:attrNameLst>
+                                          <p:attrName>style.visibility</p:attrName>
+                                        </p:attrNameLst>
+                                      </p:cBhvr>
+                                      <p:to>
+                                        <p:strVal val="visible"/>
+                                      </p:to>
+                                    </p:set>
+                                    <p:anim calcmode="lin" valueType="num">
+                                      <p:cBhvr additive="base">
+                                        <p:cTn id="25" dur="500" fill="hold"/>
+                                        <p:tgtEl>
+                                          <p:spTgt spid="9"/>
+                                        </p:tgtEl>
+                                        <p:attrNameLst>
+                                          <p:attrName>ppt_x</p:attrName>
+                                        </p:attrNameLst>
+                                      </p:cBhvr>
+                                      <p:tavLst>
+                                        <p:tav tm="0">
+                                          <p:val>
+                                            <p:strVal val="#ppt_x"/>
+                                          </p:val>
+                                        </p:tav>
+                                        <p:tav tm="100000">
+                                          <p:val>
+                                            <p:strVal val="#ppt_x"/>
+                                          </p:val>
+                                        </p:tav>
+                                      </p:tavLst>
+                                    </p:anim>
+                                    <p:anim calcmode="lin" valueType="num">
+                                      <p:cBhvr additive="base">
+                                        <p:cTn id="26" dur="500" fill="hold"/>
+                                        <p:tgtEl>
+                                          <p:spTgt spid="9"/>
+                                        </p:tgtEl>
+                                        <p:attrNameLst>
+                                          <p:attrName>ppt_y</p:attrName>
+                                        </p:attrNameLst>
+                                      </p:cBhvr>
+                                      <p:tavLst>
+                                        <p:tav tm="0">
+                                          <p:val>
+                                            <p:strVal val="1+#ppt_h/2"/>
+                                          </p:val>
+                                        </p:tav>
+                                        <p:tav tm="100000">
+                                          <p:val>
+                                            <p:strVal val="#ppt_y"/>
+                                          </p:val>
+                                        </p:tav>
+                                      </p:tavLst>
+                                    </p:anim>
+                                  </p:childTnLst>
+                                </p:cTn>
+                              </p:par>
+                            </p:childTnLst>
+                          </p:cTn>
+                        </p:par>
+                      </p:childTnLst>
+                    </p:cTn>
+                  </p:par>
+                  <p:par>
+                    <p:cTn id="27" fill="hold">
+                      <p:stCondLst>
+                        <p:cond delay="indefinite"/>
+                      </p:stCondLst>
+                      <p:childTnLst>
+                        <p:par>
+                          <p:cTn id="28" fill="hold">
+                            <p:stCondLst>
+                              <p:cond delay="0"/>
+                            </p:stCondLst>
+                            <p:childTnLst>
+                              <p:par>
+                                <p:cTn id="29" presetID="2" presetClass="entr" presetSubtype="4" fill="hold" nodeType="clickEffect">
+                                  <p:stCondLst>
+                                    <p:cond delay="0"/>
+                                  </p:stCondLst>
+                                  <p:childTnLst>
+                                    <p:set>
+                                      <p:cBhvr>
+                                        <p:cTn id="30" dur="1" fill="hold">
+                                          <p:stCondLst>
+                                            <p:cond delay="0"/>
+                                          </p:stCondLst>
+                                        </p:cTn>
+                                        <p:tgtEl>
+                                          <p:spTgt spid="13"/>
+                                        </p:tgtEl>
+                                        <p:attrNameLst>
+                                          <p:attrName>style.visibility</p:attrName>
+                                        </p:attrNameLst>
+                                      </p:cBhvr>
+                                      <p:to>
+                                        <p:strVal val="visible"/>
+                                      </p:to>
+                                    </p:set>
+                                    <p:anim calcmode="lin" valueType="num">
+                                      <p:cBhvr additive="base">
+                                        <p:cTn id="31" dur="500" fill="hold"/>
+                                        <p:tgtEl>
+                                          <p:spTgt spid="13"/>
+                                        </p:tgtEl>
+                                        <p:attrNameLst>
+                                          <p:attrName>ppt_x</p:attrName>
+                                        </p:attrNameLst>
+                                      </p:cBhvr>
+                                      <p:tavLst>
+                                        <p:tav tm="0">
+                                          <p:val>
+                                            <p:strVal val="#ppt_x"/>
+                                          </p:val>
+                                        </p:tav>
+                                        <p:tav tm="100000">
+                                          <p:val>
+                                            <p:strVal val="#ppt_x"/>
+                                          </p:val>
+                                        </p:tav>
+                                      </p:tavLst>
+                                    </p:anim>
+                                    <p:anim calcmode="lin" valueType="num">
+                                      <p:cBhvr additive="base">
+                                        <p:cTn id="32" dur="500" fill="hold"/>
+                                        <p:tgtEl>
+                                          <p:spTgt spid="13"/>
+                                        </p:tgtEl>
+                                        <p:attrNameLst>
+                                          <p:attrName>ppt_y</p:attrName>
+                                        </p:attrNameLst>
+                                      </p:cBhvr>
+                                      <p:tavLst>
+                                        <p:tav tm="0">
+                                          <p:val>
+                                            <p:strVal val="1+#ppt_h/2"/>
+                                          </p:val>
+                                        </p:tav>
+                                        <p:tav tm="100000">
+                                          <p:val>
+                                            <p:strVal val="#ppt_y"/>
+                                          </p:val>
+                                        </p:tav>
+                                      </p:tavLst>
+                                    </p:anim>
+                                  </p:childTnLst>
+                                </p:cTn>
+                              </p:par>
+                            </p:childTnLst>
+                          </p:cTn>
+                        </p:par>
+                      </p:childTnLst>
+                    </p:cTn>
+                  </p:par>
+                  <p:par>
+                    <p:cTn id="33" fill="hold">
+                      <p:stCondLst>
+                        <p:cond delay="indefinite"/>
+                      </p:stCondLst>
+                      <p:childTnLst>
+                        <p:par>
+                          <p:cTn id="34" fill="hold">
+                            <p:stCondLst>
+                              <p:cond delay="0"/>
+                            </p:stCondLst>
+                            <p:childTnLst>
+                              <p:par>
+                                <p:cTn id="35" presetID="2" presetClass="entr" presetSubtype="4" fill="hold" grpId="0" nodeType="clickEffect">
+                                  <p:stCondLst>
+                                    <p:cond delay="0"/>
+                                  </p:stCondLst>
+                                  <p:childTnLst>
+                                    <p:set>
+                                      <p:cBhvr>
+                                        <p:cTn id="36" dur="1" fill="hold">
+                                          <p:stCondLst>
+                                            <p:cond delay="0"/>
+                                          </p:stCondLst>
+                                        </p:cTn>
+                                        <p:tgtEl>
+                                          <p:spTgt spid="15"/>
+                                        </p:tgtEl>
+                                        <p:attrNameLst>
+                                          <p:attrName>style.visibility</p:attrName>
+                                        </p:attrNameLst>
+                                      </p:cBhvr>
+                                      <p:to>
+                                        <p:strVal val="visible"/>
+                                      </p:to>
+                                    </p:set>
+                                    <p:anim calcmode="lin" valueType="num">
+                                      <p:cBhvr additive="base">
+                                        <p:cTn id="37" dur="500" fill="hold"/>
+                                        <p:tgtEl>
+                                          <p:spTgt spid="15"/>
+                                        </p:tgtEl>
+                                        <p:attrNameLst>
+                                          <p:attrName>ppt_x</p:attrName>
+                                        </p:attrNameLst>
+                                      </p:cBhvr>
+                                      <p:tavLst>
+                                        <p:tav tm="0">
+                                          <p:val>
+                                            <p:strVal val="#ppt_x"/>
+                                          </p:val>
+                                        </p:tav>
+                                        <p:tav tm="100000">
+                                          <p:val>
+                                            <p:strVal val="#ppt_x"/>
+                                          </p:val>
+                                        </p:tav>
+                                      </p:tavLst>
+                                    </p:anim>
+                                    <p:anim calcmode="lin" valueType="num">
+                                      <p:cBhvr additive="base">
+                                        <p:cTn id="38" dur="500" fill="hold"/>
+                                        <p:tgtEl>
+                                          <p:spTgt spid="15"/>
+                                        </p:tgtEl>
+                                        <p:attrNameLst>
+                                          <p:attrName>ppt_y</p:attrName>
+                                        </p:attrNameLst>
+                                      </p:cBhvr>
+                                      <p:tavLst>
+                                        <p:tav tm="0">
+                                          <p:val>
+                                            <p:strVal val="1+#ppt_h/2"/>
+                                          </p:val>
+                                        </p:tav>
+                                        <p:tav tm="100000">
+                                          <p:val>
+                                            <p:strVal val="#ppt_y"/>
+                                          </p:val>
+                                        </p:tav>
+                                      </p:tavLst>
+                                    </p:anim>
+                                  </p:childTnLst>
+                                </p:cTn>
+                              </p:par>
+                            </p:childTnLst>
+                          </p:cTn>
+                        </p:par>
+                      </p:childTnLst>
+                    </p:cTn>
+                  </p:par>
+                </p:childTnLst>
+              </p:cTn>
+              <p:prevCondLst>
+                <p:cond evt="onPrev" delay="0">
+                  <p:tgtEl>
+                    <p:sldTgt/>
+                  </p:tgtEl>
+                </p:cond>
+              </p:prevCondLst>
+              <p:nextCondLst>
+                <p:cond evt="onNext" delay="0">
+                  <p:tgtEl>
+                    <p:sldTgt/>
+                  </p:tgtEl>
+                </p:cond>
+              </p:nextCondLst>
+            </p:seq>
+          </p:childTnLst>
+        </p:cTn>
+      </p:par>
+    </p:tnLst>
+    <p:bldLst>
+      <p:bldP spid="3" grpId="0"/>
+      <p:bldP spid="7" grpId="0"/>
+      <p:bldP spid="9" grpId="0"/>
+      <p:bldP spid="15" grpId="0"/>
+    </p:bldLst>
+  </p:timing>
+</p:sld>
+</file>
+
+<file path=ppt/slides/slide22.xml><?xml version="1.0" encoding="utf-8"?>
+<p:sld xmlns:a="http://schemas.openxmlformats.org/drawingml/2006/main" xmlns:r="http://schemas.openxmlformats.org/officeDocument/2006/relationships" xmlns:p="http://schemas.openxmlformats.org/presentationml/2006/main">
+  <p:cSld>
+    <p:spTree>
+      <p:nvGrpSpPr>
+        <p:cNvPr id="1" name=""/>
+        <p:cNvGrpSpPr/>
+        <p:nvPr/>
+      </p:nvGrpSpPr>
+      <p:grpSpPr>
+        <a:xfrm>
+          <a:off x="0" y="0"/>
+          <a:ext cx="0" cy="0"/>
+          <a:chOff x="0" y="0"/>
+          <a:chExt cx="0" cy="0"/>
+        </a:xfrm>
+      </p:grpSpPr>
+      <p:sp>
+        <p:nvSpPr>
+          <p:cNvPr id="3" name="TextBox 2">
+            <a:extLst>
+              <a:ext uri="{FF2B5EF4-FFF2-40B4-BE49-F238E27FC236}">
+                <a16:creationId xmlns:a16="http://schemas.microsoft.com/office/drawing/2014/main" id="{FD0A0697-E871-C4B5-9FBE-7C409AE0FA51}"/>
+              </a:ext>
+            </a:extLst>
+          </p:cNvPr>
+          <p:cNvSpPr txBox="1"/>
+          <p:nvPr/>
+        </p:nvSpPr>
+        <p:spPr>
+          <a:xfrm>
+            <a:off x="138659" y="122632"/>
+            <a:ext cx="6093500" cy="369332"/>
+          </a:xfrm>
+          <a:prstGeom prst="rect">
+            <a:avLst/>
+          </a:prstGeom>
+          <a:noFill/>
+        </p:spPr>
+        <p:txBody>
+          <a:bodyPr wrap="square">
+            <a:spAutoFit/>
+          </a:bodyPr>
+          <a:lstStyle/>
+          <a:p>
+            <a:r>
+              <a:rPr lang="en-US" b="1" i="0" dirty="0">
+                <a:solidFill>
+                  <a:srgbClr val="252423"/>
+                </a:solidFill>
+                <a:effectLst/>
+                <a:latin typeface="Segoe UI" panose="020B0502040204020203" pitchFamily="34" charset="0"/>
+              </a:rPr>
+              <a:t>Q3. Which city has the largest tax percent /vat?</a:t>
+            </a:r>
+            <a:endParaRPr lang="en-US" b="1" dirty="0"/>
+          </a:p>
+        </p:txBody>
+      </p:sp>
+      <p:sp>
+        <p:nvSpPr>
+          <p:cNvPr id="7" name="TextBox 6">
+            <a:extLst>
+              <a:ext uri="{FF2B5EF4-FFF2-40B4-BE49-F238E27FC236}">
+                <a16:creationId xmlns:a16="http://schemas.microsoft.com/office/drawing/2014/main" id="{B25D7980-A7FA-C6EA-2E8A-807CAC0F6505}"/>
+              </a:ext>
+            </a:extLst>
+          </p:cNvPr>
+          <p:cNvSpPr txBox="1"/>
+          <p:nvPr/>
+        </p:nvSpPr>
+        <p:spPr>
+          <a:xfrm>
+            <a:off x="254832" y="3186380"/>
+            <a:ext cx="11568379" cy="646331"/>
+          </a:xfrm>
+          <a:prstGeom prst="rect">
+            <a:avLst/>
+          </a:prstGeom>
+          <a:noFill/>
+        </p:spPr>
+        <p:txBody>
+          <a:bodyPr wrap="square">
+            <a:spAutoFit/>
+          </a:bodyPr>
+          <a:lstStyle/>
+          <a:p>
+            <a:r>
+              <a:rPr lang="en-US" b="1" dirty="0"/>
+              <a:t>Ans</a:t>
+            </a:r>
+            <a:r>
+              <a:rPr lang="en-US" dirty="0"/>
+              <a:t>. </a:t>
+            </a:r>
+            <a:r>
+              <a:rPr lang="en-US" dirty="0">
+                <a:solidFill>
+                  <a:schemeClr val="accent5">
+                    <a:lumMod val="50000"/>
+                  </a:schemeClr>
+                </a:solidFill>
+              </a:rPr>
+              <a:t>By referring to the Pie Chart Tax Percentage by City and Customer Type we can conclude that Naypyitaw city pays the majority of the tax .</a:t>
+            </a:r>
+            <a:r>
+              <a:rPr lang="en-US" dirty="0" err="1">
+                <a:solidFill>
+                  <a:schemeClr val="accent5">
+                    <a:lumMod val="50000"/>
+                  </a:schemeClr>
+                </a:solidFill>
+              </a:rPr>
+              <a:t>ie</a:t>
+            </a:r>
+            <a:r>
+              <a:rPr lang="en-US" dirty="0">
+                <a:solidFill>
+                  <a:schemeClr val="accent5">
+                    <a:lumMod val="50000"/>
+                  </a:schemeClr>
+                </a:solidFill>
+              </a:rPr>
+              <a:t>., 32.88% of the total tax i.e., 15379.37 which sums to about 5056.74. </a:t>
+            </a:r>
+          </a:p>
+        </p:txBody>
+      </p:sp>
+      <p:pic>
+        <p:nvPicPr>
+          <p:cNvPr id="9" name="Picture 8">
+            <a:extLst>
+              <a:ext uri="{FF2B5EF4-FFF2-40B4-BE49-F238E27FC236}">
+                <a16:creationId xmlns:a16="http://schemas.microsoft.com/office/drawing/2014/main" id="{44D24B81-9343-EF53-9130-DAABD76C2550}"/>
+              </a:ext>
+            </a:extLst>
+          </p:cNvPr>
+          <p:cNvPicPr>
+            <a:picLocks noChangeAspect="1"/>
+          </p:cNvPicPr>
+          <p:nvPr/>
+        </p:nvPicPr>
+        <p:blipFill>
+          <a:blip r:embed="rId2">
+            <a:extLst>
+              <a:ext uri="{28A0092B-C50C-407E-A947-70E740481C1C}">
+                <a14:useLocalDpi xmlns:a14="http://schemas.microsoft.com/office/drawing/2010/main" val="0"/>
+              </a:ext>
+            </a:extLst>
+          </a:blip>
+          <a:stretch>
+            <a:fillRect/>
+          </a:stretch>
+        </p:blipFill>
+        <p:spPr>
+          <a:xfrm>
+            <a:off x="254832" y="498696"/>
+            <a:ext cx="11277601" cy="2543530"/>
+          </a:xfrm>
+          <a:prstGeom prst="rect">
+            <a:avLst/>
+          </a:prstGeom>
+        </p:spPr>
+      </p:pic>
+      <p:sp>
+        <p:nvSpPr>
+          <p:cNvPr id="11" name="TextBox 10">
+            <a:extLst>
+              <a:ext uri="{FF2B5EF4-FFF2-40B4-BE49-F238E27FC236}">
+                <a16:creationId xmlns:a16="http://schemas.microsoft.com/office/drawing/2014/main" id="{5D45B2BA-4E33-DE06-87E0-84CC7E79CFE3}"/>
+              </a:ext>
+            </a:extLst>
+          </p:cNvPr>
+          <p:cNvSpPr txBox="1"/>
+          <p:nvPr/>
+        </p:nvSpPr>
+        <p:spPr>
+          <a:xfrm>
+            <a:off x="254832" y="3907343"/>
+            <a:ext cx="6093500" cy="369332"/>
+          </a:xfrm>
+          <a:prstGeom prst="rect">
+            <a:avLst/>
+          </a:prstGeom>
+          <a:noFill/>
+        </p:spPr>
+        <p:txBody>
+          <a:bodyPr wrap="square">
+            <a:spAutoFit/>
+          </a:bodyPr>
+          <a:lstStyle/>
+          <a:p>
+            <a:r>
+              <a:rPr lang="en-US" b="1" i="0" dirty="0">
+                <a:solidFill>
+                  <a:srgbClr val="252423"/>
+                </a:solidFill>
+                <a:effectLst/>
+                <a:latin typeface="Segoe UI" panose="020B0502040204020203" pitchFamily="34" charset="0"/>
+              </a:rPr>
+              <a:t>Q4. Which customer type pays the most vat?</a:t>
+            </a:r>
+            <a:endParaRPr lang="en-US" b="1" dirty="0"/>
+          </a:p>
+        </p:txBody>
+      </p:sp>
+      <p:pic>
+        <p:nvPicPr>
+          <p:cNvPr id="13" name="Picture 12">
+            <a:extLst>
+              <a:ext uri="{FF2B5EF4-FFF2-40B4-BE49-F238E27FC236}">
+                <a16:creationId xmlns:a16="http://schemas.microsoft.com/office/drawing/2014/main" id="{7FD191D1-D3B2-548C-4DDF-9C3714627F10}"/>
+              </a:ext>
+            </a:extLst>
+          </p:cNvPr>
+          <p:cNvPicPr>
+            <a:picLocks noChangeAspect="1"/>
+          </p:cNvPicPr>
+          <p:nvPr/>
+        </p:nvPicPr>
+        <p:blipFill>
+          <a:blip r:embed="rId3">
+            <a:extLst>
+              <a:ext uri="{28A0092B-C50C-407E-A947-70E740481C1C}">
+                <a14:useLocalDpi xmlns:a14="http://schemas.microsoft.com/office/drawing/2010/main" val="0"/>
+              </a:ext>
+            </a:extLst>
+          </a:blip>
+          <a:stretch>
+            <a:fillRect/>
+          </a:stretch>
+        </p:blipFill>
+        <p:spPr>
+          <a:xfrm>
+            <a:off x="5306518" y="3983596"/>
+            <a:ext cx="6765561" cy="2751771"/>
+          </a:xfrm>
+          <a:prstGeom prst="rect">
+            <a:avLst/>
+          </a:prstGeom>
+        </p:spPr>
+      </p:pic>
+      <p:sp>
+        <p:nvSpPr>
+          <p:cNvPr id="15" name="TextBox 14">
+            <a:extLst>
+              <a:ext uri="{FF2B5EF4-FFF2-40B4-BE49-F238E27FC236}">
+                <a16:creationId xmlns:a16="http://schemas.microsoft.com/office/drawing/2014/main" id="{F1CBD86A-DA00-D553-C35E-05AD9752630A}"/>
+              </a:ext>
+            </a:extLst>
+          </p:cNvPr>
+          <p:cNvSpPr txBox="1"/>
+          <p:nvPr/>
+        </p:nvSpPr>
+        <p:spPr>
+          <a:xfrm>
+            <a:off x="254832" y="4351307"/>
+            <a:ext cx="4527030" cy="1754326"/>
+          </a:xfrm>
+          <a:prstGeom prst="rect">
+            <a:avLst/>
+          </a:prstGeom>
+          <a:noFill/>
+        </p:spPr>
+        <p:txBody>
+          <a:bodyPr wrap="square">
+            <a:spAutoFit/>
+          </a:bodyPr>
+          <a:lstStyle/>
+          <a:p>
+            <a:r>
+              <a:rPr lang="en-US" b="1" dirty="0"/>
+              <a:t>Ans</a:t>
+            </a:r>
+            <a:r>
+              <a:rPr lang="en-US" dirty="0"/>
+              <a:t>. </a:t>
+            </a:r>
+            <a:r>
+              <a:rPr lang="en-US" dirty="0">
+                <a:solidFill>
+                  <a:schemeClr val="accent5">
+                    <a:lumMod val="50000"/>
+                  </a:schemeClr>
+                </a:solidFill>
+              </a:rPr>
+              <a:t>Again, by referring to the Pie Chart Tax Percentage by City and Customer Type we can conclude that Customer type Member pays the majority of the tax .</a:t>
+            </a:r>
+            <a:r>
+              <a:rPr lang="en-US" dirty="0" err="1">
+                <a:solidFill>
+                  <a:schemeClr val="accent5">
+                    <a:lumMod val="50000"/>
+                  </a:schemeClr>
+                </a:solidFill>
+              </a:rPr>
+              <a:t>ie</a:t>
+            </a:r>
+            <a:r>
+              <a:rPr lang="en-US" dirty="0">
+                <a:solidFill>
+                  <a:schemeClr val="accent5">
+                    <a:lumMod val="50000"/>
+                  </a:schemeClr>
+                </a:solidFill>
+              </a:rPr>
+              <a:t>., 50.85% of the total tax i.e., 15379.37 which sums to about 7820.401</a:t>
+            </a:r>
+          </a:p>
+        </p:txBody>
+      </p:sp>
+      <p:sp>
+        <p:nvSpPr>
+          <p:cNvPr id="4" name="Slide Number Placeholder 3">
+            <a:extLst>
+              <a:ext uri="{FF2B5EF4-FFF2-40B4-BE49-F238E27FC236}">
+                <a16:creationId xmlns:a16="http://schemas.microsoft.com/office/drawing/2014/main" id="{A9697278-5EF8-B8DA-5CE2-D4891217090B}"/>
+              </a:ext>
+            </a:extLst>
+          </p:cNvPr>
+          <p:cNvSpPr>
+            <a:spLocks noGrp="1"/>
+          </p:cNvSpPr>
+          <p:nvPr>
+            <p:ph type="sldNum" sz="quarter" idx="12"/>
+          </p:nvPr>
+        </p:nvSpPr>
+        <p:spPr/>
+        <p:txBody>
+          <a:bodyPr/>
+          <a:lstStyle/>
+          <a:p>
+            <a:fld id="{5AECCE9C-A74C-48F0-A7FA-3F28FA7CDF62}" type="slidenum">
+              <a:rPr lang="en-US" smtClean="0"/>
+              <a:t>22</a:t>
+            </a:fld>
+            <a:endParaRPr lang="en-US"/>
+          </a:p>
+        </p:txBody>
+      </p:sp>
+      <p:sp>
+        <p:nvSpPr>
+          <p:cNvPr id="5" name="Footer Placeholder 4">
+            <a:extLst>
+              <a:ext uri="{FF2B5EF4-FFF2-40B4-BE49-F238E27FC236}">
+                <a16:creationId xmlns:a16="http://schemas.microsoft.com/office/drawing/2014/main" id="{1CEB9252-92FE-3007-910B-6FF485CC61BD}"/>
+              </a:ext>
+            </a:extLst>
+          </p:cNvPr>
+          <p:cNvSpPr>
+            <a:spLocks noGrp="1"/>
+          </p:cNvSpPr>
+          <p:nvPr>
+            <p:ph type="ftr" sz="quarter" idx="11"/>
+          </p:nvPr>
+        </p:nvSpPr>
+        <p:spPr/>
+        <p:txBody>
+          <a:bodyPr/>
+          <a:lstStyle/>
+          <a:p>
+            <a:r>
+              <a:rPr lang="en-US"/>
+              <a:t>Pg.No.</a:t>
+            </a:r>
+          </a:p>
+        </p:txBody>
+      </p:sp>
+    </p:spTree>
+    <p:extLst>
+      <p:ext uri="{BB962C8B-B14F-4D97-AF65-F5344CB8AC3E}">
+        <p14:creationId xmlns:p14="http://schemas.microsoft.com/office/powerpoint/2010/main" val="1627177041"/>
+      </p:ext>
+    </p:extLst>
+  </p:cSld>
+  <p:clrMapOvr>
+    <a:masterClrMapping/>
+  </p:clrMapOvr>
+  <p:timing>
+    <p:tnLst>
+      <p:par>
+        <p:cTn id="1" dur="indefinite" restart="never" nodeType="tmRoot">
+          <p:childTnLst>
+            <p:seq concurrent="1" nextAc="seek">
+              <p:cTn id="2" dur="indefinite" nodeType="mainSeq">
+                <p:childTnLst>
+                  <p:par>
+                    <p:cTn id="3" fill="hold">
+                      <p:stCondLst>
+                        <p:cond delay="indefinite"/>
+                      </p:stCondLst>
+                      <p:childTnLst>
+                        <p:par>
+                          <p:cTn id="4" fill="hold">
+                            <p:stCondLst>
+                              <p:cond delay="0"/>
+                            </p:stCondLst>
+                            <p:childTnLst>
+                              <p:par>
+                                <p:cTn id="5" presetID="42" presetClass="entr" presetSubtype="0" fill="hold" grpId="0" nodeType="clickEffect">
+                                  <p:stCondLst>
+                                    <p:cond delay="0"/>
+                                  </p:stCondLst>
+                                  <p:childTnLst>
+                                    <p:set>
+                                      <p:cBhvr>
+                                        <p:cTn id="6" dur="1" fill="hold">
+                                          <p:stCondLst>
+                                            <p:cond delay="0"/>
+                                          </p:stCondLst>
+                                        </p:cTn>
+                                        <p:tgtEl>
+                                          <p:spTgt spid="3"/>
+                                        </p:tgtEl>
+                                        <p:attrNameLst>
+                                          <p:attrName>style.visibility</p:attrName>
+                                        </p:attrNameLst>
+                                      </p:cBhvr>
+                                      <p:to>
+                                        <p:strVal val="visible"/>
+                                      </p:to>
+                                    </p:set>
+                                    <p:animEffect transition="in" filter="fade">
+                                      <p:cBhvr>
+                                        <p:cTn id="7" dur="1000"/>
+                                        <p:tgtEl>
+                                          <p:spTgt spid="3"/>
+                                        </p:tgtEl>
+                                      </p:cBhvr>
+                                    </p:animEffect>
+                                    <p:anim calcmode="lin" valueType="num">
+                                      <p:cBhvr>
+                                        <p:cTn id="8" dur="1000" fill="hold"/>
+                                        <p:tgtEl>
+                                          <p:spTgt spid="3"/>
+                                        </p:tgtEl>
+                                        <p:attrNameLst>
+                                          <p:attrName>ppt_x</p:attrName>
+                                        </p:attrNameLst>
+                                      </p:cBhvr>
+                                      <p:tavLst>
+                                        <p:tav tm="0">
+                                          <p:val>
+                                            <p:strVal val="#ppt_x"/>
+                                          </p:val>
+                                        </p:tav>
+                                        <p:tav tm="100000">
+                                          <p:val>
+                                            <p:strVal val="#ppt_x"/>
+                                          </p:val>
+                                        </p:tav>
+                                      </p:tavLst>
+                                    </p:anim>
+                                    <p:anim calcmode="lin" valueType="num">
+                                      <p:cBhvr>
+                                        <p:cTn id="9" dur="1000" fill="hold"/>
+                                        <p:tgtEl>
+                                          <p:spTgt spid="3"/>
+                                        </p:tgtEl>
+                                        <p:attrNameLst>
+                                          <p:attrName>ppt_y</p:attrName>
+                                        </p:attrNameLst>
+                                      </p:cBhvr>
+                                      <p:tavLst>
+                                        <p:tav tm="0">
+                                          <p:val>
+                                            <p:strVal val="#ppt_y+.1"/>
+                                          </p:val>
+                                        </p:tav>
+                                        <p:tav tm="100000">
+                                          <p:val>
+                                            <p:strVal val="#ppt_y"/>
+                                          </p:val>
+                                        </p:tav>
+                                      </p:tavLst>
+                                    </p:anim>
+                                  </p:childTnLst>
+                                </p:cTn>
+                              </p:par>
+                            </p:childTnLst>
+                          </p:cTn>
+                        </p:par>
+                      </p:childTnLst>
+                    </p:cTn>
+                  </p:par>
+                  <p:par>
+                    <p:cTn id="10" fill="hold">
+                      <p:stCondLst>
+                        <p:cond delay="indefinite"/>
+                      </p:stCondLst>
+                      <p:childTnLst>
+                        <p:par>
+                          <p:cTn id="11" fill="hold">
+                            <p:stCondLst>
+                              <p:cond delay="0"/>
+                            </p:stCondLst>
+                            <p:childTnLst>
+                              <p:par>
+                                <p:cTn id="12" presetID="42" presetClass="entr" presetSubtype="0" fill="hold" nodeType="clickEffect">
+                                  <p:stCondLst>
+                                    <p:cond delay="0"/>
+                                  </p:stCondLst>
+                                  <p:childTnLst>
+                                    <p:set>
+                                      <p:cBhvr>
+                                        <p:cTn id="13" dur="1" fill="hold">
+                                          <p:stCondLst>
+                                            <p:cond delay="0"/>
+                                          </p:stCondLst>
+                                        </p:cTn>
+                                        <p:tgtEl>
+                                          <p:spTgt spid="9"/>
+                                        </p:tgtEl>
+                                        <p:attrNameLst>
+                                          <p:attrName>style.visibility</p:attrName>
+                                        </p:attrNameLst>
+                                      </p:cBhvr>
+                                      <p:to>
+                                        <p:strVal val="visible"/>
+                                      </p:to>
+                                    </p:set>
+                                    <p:animEffect transition="in" filter="fade">
+                                      <p:cBhvr>
+                                        <p:cTn id="14" dur="1000"/>
+                                        <p:tgtEl>
+                                          <p:spTgt spid="9"/>
+                                        </p:tgtEl>
+                                      </p:cBhvr>
+                                    </p:animEffect>
+                                    <p:anim calcmode="lin" valueType="num">
+                                      <p:cBhvr>
+                                        <p:cTn id="15" dur="1000" fill="hold"/>
+                                        <p:tgtEl>
+                                          <p:spTgt spid="9"/>
+                                        </p:tgtEl>
+                                        <p:attrNameLst>
+                                          <p:attrName>ppt_x</p:attrName>
+                                        </p:attrNameLst>
+                                      </p:cBhvr>
+                                      <p:tavLst>
+                                        <p:tav tm="0">
+                                          <p:val>
+                                            <p:strVal val="#ppt_x"/>
+                                          </p:val>
+                                        </p:tav>
+                                        <p:tav tm="100000">
+                                          <p:val>
+                                            <p:strVal val="#ppt_x"/>
+                                          </p:val>
+                                        </p:tav>
+                                      </p:tavLst>
+                                    </p:anim>
+                                    <p:anim calcmode="lin" valueType="num">
+                                      <p:cBhvr>
+                                        <p:cTn id="16" dur="1000" fill="hold"/>
+                                        <p:tgtEl>
+                                          <p:spTgt spid="9"/>
+                                        </p:tgtEl>
+                                        <p:attrNameLst>
+                                          <p:attrName>ppt_y</p:attrName>
+                                        </p:attrNameLst>
+                                      </p:cBhvr>
+                                      <p:tavLst>
+                                        <p:tav tm="0">
+                                          <p:val>
+                                            <p:strVal val="#ppt_y+.1"/>
+                                          </p:val>
+                                        </p:tav>
+                                        <p:tav tm="100000">
+                                          <p:val>
+                                            <p:strVal val="#ppt_y"/>
+                                          </p:val>
+                                        </p:tav>
+                                      </p:tavLst>
+                                    </p:anim>
+                                  </p:childTnLst>
+                                </p:cTn>
+                              </p:par>
+                            </p:childTnLst>
+                          </p:cTn>
+                        </p:par>
+                      </p:childTnLst>
+                    </p:cTn>
+                  </p:par>
+                  <p:par>
+                    <p:cTn id="17" fill="hold">
+                      <p:stCondLst>
+                        <p:cond delay="indefinite"/>
+                      </p:stCondLst>
+                      <p:childTnLst>
+                        <p:par>
+                          <p:cTn id="18" fill="hold">
+                            <p:stCondLst>
+                              <p:cond delay="0"/>
+                            </p:stCondLst>
+                            <p:childTnLst>
+                              <p:par>
+                                <p:cTn id="19" presetID="42" presetClass="entr" presetSubtype="0" fill="hold" grpId="0" nodeType="clickEffect">
+                                  <p:stCondLst>
+                                    <p:cond delay="0"/>
+                                  </p:stCondLst>
+                                  <p:childTnLst>
+                                    <p:set>
+                                      <p:cBhvr>
+                                        <p:cTn id="20" dur="1" fill="hold">
+                                          <p:stCondLst>
+                                            <p:cond delay="0"/>
+                                          </p:stCondLst>
+                                        </p:cTn>
+                                        <p:tgtEl>
+                                          <p:spTgt spid="7"/>
+                                        </p:tgtEl>
+                                        <p:attrNameLst>
+                                          <p:attrName>style.visibility</p:attrName>
+                                        </p:attrNameLst>
+                                      </p:cBhvr>
+                                      <p:to>
+                                        <p:strVal val="visible"/>
+                                      </p:to>
+                                    </p:set>
+                                    <p:animEffect transition="in" filter="fade">
+                                      <p:cBhvr>
+                                        <p:cTn id="21" dur="1000"/>
+                                        <p:tgtEl>
+                                          <p:spTgt spid="7"/>
+                                        </p:tgtEl>
+                                      </p:cBhvr>
+                                    </p:animEffect>
+                                    <p:anim calcmode="lin" valueType="num">
+                                      <p:cBhvr>
+                                        <p:cTn id="22" dur="1000" fill="hold"/>
+                                        <p:tgtEl>
+                                          <p:spTgt spid="7"/>
+                                        </p:tgtEl>
+                                        <p:attrNameLst>
+                                          <p:attrName>ppt_x</p:attrName>
+                                        </p:attrNameLst>
+                                      </p:cBhvr>
+                                      <p:tavLst>
+                                        <p:tav tm="0">
+                                          <p:val>
+                                            <p:strVal val="#ppt_x"/>
+                                          </p:val>
+                                        </p:tav>
+                                        <p:tav tm="100000">
+                                          <p:val>
+                                            <p:strVal val="#ppt_x"/>
+                                          </p:val>
+                                        </p:tav>
+                                      </p:tavLst>
+                                    </p:anim>
+                                    <p:anim calcmode="lin" valueType="num">
+                                      <p:cBhvr>
+                                        <p:cTn id="23" dur="1000" fill="hold"/>
+                                        <p:tgtEl>
+                                          <p:spTgt spid="7"/>
+                                        </p:tgtEl>
+                                        <p:attrNameLst>
+                                          <p:attrName>ppt_y</p:attrName>
+                                        </p:attrNameLst>
+                                      </p:cBhvr>
+                                      <p:tavLst>
+                                        <p:tav tm="0">
+                                          <p:val>
+                                            <p:strVal val="#ppt_y+.1"/>
+                                          </p:val>
+                                        </p:tav>
+                                        <p:tav tm="100000">
+                                          <p:val>
+                                            <p:strVal val="#ppt_y"/>
+                                          </p:val>
+                                        </p:tav>
+                                      </p:tavLst>
+                                    </p:anim>
+                                  </p:childTnLst>
+                                </p:cTn>
+                              </p:par>
+                            </p:childTnLst>
+                          </p:cTn>
+                        </p:par>
+                      </p:childTnLst>
+                    </p:cTn>
+                  </p:par>
+                  <p:par>
+                    <p:cTn id="24" fill="hold">
+                      <p:stCondLst>
+                        <p:cond delay="indefinite"/>
+                      </p:stCondLst>
+                      <p:childTnLst>
+                        <p:par>
+                          <p:cTn id="25" fill="hold">
+                            <p:stCondLst>
+                              <p:cond delay="0"/>
+                            </p:stCondLst>
+                            <p:childTnLst>
+                              <p:par>
+                                <p:cTn id="26" presetID="2" presetClass="entr" presetSubtype="4" fill="hold" grpId="0" nodeType="clickEffect">
+                                  <p:stCondLst>
+                                    <p:cond delay="0"/>
+                                  </p:stCondLst>
+                                  <p:childTnLst>
+                                    <p:set>
+                                      <p:cBhvr>
+                                        <p:cTn id="27" dur="1" fill="hold">
+                                          <p:stCondLst>
+                                            <p:cond delay="0"/>
+                                          </p:stCondLst>
+                                        </p:cTn>
+                                        <p:tgtEl>
+                                          <p:spTgt spid="11"/>
+                                        </p:tgtEl>
+                                        <p:attrNameLst>
+                                          <p:attrName>style.visibility</p:attrName>
+                                        </p:attrNameLst>
+                                      </p:cBhvr>
+                                      <p:to>
+                                        <p:strVal val="visible"/>
+                                      </p:to>
+                                    </p:set>
+                                    <p:anim calcmode="lin" valueType="num">
+                                      <p:cBhvr additive="base">
+                                        <p:cTn id="28" dur="500" fill="hold"/>
+                                        <p:tgtEl>
+                                          <p:spTgt spid="11"/>
+                                        </p:tgtEl>
+                                        <p:attrNameLst>
+                                          <p:attrName>ppt_x</p:attrName>
+                                        </p:attrNameLst>
+                                      </p:cBhvr>
+                                      <p:tavLst>
+                                        <p:tav tm="0">
+                                          <p:val>
+                                            <p:strVal val="#ppt_x"/>
+                                          </p:val>
+                                        </p:tav>
+                                        <p:tav tm="100000">
+                                          <p:val>
+                                            <p:strVal val="#ppt_x"/>
+                                          </p:val>
+                                        </p:tav>
+                                      </p:tavLst>
+                                    </p:anim>
+                                    <p:anim calcmode="lin" valueType="num">
+                                      <p:cBhvr additive="base">
+                                        <p:cTn id="29" dur="500" fill="hold"/>
+                                        <p:tgtEl>
+                                          <p:spTgt spid="11"/>
+                                        </p:tgtEl>
+                                        <p:attrNameLst>
+                                          <p:attrName>ppt_y</p:attrName>
+                                        </p:attrNameLst>
+                                      </p:cBhvr>
+                                      <p:tavLst>
+                                        <p:tav tm="0">
+                                          <p:val>
+                                            <p:strVal val="1+#ppt_h/2"/>
+                                          </p:val>
+                                        </p:tav>
+                                        <p:tav tm="100000">
+                                          <p:val>
+                                            <p:strVal val="#ppt_y"/>
+                                          </p:val>
+                                        </p:tav>
+                                      </p:tavLst>
+                                    </p:anim>
+                                  </p:childTnLst>
+                                </p:cTn>
+                              </p:par>
+                            </p:childTnLst>
+                          </p:cTn>
+                        </p:par>
+                      </p:childTnLst>
+                    </p:cTn>
+                  </p:par>
+                  <p:par>
+                    <p:cTn id="30" fill="hold">
+                      <p:stCondLst>
+                        <p:cond delay="indefinite"/>
+                      </p:stCondLst>
+                      <p:childTnLst>
+                        <p:par>
+                          <p:cTn id="31" fill="hold">
+                            <p:stCondLst>
+                              <p:cond delay="0"/>
+                            </p:stCondLst>
+                            <p:childTnLst>
+                              <p:par>
+                                <p:cTn id="32" presetID="2" presetClass="entr" presetSubtype="4" fill="hold" nodeType="clickEffect">
+                                  <p:stCondLst>
+                                    <p:cond delay="0"/>
+                                  </p:stCondLst>
+                                  <p:childTnLst>
+                                    <p:set>
+                                      <p:cBhvr>
+                                        <p:cTn id="33" dur="1" fill="hold">
+                                          <p:stCondLst>
+                                            <p:cond delay="0"/>
+                                          </p:stCondLst>
+                                        </p:cTn>
+                                        <p:tgtEl>
+                                          <p:spTgt spid="13"/>
+                                        </p:tgtEl>
+                                        <p:attrNameLst>
+                                          <p:attrName>style.visibility</p:attrName>
+                                        </p:attrNameLst>
+                                      </p:cBhvr>
+                                      <p:to>
+                                        <p:strVal val="visible"/>
+                                      </p:to>
+                                    </p:set>
+                                    <p:anim calcmode="lin" valueType="num">
+                                      <p:cBhvr additive="base">
+                                        <p:cTn id="34" dur="500" fill="hold"/>
+                                        <p:tgtEl>
+                                          <p:spTgt spid="13"/>
+                                        </p:tgtEl>
+                                        <p:attrNameLst>
+                                          <p:attrName>ppt_x</p:attrName>
+                                        </p:attrNameLst>
+                                      </p:cBhvr>
+                                      <p:tavLst>
+                                        <p:tav tm="0">
+                                          <p:val>
+                                            <p:strVal val="#ppt_x"/>
+                                          </p:val>
+                                        </p:tav>
+                                        <p:tav tm="100000">
+                                          <p:val>
+                                            <p:strVal val="#ppt_x"/>
+                                          </p:val>
+                                        </p:tav>
+                                      </p:tavLst>
+                                    </p:anim>
+                                    <p:anim calcmode="lin" valueType="num">
+                                      <p:cBhvr additive="base">
+                                        <p:cTn id="35" dur="500" fill="hold"/>
+                                        <p:tgtEl>
+                                          <p:spTgt spid="13"/>
+                                        </p:tgtEl>
+                                        <p:attrNameLst>
+                                          <p:attrName>ppt_y</p:attrName>
+                                        </p:attrNameLst>
+                                      </p:cBhvr>
+                                      <p:tavLst>
+                                        <p:tav tm="0">
+                                          <p:val>
+                                            <p:strVal val="1+#ppt_h/2"/>
+                                          </p:val>
+                                        </p:tav>
+                                        <p:tav tm="100000">
+                                          <p:val>
+                                            <p:strVal val="#ppt_y"/>
+                                          </p:val>
+                                        </p:tav>
+                                      </p:tavLst>
+                                    </p:anim>
+                                  </p:childTnLst>
+                                </p:cTn>
+                              </p:par>
+                            </p:childTnLst>
+                          </p:cTn>
+                        </p:par>
+                      </p:childTnLst>
+                    </p:cTn>
+                  </p:par>
+                  <p:par>
+                    <p:cTn id="36" fill="hold">
+                      <p:stCondLst>
+                        <p:cond delay="indefinite"/>
+                      </p:stCondLst>
+                      <p:childTnLst>
+                        <p:par>
+                          <p:cTn id="37" fill="hold">
+                            <p:stCondLst>
+                              <p:cond delay="0"/>
+                            </p:stCondLst>
+                            <p:childTnLst>
+                              <p:par>
+                                <p:cTn id="38" presetID="2" presetClass="entr" presetSubtype="4" fill="hold" grpId="0" nodeType="clickEffect">
+                                  <p:stCondLst>
+                                    <p:cond delay="0"/>
+                                  </p:stCondLst>
+                                  <p:childTnLst>
+                                    <p:set>
+                                      <p:cBhvr>
+                                        <p:cTn id="39" dur="1" fill="hold">
+                                          <p:stCondLst>
+                                            <p:cond delay="0"/>
+                                          </p:stCondLst>
+                                        </p:cTn>
+                                        <p:tgtEl>
+                                          <p:spTgt spid="15"/>
+                                        </p:tgtEl>
+                                        <p:attrNameLst>
+                                          <p:attrName>style.visibility</p:attrName>
+                                        </p:attrNameLst>
+                                      </p:cBhvr>
+                                      <p:to>
+                                        <p:strVal val="visible"/>
+                                      </p:to>
+                                    </p:set>
+                                    <p:anim calcmode="lin" valueType="num">
+                                      <p:cBhvr additive="base">
+                                        <p:cTn id="40" dur="500" fill="hold"/>
+                                        <p:tgtEl>
+                                          <p:spTgt spid="15"/>
+                                        </p:tgtEl>
+                                        <p:attrNameLst>
+                                          <p:attrName>ppt_x</p:attrName>
+                                        </p:attrNameLst>
+                                      </p:cBhvr>
+                                      <p:tavLst>
+                                        <p:tav tm="0">
+                                          <p:val>
+                                            <p:strVal val="#ppt_x"/>
+                                          </p:val>
+                                        </p:tav>
+                                        <p:tav tm="100000">
+                                          <p:val>
+                                            <p:strVal val="#ppt_x"/>
+                                          </p:val>
+                                        </p:tav>
+                                      </p:tavLst>
+                                    </p:anim>
+                                    <p:anim calcmode="lin" valueType="num">
+                                      <p:cBhvr additive="base">
+                                        <p:cTn id="41" dur="500" fill="hold"/>
+                                        <p:tgtEl>
+                                          <p:spTgt spid="15"/>
+                                        </p:tgtEl>
+                                        <p:attrNameLst>
+                                          <p:attrName>ppt_y</p:attrName>
+                                        </p:attrNameLst>
+                                      </p:cBhvr>
+                                      <p:tavLst>
+                                        <p:tav tm="0">
+                                          <p:val>
+                                            <p:strVal val="1+#ppt_h/2"/>
+                                          </p:val>
+                                        </p:tav>
+                                        <p:tav tm="100000">
+                                          <p:val>
+                                            <p:strVal val="#ppt_y"/>
+                                          </p:val>
+                                        </p:tav>
+                                      </p:tavLst>
+                                    </p:anim>
+                                  </p:childTnLst>
+                                </p:cTn>
+                              </p:par>
+                            </p:childTnLst>
+                          </p:cTn>
+                        </p:par>
+                      </p:childTnLst>
+                    </p:cTn>
+                  </p:par>
+                </p:childTnLst>
+              </p:cTn>
+              <p:prevCondLst>
+                <p:cond evt="onPrev" delay="0">
+                  <p:tgtEl>
+                    <p:sldTgt/>
+                  </p:tgtEl>
+                </p:cond>
+              </p:prevCondLst>
+              <p:nextCondLst>
+                <p:cond evt="onNext" delay="0">
+                  <p:tgtEl>
+                    <p:sldTgt/>
+                  </p:tgtEl>
+                </p:cond>
+              </p:nextCondLst>
+            </p:seq>
+          </p:childTnLst>
+        </p:cTn>
+      </p:par>
+    </p:tnLst>
+    <p:bldLst>
+      <p:bldP spid="3" grpId="0"/>
+      <p:bldP spid="7" grpId="0"/>
+      <p:bldP spid="11" grpId="0"/>
+      <p:bldP spid="15" grpId="0"/>
+    </p:bldLst>
+  </p:timing>
+</p:sld>
+</file>
+
+<file path=ppt/slides/slide23.xml><?xml version="1.0" encoding="utf-8"?>
+<p:sld xmlns:a="http://schemas.openxmlformats.org/drawingml/2006/main" xmlns:r="http://schemas.openxmlformats.org/officeDocument/2006/relationships" xmlns:p="http://schemas.openxmlformats.org/presentationml/2006/main">
+  <p:cSld>
+    <p:spTree>
+      <p:nvGrpSpPr>
+        <p:cNvPr id="1" name=""/>
+        <p:cNvGrpSpPr/>
+        <p:nvPr/>
+      </p:nvGrpSpPr>
+      <p:grpSpPr>
+        <a:xfrm>
+          <a:off x="0" y="0"/>
+          <a:ext cx="0" cy="0"/>
+          <a:chOff x="0" y="0"/>
+          <a:chExt cx="0" cy="0"/>
+        </a:xfrm>
+      </p:grpSpPr>
+      <p:sp>
+        <p:nvSpPr>
+          <p:cNvPr id="4" name="Title 3">
+            <a:extLst>
+              <a:ext uri="{FF2B5EF4-FFF2-40B4-BE49-F238E27FC236}">
+                <a16:creationId xmlns:a16="http://schemas.microsoft.com/office/drawing/2014/main" id="{7B4BE4ED-724A-C536-DE5E-D7A1C6EDEAEA}"/>
+              </a:ext>
+            </a:extLst>
+          </p:cNvPr>
+          <p:cNvSpPr>
+            <a:spLocks noGrp="1"/>
+          </p:cNvSpPr>
+          <p:nvPr>
+            <p:ph type="title"/>
+          </p:nvPr>
+        </p:nvSpPr>
+        <p:spPr/>
+        <p:txBody>
+          <a:bodyPr/>
+          <a:lstStyle/>
+          <a:p>
+            <a:r>
+              <a:rPr lang="en-US" dirty="0"/>
+              <a:t>Resources and Tools used :-</a:t>
+            </a:r>
+          </a:p>
+        </p:txBody>
+      </p:sp>
+      <p:sp>
+        <p:nvSpPr>
+          <p:cNvPr id="2" name="Footer Placeholder 1">
+            <a:extLst>
+              <a:ext uri="{FF2B5EF4-FFF2-40B4-BE49-F238E27FC236}">
+                <a16:creationId xmlns:a16="http://schemas.microsoft.com/office/drawing/2014/main" id="{C88D5D4A-AF75-BDC7-6AEA-A27C1E8CA3BE}"/>
+              </a:ext>
+            </a:extLst>
+          </p:cNvPr>
+          <p:cNvSpPr>
+            <a:spLocks noGrp="1"/>
+          </p:cNvSpPr>
+          <p:nvPr>
+            <p:ph type="ftr" sz="quarter" idx="11"/>
+          </p:nvPr>
+        </p:nvSpPr>
+        <p:spPr/>
+        <p:txBody>
+          <a:bodyPr/>
+          <a:lstStyle/>
+          <a:p>
+            <a:r>
+              <a:rPr lang="en-US"/>
+              <a:t>Pg.No.</a:t>
+            </a:r>
+          </a:p>
+        </p:txBody>
+      </p:sp>
+      <p:sp>
+        <p:nvSpPr>
+          <p:cNvPr id="3" name="Slide Number Placeholder 2">
+            <a:extLst>
+              <a:ext uri="{FF2B5EF4-FFF2-40B4-BE49-F238E27FC236}">
+                <a16:creationId xmlns:a16="http://schemas.microsoft.com/office/drawing/2014/main" id="{CE61F474-2778-4D4C-4703-6F4762F63CFD}"/>
+              </a:ext>
+            </a:extLst>
+          </p:cNvPr>
+          <p:cNvSpPr>
+            <a:spLocks noGrp="1"/>
+          </p:cNvSpPr>
+          <p:nvPr>
+            <p:ph type="sldNum" sz="quarter" idx="12"/>
+          </p:nvPr>
+        </p:nvSpPr>
+        <p:spPr/>
+        <p:txBody>
+          <a:bodyPr/>
+          <a:lstStyle/>
+          <a:p>
+            <a:fld id="{5AECCE9C-A74C-48F0-A7FA-3F28FA7CDF62}" type="slidenum">
+              <a:rPr lang="en-US" smtClean="0"/>
+              <a:t>23</a:t>
             </a:fld>
             <a:endParaRPr lang="en-US"/>
           </a:p>
@@ -13692,13 +15928,7 @@
               <a:rPr lang="en-US" dirty="0">
                 <a:hlinkClick r:id="rId3"/>
               </a:rPr>
-              <a:t> </a:t>
-            </a:r>
-            <a:r>
-              <a:rPr lang="en-US" dirty="0">
-                <a:hlinkClick r:id="rId3"/>
-              </a:rPr>
-              <a:t>https://github.com/NikhilGit3432</a:t>
+              <a:t> https://github.com/NikhilGit3432</a:t>
             </a:r>
             <a:endParaRPr lang="en-US" dirty="0"/>
           </a:p>
@@ -14193,6 +16423,185 @@
       </p:grpSpPr>
       <p:sp>
         <p:nvSpPr>
+          <p:cNvPr id="6" name="Title 5">
+            <a:extLst>
+              <a:ext uri="{FF2B5EF4-FFF2-40B4-BE49-F238E27FC236}">
+                <a16:creationId xmlns:a16="http://schemas.microsoft.com/office/drawing/2014/main" id="{9C7C552F-56F7-8B79-E4E0-BF22DB4CB770}"/>
+              </a:ext>
+            </a:extLst>
+          </p:cNvPr>
+          <p:cNvSpPr>
+            <a:spLocks noGrp="1"/>
+          </p:cNvSpPr>
+          <p:nvPr>
+            <p:ph type="title"/>
+          </p:nvPr>
+        </p:nvSpPr>
+        <p:spPr>
+          <a:xfrm>
+            <a:off x="838200" y="365126"/>
+            <a:ext cx="10629274" cy="760608"/>
+          </a:xfrm>
+        </p:spPr>
+        <p:txBody>
+          <a:bodyPr/>
+          <a:lstStyle/>
+          <a:p>
+            <a:pPr algn="ctr"/>
+            <a:r>
+              <a:rPr lang="en-US" sz="3200" b="1" dirty="0">
+                <a:solidFill>
+                  <a:schemeClr val="accent1">
+                    <a:lumMod val="75000"/>
+                  </a:schemeClr>
+                </a:solidFill>
+                <a:latin typeface="Arial Black" panose="020B0A04020102020204" pitchFamily="34" charset="0"/>
+              </a:rPr>
+              <a:t>Products</a:t>
+            </a:r>
+            <a:r>
+              <a:rPr lang="en-US" dirty="0"/>
+              <a:t> </a:t>
+            </a:r>
+            <a:r>
+              <a:rPr lang="en-US" sz="3200" b="1" dirty="0">
+                <a:solidFill>
+                  <a:schemeClr val="accent1">
+                    <a:lumMod val="75000"/>
+                  </a:schemeClr>
+                </a:solidFill>
+                <a:latin typeface="Arial Black" panose="020B0A04020102020204" pitchFamily="34" charset="0"/>
+              </a:rPr>
+              <a:t>Section Page</a:t>
+            </a:r>
+          </a:p>
+        </p:txBody>
+      </p:sp>
+      <p:sp>
+        <p:nvSpPr>
+          <p:cNvPr id="2" name="Footer Placeholder 1">
+            <a:extLst>
+              <a:ext uri="{FF2B5EF4-FFF2-40B4-BE49-F238E27FC236}">
+                <a16:creationId xmlns:a16="http://schemas.microsoft.com/office/drawing/2014/main" id="{DB2938DB-376E-C5DC-0A8C-5CDC51B592CD}"/>
+              </a:ext>
+            </a:extLst>
+          </p:cNvPr>
+          <p:cNvSpPr>
+            <a:spLocks noGrp="1"/>
+          </p:cNvSpPr>
+          <p:nvPr>
+            <p:ph type="ftr" sz="quarter" idx="11"/>
+          </p:nvPr>
+        </p:nvSpPr>
+        <p:spPr/>
+        <p:txBody>
+          <a:bodyPr/>
+          <a:lstStyle/>
+          <a:p>
+            <a:r>
+              <a:rPr lang="en-US"/>
+              <a:t>Pg.No.</a:t>
+            </a:r>
+          </a:p>
+        </p:txBody>
+      </p:sp>
+      <p:sp>
+        <p:nvSpPr>
+          <p:cNvPr id="3" name="Slide Number Placeholder 2">
+            <a:extLst>
+              <a:ext uri="{FF2B5EF4-FFF2-40B4-BE49-F238E27FC236}">
+                <a16:creationId xmlns:a16="http://schemas.microsoft.com/office/drawing/2014/main" id="{69BBD39C-BA08-CD53-D3B6-4BD1407E6722}"/>
+              </a:ext>
+            </a:extLst>
+          </p:cNvPr>
+          <p:cNvSpPr>
+            <a:spLocks noGrp="1"/>
+          </p:cNvSpPr>
+          <p:nvPr>
+            <p:ph type="sldNum" sz="quarter" idx="12"/>
+          </p:nvPr>
+        </p:nvSpPr>
+        <p:spPr/>
+        <p:txBody>
+          <a:bodyPr/>
+          <a:lstStyle/>
+          <a:p>
+            <a:fld id="{5AECCE9C-A74C-48F0-A7FA-3F28FA7CDF62}" type="slidenum">
+              <a:rPr lang="en-US" smtClean="0"/>
+              <a:t>5</a:t>
+            </a:fld>
+            <a:endParaRPr lang="en-US"/>
+          </a:p>
+        </p:txBody>
+      </p:sp>
+      <p:pic>
+        <p:nvPicPr>
+          <p:cNvPr id="5" name="Picture 4">
+            <a:extLst>
+              <a:ext uri="{FF2B5EF4-FFF2-40B4-BE49-F238E27FC236}">
+                <a16:creationId xmlns:a16="http://schemas.microsoft.com/office/drawing/2014/main" id="{B6465502-39BA-1AC0-CFA5-E708AF8BEF42}"/>
+              </a:ext>
+            </a:extLst>
+          </p:cNvPr>
+          <p:cNvPicPr>
+            <a:picLocks noChangeAspect="1"/>
+          </p:cNvPicPr>
+          <p:nvPr/>
+        </p:nvPicPr>
+        <p:blipFill>
+          <a:blip r:embed="rId2">
+            <a:extLst>
+              <a:ext uri="{28A0092B-C50C-407E-A947-70E740481C1C}">
+                <a14:useLocalDpi xmlns:a14="http://schemas.microsoft.com/office/drawing/2010/main" val="0"/>
+              </a:ext>
+            </a:extLst>
+          </a:blip>
+          <a:stretch>
+            <a:fillRect/>
+          </a:stretch>
+        </p:blipFill>
+        <p:spPr>
+          <a:xfrm>
+            <a:off x="1098234" y="1125734"/>
+            <a:ext cx="9995531" cy="5595742"/>
+          </a:xfrm>
+          <a:prstGeom prst="rect">
+            <a:avLst/>
+          </a:prstGeom>
+        </p:spPr>
+      </p:pic>
+    </p:spTree>
+    <p:extLst>
+      <p:ext uri="{BB962C8B-B14F-4D97-AF65-F5344CB8AC3E}">
+        <p14:creationId xmlns:p14="http://schemas.microsoft.com/office/powerpoint/2010/main" val="3548630528"/>
+      </p:ext>
+    </p:extLst>
+  </p:cSld>
+  <p:clrMapOvr>
+    <a:masterClrMapping/>
+  </p:clrMapOvr>
+</p:sld>
+</file>
+
+<file path=ppt/slides/slide6.xml><?xml version="1.0" encoding="utf-8"?>
+<p:sld xmlns:a="http://schemas.openxmlformats.org/drawingml/2006/main" xmlns:r="http://schemas.openxmlformats.org/officeDocument/2006/relationships" xmlns:p="http://schemas.openxmlformats.org/presentationml/2006/main">
+  <p:cSld>
+    <p:spTree>
+      <p:nvGrpSpPr>
+        <p:cNvPr id="1" name=""/>
+        <p:cNvGrpSpPr/>
+        <p:nvPr/>
+      </p:nvGrpSpPr>
+      <p:grpSpPr>
+        <a:xfrm>
+          <a:off x="0" y="0"/>
+          <a:ext cx="0" cy="0"/>
+          <a:chOff x="0" y="0"/>
+          <a:chExt cx="0" cy="0"/>
+        </a:xfrm>
+      </p:grpSpPr>
+      <p:sp>
+        <p:nvSpPr>
           <p:cNvPr id="2" name="Title 1">
             <a:extLst>
               <a:ext uri="{FF2B5EF4-FFF2-40B4-BE49-F238E27FC236}">
@@ -14422,7 +16831,7 @@
           <a:p>
             <a:fld id="{5AECCE9C-A74C-48F0-A7FA-3F28FA7CDF62}" type="slidenum">
               <a:rPr lang="en-US" smtClean="0"/>
-              <a:t>5</a:t>
+              <a:t>6</a:t>
             </a:fld>
             <a:endParaRPr lang="en-US"/>
           </a:p>
@@ -14470,7 +16879,7 @@
 </p:sld>
 </file>
 
-<file path=ppt/slides/slide6.xml><?xml version="1.0" encoding="utf-8"?>
+<file path=ppt/slides/slide7.xml><?xml version="1.0" encoding="utf-8"?>
 <p:sld xmlns:a="http://schemas.openxmlformats.org/drawingml/2006/main" xmlns:r="http://schemas.openxmlformats.org/officeDocument/2006/relationships" xmlns:p="http://schemas.openxmlformats.org/presentationml/2006/main">
   <p:cSld>
     <p:spTree>
@@ -15130,7 +17539,7 @@
           <a:p>
             <a:fld id="{5AECCE9C-A74C-48F0-A7FA-3F28FA7CDF62}" type="slidenum">
               <a:rPr lang="en-US" smtClean="0"/>
-              <a:t>6</a:t>
+              <a:t>7</a:t>
             </a:fld>
             <a:endParaRPr lang="en-US"/>
           </a:p>
@@ -15816,7 +18225,7 @@
 </p:sld>
 </file>
 
-<file path=ppt/slides/slide7.xml><?xml version="1.0" encoding="utf-8"?>
+<file path=ppt/slides/slide8.xml><?xml version="1.0" encoding="utf-8"?>
 <p:sld xmlns:a="http://schemas.openxmlformats.org/drawingml/2006/main" xmlns:r="http://schemas.openxmlformats.org/officeDocument/2006/relationships" xmlns:p="http://schemas.openxmlformats.org/presentationml/2006/main">
   <p:cSld>
     <p:spTree>
@@ -16478,7 +18887,7 @@
           <a:p>
             <a:fld id="{5AECCE9C-A74C-48F0-A7FA-3F28FA7CDF62}" type="slidenum">
               <a:rPr lang="en-US" smtClean="0"/>
-              <a:t>7</a:t>
+              <a:t>8</a:t>
             </a:fld>
             <a:endParaRPr lang="en-US"/>
           </a:p>
@@ -17190,7 +19599,7 @@
 </p:sld>
 </file>
 
-<file path=ppt/slides/slide8.xml><?xml version="1.0" encoding="utf-8"?>
+<file path=ppt/slides/slide9.xml><?xml version="1.0" encoding="utf-8"?>
 <p:sld xmlns:a="http://schemas.openxmlformats.org/drawingml/2006/main" xmlns:r="http://schemas.openxmlformats.org/officeDocument/2006/relationships" xmlns:p="http://schemas.openxmlformats.org/presentationml/2006/main">
   <p:cSld>
     <p:spTree>
@@ -17712,7 +20121,7 @@
           <a:p>
             <a:fld id="{5AECCE9C-A74C-48F0-A7FA-3F28FA7CDF62}" type="slidenum">
               <a:rPr lang="en-US" smtClean="0"/>
-              <a:t>8</a:t>
+              <a:t>9</a:t>
             </a:fld>
             <a:endParaRPr lang="en-US"/>
           </a:p>
@@ -18298,1881 +20707,6 @@
       <p:bldP spid="8" grpId="0"/>
       <p:bldP spid="10" grpId="0"/>
       <p:bldP spid="12" grpId="0"/>
-    </p:bldLst>
-  </p:timing>
-</p:sld>
-</file>
-
-<file path=ppt/slides/slide9.xml><?xml version="1.0" encoding="utf-8"?>
-<p:sld xmlns:a="http://schemas.openxmlformats.org/drawingml/2006/main" xmlns:r="http://schemas.openxmlformats.org/officeDocument/2006/relationships" xmlns:p="http://schemas.openxmlformats.org/presentationml/2006/main">
-  <p:cSld>
-    <p:spTree>
-      <p:nvGrpSpPr>
-        <p:cNvPr id="1" name=""/>
-        <p:cNvGrpSpPr/>
-        <p:nvPr/>
-      </p:nvGrpSpPr>
-      <p:grpSpPr>
-        <a:xfrm>
-          <a:off x="0" y="0"/>
-          <a:ext cx="0" cy="0"/>
-          <a:chOff x="0" y="0"/>
-          <a:chExt cx="0" cy="0"/>
-        </a:xfrm>
-      </p:grpSpPr>
-      <p:sp>
-        <p:nvSpPr>
-          <p:cNvPr id="3" name="TextBox 2">
-            <a:extLst>
-              <a:ext uri="{FF2B5EF4-FFF2-40B4-BE49-F238E27FC236}">
-                <a16:creationId xmlns:a16="http://schemas.microsoft.com/office/drawing/2014/main" id="{501ADBA1-FE43-3377-F53B-1548A1BD4608}"/>
-              </a:ext>
-            </a:extLst>
-          </p:cNvPr>
-          <p:cNvSpPr txBox="1"/>
-          <p:nvPr/>
-        </p:nvSpPr>
-        <p:spPr>
-          <a:xfrm>
-            <a:off x="303551" y="152612"/>
-            <a:ext cx="6093500" cy="369332"/>
-          </a:xfrm>
-          <a:prstGeom prst="rect">
-            <a:avLst/>
-          </a:prstGeom>
-          <a:noFill/>
-        </p:spPr>
-        <p:txBody>
-          <a:bodyPr wrap="square">
-            <a:spAutoFit/>
-          </a:bodyPr>
-          <a:lstStyle/>
-          <a:p>
-            <a:r>
-              <a:rPr lang="en-US" b="1" i="0" dirty="0">
-                <a:solidFill>
-                  <a:srgbClr val="252423"/>
-                </a:solidFill>
-                <a:effectLst/>
-                <a:latin typeface="Segoe UI" panose="020B0502040204020203" pitchFamily="34" charset="0"/>
-              </a:rPr>
-              <a:t>Q5. What month had largest COGS ?</a:t>
-            </a:r>
-            <a:endParaRPr lang="en-US" b="1" dirty="0"/>
-          </a:p>
-        </p:txBody>
-      </p:sp>
-      <p:pic>
-        <p:nvPicPr>
-          <p:cNvPr id="5" name="Picture 4">
-            <a:extLst>
-              <a:ext uri="{FF2B5EF4-FFF2-40B4-BE49-F238E27FC236}">
-                <a16:creationId xmlns:a16="http://schemas.microsoft.com/office/drawing/2014/main" id="{5D1C207A-29B7-791C-2011-281993C7257D}"/>
-              </a:ext>
-            </a:extLst>
-          </p:cNvPr>
-          <p:cNvPicPr>
-            <a:picLocks noChangeAspect="1"/>
-          </p:cNvPicPr>
-          <p:nvPr/>
-        </p:nvPicPr>
-        <p:blipFill>
-          <a:blip r:embed="rId2">
-            <a:extLst>
-              <a:ext uri="{28A0092B-C50C-407E-A947-70E740481C1C}">
-                <a14:useLocalDpi xmlns:a14="http://schemas.microsoft.com/office/drawing/2010/main" val="0"/>
-              </a:ext>
-            </a:extLst>
-          </a:blip>
-          <a:stretch>
-            <a:fillRect/>
-          </a:stretch>
-        </p:blipFill>
-        <p:spPr>
-          <a:xfrm>
-            <a:off x="7609427" y="201478"/>
-            <a:ext cx="4524263" cy="2040033"/>
-          </a:xfrm>
-          <a:prstGeom prst="rect">
-            <a:avLst/>
-          </a:prstGeom>
-        </p:spPr>
-      </p:pic>
-      <p:sp>
-        <p:nvSpPr>
-          <p:cNvPr id="7" name="TextBox 6">
-            <a:extLst>
-              <a:ext uri="{FF2B5EF4-FFF2-40B4-BE49-F238E27FC236}">
-                <a16:creationId xmlns:a16="http://schemas.microsoft.com/office/drawing/2014/main" id="{E3BE5A3F-5DFD-5DE1-6522-5A961ACCBE59}"/>
-              </a:ext>
-            </a:extLst>
-          </p:cNvPr>
-          <p:cNvSpPr txBox="1"/>
-          <p:nvPr/>
-        </p:nvSpPr>
-        <p:spPr>
-          <a:xfrm>
-            <a:off x="8199620" y="337278"/>
-            <a:ext cx="1873770" cy="369332"/>
-          </a:xfrm>
-          <a:prstGeom prst="rect">
-            <a:avLst/>
-          </a:prstGeom>
-          <a:noFill/>
-        </p:spPr>
-        <p:txBody>
-          <a:bodyPr wrap="square" rtlCol="0">
-            <a:spAutoFit/>
-          </a:bodyPr>
-          <a:lstStyle/>
-          <a:p>
-            <a:r>
-              <a:rPr lang="en-US" b="1" dirty="0">
-                <a:solidFill>
-                  <a:schemeClr val="bg1"/>
-                </a:solidFill>
-              </a:rPr>
-              <a:t>January</a:t>
-            </a:r>
-          </a:p>
-        </p:txBody>
-      </p:sp>
-      <p:sp>
-        <p:nvSpPr>
-          <p:cNvPr id="8" name="TextBox 7">
-            <a:extLst>
-              <a:ext uri="{FF2B5EF4-FFF2-40B4-BE49-F238E27FC236}">
-                <a16:creationId xmlns:a16="http://schemas.microsoft.com/office/drawing/2014/main" id="{39FBE39C-46E1-7FDC-EE5B-AB9F59996FFB}"/>
-              </a:ext>
-            </a:extLst>
-          </p:cNvPr>
-          <p:cNvSpPr txBox="1"/>
-          <p:nvPr/>
-        </p:nvSpPr>
-        <p:spPr>
-          <a:xfrm>
-            <a:off x="8199620" y="1054818"/>
-            <a:ext cx="798552" cy="369332"/>
-          </a:xfrm>
-          <a:prstGeom prst="rect">
-            <a:avLst/>
-          </a:prstGeom>
-          <a:noFill/>
-        </p:spPr>
-        <p:txBody>
-          <a:bodyPr wrap="none" rtlCol="0">
-            <a:spAutoFit/>
-          </a:bodyPr>
-          <a:lstStyle/>
-          <a:p>
-            <a:r>
-              <a:rPr lang="en-US" b="1" dirty="0">
-                <a:solidFill>
-                  <a:schemeClr val="bg1"/>
-                </a:solidFill>
-              </a:rPr>
-              <a:t>March</a:t>
-            </a:r>
-          </a:p>
-        </p:txBody>
-      </p:sp>
-      <p:sp>
-        <p:nvSpPr>
-          <p:cNvPr id="9" name="TextBox 8">
-            <a:extLst>
-              <a:ext uri="{FF2B5EF4-FFF2-40B4-BE49-F238E27FC236}">
-                <a16:creationId xmlns:a16="http://schemas.microsoft.com/office/drawing/2014/main" id="{41E67C1B-4E0D-5B2B-C234-EE11B57256DD}"/>
-              </a:ext>
-            </a:extLst>
-          </p:cNvPr>
-          <p:cNvSpPr txBox="1"/>
-          <p:nvPr/>
-        </p:nvSpPr>
-        <p:spPr>
-          <a:xfrm>
-            <a:off x="7966030" y="1646972"/>
-            <a:ext cx="1036694" cy="369332"/>
-          </a:xfrm>
-          <a:prstGeom prst="rect">
-            <a:avLst/>
-          </a:prstGeom>
-          <a:noFill/>
-        </p:spPr>
-        <p:txBody>
-          <a:bodyPr wrap="none" rtlCol="0">
-            <a:spAutoFit/>
-          </a:bodyPr>
-          <a:lstStyle/>
-          <a:p>
-            <a:r>
-              <a:rPr lang="en-US" b="1" dirty="0">
-                <a:solidFill>
-                  <a:schemeClr val="bg1"/>
-                </a:solidFill>
-              </a:rPr>
-              <a:t>February</a:t>
-            </a:r>
-          </a:p>
-        </p:txBody>
-      </p:sp>
-      <p:graphicFrame>
-        <p:nvGraphicFramePr>
-          <p:cNvPr id="10" name="Table 9">
-            <a:extLst>
-              <a:ext uri="{FF2B5EF4-FFF2-40B4-BE49-F238E27FC236}">
-                <a16:creationId xmlns:a16="http://schemas.microsoft.com/office/drawing/2014/main" id="{5F0391B8-FC86-9027-B14D-9D77005E8F78}"/>
-              </a:ext>
-            </a:extLst>
-          </p:cNvPr>
-          <p:cNvGraphicFramePr>
-            <a:graphicFrameLocks noGrp="1"/>
-          </p:cNvGraphicFramePr>
-          <p:nvPr>
-            <p:extLst>
-              <p:ext uri="{D42A27DB-BD31-4B8C-83A1-F6EECF244321}">
-                <p14:modId xmlns:p14="http://schemas.microsoft.com/office/powerpoint/2010/main" val="4029947170"/>
-              </p:ext>
-            </p:extLst>
-          </p:nvPr>
-        </p:nvGraphicFramePr>
-        <p:xfrm>
-          <a:off x="356377" y="521944"/>
-          <a:ext cx="6898862" cy="640080"/>
-        </p:xfrm>
-        <a:graphic>
-          <a:graphicData uri="http://schemas.openxmlformats.org/drawingml/2006/table">
-            <a:tbl>
-              <a:tblPr firstRow="1" bandRow="1">
-                <a:tableStyleId>{5C22544A-7EE6-4342-B048-85BDC9FD1C3A}</a:tableStyleId>
-              </a:tblPr>
-              <a:tblGrid>
-                <a:gridCol w="6898862">
-                  <a:extLst>
-                    <a:ext uri="{9D8B030D-6E8A-4147-A177-3AD203B41FA5}">
-                      <a16:colId xmlns:a16="http://schemas.microsoft.com/office/drawing/2014/main" val="477450329"/>
-                    </a:ext>
-                  </a:extLst>
-                </a:gridCol>
-              </a:tblGrid>
-              <a:tr h="370840">
-                <a:tc>
-                  <a:txBody>
-                    <a:bodyPr/>
-                    <a:lstStyle/>
-                    <a:p>
-                      <a:r>
-                        <a:rPr lang="en-US" dirty="0">
-                          <a:solidFill>
-                            <a:schemeClr val="tx1"/>
-                          </a:solidFill>
-                        </a:rPr>
-                        <a:t>Ans :- </a:t>
-                      </a:r>
-                      <a:r>
-                        <a:rPr lang="en-US" b="0" dirty="0">
-                          <a:solidFill>
-                            <a:schemeClr val="accent5">
-                              <a:lumMod val="50000"/>
-                            </a:schemeClr>
-                          </a:solidFill>
-                        </a:rPr>
-                        <a:t>We conclude from the Bar chart COGS by Month name that January tops the list when it comes to generating cost of goods</a:t>
-                      </a:r>
-                    </a:p>
-                  </a:txBody>
-                  <a:tcPr>
-                    <a:noFill/>
-                  </a:tcPr>
-                </a:tc>
-                <a:extLst>
-                  <a:ext uri="{0D108BD9-81ED-4DB2-BD59-A6C34878D82A}">
-                    <a16:rowId xmlns:a16="http://schemas.microsoft.com/office/drawing/2014/main" val="4043177641"/>
-                  </a:ext>
-                </a:extLst>
-              </a:tr>
-            </a:tbl>
-          </a:graphicData>
-        </a:graphic>
-      </p:graphicFrame>
-      <p:sp>
-        <p:nvSpPr>
-          <p:cNvPr id="12" name="TextBox 11">
-            <a:extLst>
-              <a:ext uri="{FF2B5EF4-FFF2-40B4-BE49-F238E27FC236}">
-                <a16:creationId xmlns:a16="http://schemas.microsoft.com/office/drawing/2014/main" id="{50B113EB-CEB7-66A5-B3F0-A4F3A1AE0CDB}"/>
-              </a:ext>
-            </a:extLst>
-          </p:cNvPr>
-          <p:cNvSpPr txBox="1"/>
-          <p:nvPr/>
-        </p:nvSpPr>
-        <p:spPr>
-          <a:xfrm>
-            <a:off x="356377" y="1277640"/>
-            <a:ext cx="6093500" cy="369332"/>
-          </a:xfrm>
-          <a:prstGeom prst="rect">
-            <a:avLst/>
-          </a:prstGeom>
-          <a:noFill/>
-        </p:spPr>
-        <p:txBody>
-          <a:bodyPr wrap="square">
-            <a:spAutoFit/>
-          </a:bodyPr>
-          <a:lstStyle/>
-          <a:p>
-            <a:r>
-              <a:rPr lang="en-US" b="1" i="0" dirty="0">
-                <a:solidFill>
-                  <a:srgbClr val="252423"/>
-                </a:solidFill>
-                <a:effectLst/>
-                <a:latin typeface="Segoe UI" panose="020B0502040204020203" pitchFamily="34" charset="0"/>
-              </a:rPr>
-              <a:t>Q7. Which is the city with largest revenue?</a:t>
-            </a:r>
-            <a:endParaRPr lang="en-US" b="1" dirty="0"/>
-          </a:p>
-        </p:txBody>
-      </p:sp>
-      <p:pic>
-        <p:nvPicPr>
-          <p:cNvPr id="15" name="Picture 14">
-            <a:extLst>
-              <a:ext uri="{FF2B5EF4-FFF2-40B4-BE49-F238E27FC236}">
-                <a16:creationId xmlns:a16="http://schemas.microsoft.com/office/drawing/2014/main" id="{39AF0A3F-8AFD-D6BA-4501-5D964204557D}"/>
-              </a:ext>
-            </a:extLst>
-          </p:cNvPr>
-          <p:cNvPicPr>
-            <a:picLocks noChangeAspect="1"/>
-          </p:cNvPicPr>
-          <p:nvPr/>
-        </p:nvPicPr>
-        <p:blipFill>
-          <a:blip r:embed="rId3">
-            <a:extLst>
-              <a:ext uri="{28A0092B-C50C-407E-A947-70E740481C1C}">
-                <a14:useLocalDpi xmlns:a14="http://schemas.microsoft.com/office/drawing/2010/main" val="0"/>
-              </a:ext>
-            </a:extLst>
-          </a:blip>
-          <a:stretch>
-            <a:fillRect/>
-          </a:stretch>
-        </p:blipFill>
-        <p:spPr>
-          <a:xfrm>
-            <a:off x="7745455" y="2409653"/>
-            <a:ext cx="4252209" cy="2055142"/>
-          </a:xfrm>
-          <a:prstGeom prst="rect">
-            <a:avLst/>
-          </a:prstGeom>
-        </p:spPr>
-      </p:pic>
-      <p:pic>
-        <p:nvPicPr>
-          <p:cNvPr id="17" name="Picture 16">
-            <a:extLst>
-              <a:ext uri="{FF2B5EF4-FFF2-40B4-BE49-F238E27FC236}">
-                <a16:creationId xmlns:a16="http://schemas.microsoft.com/office/drawing/2014/main" id="{6438D5B4-812D-B15D-1181-17AFD17A603D}"/>
-              </a:ext>
-            </a:extLst>
-          </p:cNvPr>
-          <p:cNvPicPr>
-            <a:picLocks noChangeAspect="1"/>
-          </p:cNvPicPr>
-          <p:nvPr/>
-        </p:nvPicPr>
-        <p:blipFill>
-          <a:blip r:embed="rId4">
-            <a:extLst>
-              <a:ext uri="{28A0092B-C50C-407E-A947-70E740481C1C}">
-                <a14:useLocalDpi xmlns:a14="http://schemas.microsoft.com/office/drawing/2010/main" val="0"/>
-              </a:ext>
-            </a:extLst>
-          </a:blip>
-          <a:stretch>
-            <a:fillRect/>
-          </a:stretch>
-        </p:blipFill>
-        <p:spPr>
-          <a:xfrm>
-            <a:off x="303551" y="1762588"/>
-            <a:ext cx="7192274" cy="1850042"/>
-          </a:xfrm>
-          <a:prstGeom prst="rect">
-            <a:avLst/>
-          </a:prstGeom>
-        </p:spPr>
-      </p:pic>
-      <p:sp>
-        <p:nvSpPr>
-          <p:cNvPr id="21" name="TextBox 20">
-            <a:extLst>
-              <a:ext uri="{FF2B5EF4-FFF2-40B4-BE49-F238E27FC236}">
-                <a16:creationId xmlns:a16="http://schemas.microsoft.com/office/drawing/2014/main" id="{06779C23-61A8-28A9-FFF7-D8A4F3F810B9}"/>
-              </a:ext>
-            </a:extLst>
-          </p:cNvPr>
-          <p:cNvSpPr txBox="1"/>
-          <p:nvPr/>
-        </p:nvSpPr>
-        <p:spPr>
-          <a:xfrm>
-            <a:off x="303551" y="3728246"/>
-            <a:ext cx="7300394" cy="1477328"/>
-          </a:xfrm>
-          <a:prstGeom prst="rect">
-            <a:avLst/>
-          </a:prstGeom>
-          <a:noFill/>
-        </p:spPr>
-        <p:txBody>
-          <a:bodyPr wrap="square">
-            <a:spAutoFit/>
-          </a:bodyPr>
-          <a:lstStyle/>
-          <a:p>
-            <a:r>
-              <a:rPr lang="en-US" b="1" dirty="0">
-                <a:solidFill>
-                  <a:srgbClr val="252423"/>
-                </a:solidFill>
-                <a:latin typeface="Segoe UI" panose="020B0502040204020203" pitchFamily="34" charset="0"/>
-              </a:rPr>
-              <a:t>Ans</a:t>
-            </a:r>
-            <a:r>
-              <a:rPr lang="en-US" dirty="0">
-                <a:solidFill>
-                  <a:srgbClr val="252423"/>
-                </a:solidFill>
-                <a:latin typeface="Segoe UI" panose="020B0502040204020203" pitchFamily="34" charset="0"/>
-              </a:rPr>
-              <a:t>. </a:t>
-            </a:r>
-            <a:r>
-              <a:rPr lang="en-US" dirty="0">
-                <a:solidFill>
-                  <a:schemeClr val="accent5">
-                    <a:lumMod val="50000"/>
-                  </a:schemeClr>
-                </a:solidFill>
-              </a:rPr>
-              <a:t>After observing the pie chart for Qty, rev and ratings for product Line we can confirm that Yangon city tops in generating revenue than other cities with 34.41% share and 106.2k of revenue in total revenue generated by all the three cities and the detailed snap shot provides us with the breakdown of the revenue of Yangon city for different product lines .</a:t>
-            </a:r>
-          </a:p>
-        </p:txBody>
-      </p:sp>
-      <p:pic>
-        <p:nvPicPr>
-          <p:cNvPr id="23" name="Picture 22">
-            <a:extLst>
-              <a:ext uri="{FF2B5EF4-FFF2-40B4-BE49-F238E27FC236}">
-                <a16:creationId xmlns:a16="http://schemas.microsoft.com/office/drawing/2014/main" id="{6398ABEA-95EF-45F9-FFB1-613512DE74FE}"/>
-              </a:ext>
-            </a:extLst>
-          </p:cNvPr>
-          <p:cNvPicPr>
-            <a:picLocks noChangeAspect="1"/>
-          </p:cNvPicPr>
-          <p:nvPr/>
-        </p:nvPicPr>
-        <p:blipFill>
-          <a:blip r:embed="rId5">
-            <a:extLst>
-              <a:ext uri="{28A0092B-C50C-407E-A947-70E740481C1C}">
-                <a14:useLocalDpi xmlns:a14="http://schemas.microsoft.com/office/drawing/2010/main" val="0"/>
-              </a:ext>
-            </a:extLst>
-          </a:blip>
-          <a:stretch>
-            <a:fillRect/>
-          </a:stretch>
-        </p:blipFill>
-        <p:spPr>
-          <a:xfrm>
-            <a:off x="10739542" y="2638268"/>
-            <a:ext cx="1305257" cy="1673493"/>
-          </a:xfrm>
-          <a:prstGeom prst="rect">
-            <a:avLst/>
-          </a:prstGeom>
-        </p:spPr>
-      </p:pic>
-      <p:pic>
-        <p:nvPicPr>
-          <p:cNvPr id="25" name="Picture 24">
-            <a:extLst>
-              <a:ext uri="{FF2B5EF4-FFF2-40B4-BE49-F238E27FC236}">
-                <a16:creationId xmlns:a16="http://schemas.microsoft.com/office/drawing/2014/main" id="{9A317214-F00D-F10D-3958-8EC19E8AC9D6}"/>
-              </a:ext>
-            </a:extLst>
-          </p:cNvPr>
-          <p:cNvPicPr>
-            <a:picLocks noChangeAspect="1"/>
-          </p:cNvPicPr>
-          <p:nvPr/>
-        </p:nvPicPr>
-        <p:blipFill>
-          <a:blip r:embed="rId6">
-            <a:extLst>
-              <a:ext uri="{28A0092B-C50C-407E-A947-70E740481C1C}">
-                <a14:useLocalDpi xmlns:a14="http://schemas.microsoft.com/office/drawing/2010/main" val="0"/>
-              </a:ext>
-            </a:extLst>
-          </a:blip>
-          <a:stretch>
-            <a:fillRect/>
-          </a:stretch>
-        </p:blipFill>
-        <p:spPr>
-          <a:xfrm>
-            <a:off x="8098037" y="4464795"/>
-            <a:ext cx="4041137" cy="2208175"/>
-          </a:xfrm>
-          <a:prstGeom prst="rect">
-            <a:avLst/>
-          </a:prstGeom>
-        </p:spPr>
-      </p:pic>
-      <p:pic>
-        <p:nvPicPr>
-          <p:cNvPr id="27" name="Picture 26">
-            <a:extLst>
-              <a:ext uri="{FF2B5EF4-FFF2-40B4-BE49-F238E27FC236}">
-                <a16:creationId xmlns:a16="http://schemas.microsoft.com/office/drawing/2014/main" id="{73F3F8DD-5208-DA00-8D66-EC40F21A1048}"/>
-              </a:ext>
-            </a:extLst>
-          </p:cNvPr>
-          <p:cNvPicPr>
-            <a:picLocks noChangeAspect="1"/>
-          </p:cNvPicPr>
-          <p:nvPr/>
-        </p:nvPicPr>
-        <p:blipFill>
-          <a:blip r:embed="rId7">
-            <a:extLst>
-              <a:ext uri="{28A0092B-C50C-407E-A947-70E740481C1C}">
-                <a14:useLocalDpi xmlns:a14="http://schemas.microsoft.com/office/drawing/2010/main" val="0"/>
-              </a:ext>
-            </a:extLst>
-          </a:blip>
-          <a:stretch>
-            <a:fillRect/>
-          </a:stretch>
-        </p:blipFill>
-        <p:spPr>
-          <a:xfrm>
-            <a:off x="10958647" y="4743908"/>
-            <a:ext cx="1233353" cy="1776029"/>
-          </a:xfrm>
-          <a:prstGeom prst="rect">
-            <a:avLst/>
-          </a:prstGeom>
-        </p:spPr>
-      </p:pic>
-      <p:sp>
-        <p:nvSpPr>
-          <p:cNvPr id="31" name="TextBox 30">
-            <a:extLst>
-              <a:ext uri="{FF2B5EF4-FFF2-40B4-BE49-F238E27FC236}">
-                <a16:creationId xmlns:a16="http://schemas.microsoft.com/office/drawing/2014/main" id="{2608E21B-93EB-396B-AA84-27CED9ED663F}"/>
-              </a:ext>
-            </a:extLst>
-          </p:cNvPr>
-          <p:cNvSpPr txBox="1"/>
-          <p:nvPr/>
-        </p:nvSpPr>
-        <p:spPr>
-          <a:xfrm>
-            <a:off x="303551" y="5690522"/>
-            <a:ext cx="7662479" cy="923330"/>
-          </a:xfrm>
-          <a:prstGeom prst="rect">
-            <a:avLst/>
-          </a:prstGeom>
-          <a:noFill/>
-        </p:spPr>
-        <p:txBody>
-          <a:bodyPr wrap="square">
-            <a:spAutoFit/>
-          </a:bodyPr>
-          <a:lstStyle/>
-          <a:p>
-            <a:pPr algn="l"/>
-            <a:r>
-              <a:rPr lang="en-US" b="1" i="0" dirty="0">
-                <a:solidFill>
-                  <a:srgbClr val="252423"/>
-                </a:solidFill>
-                <a:effectLst/>
-                <a:latin typeface="Segoe UI" panose="020B0502040204020203" pitchFamily="34" charset="0"/>
-              </a:rPr>
-              <a:t>Ans</a:t>
-            </a:r>
-            <a:r>
-              <a:rPr lang="en-US" b="0" i="0" dirty="0">
-                <a:solidFill>
-                  <a:srgbClr val="252423"/>
-                </a:solidFill>
-                <a:effectLst/>
-                <a:latin typeface="Segoe UI" panose="020B0502040204020203" pitchFamily="34" charset="0"/>
-              </a:rPr>
-              <a:t>. </a:t>
-            </a:r>
-            <a:r>
-              <a:rPr lang="en-US" dirty="0">
-                <a:solidFill>
-                  <a:schemeClr val="accent5">
-                    <a:lumMod val="50000"/>
-                  </a:schemeClr>
-                </a:solidFill>
-              </a:rPr>
-              <a:t>Pie chart for Qty, Rev and ratings confirms us that branch A tops the rank in sales of the products  with 33.74 % product volume sold out of the total sales. And the sales by branch A sums to about 1859 qty.</a:t>
-            </a:r>
-          </a:p>
-        </p:txBody>
-      </p:sp>
-      <p:sp>
-        <p:nvSpPr>
-          <p:cNvPr id="33" name="TextBox 32">
-            <a:extLst>
-              <a:ext uri="{FF2B5EF4-FFF2-40B4-BE49-F238E27FC236}">
-                <a16:creationId xmlns:a16="http://schemas.microsoft.com/office/drawing/2014/main" id="{834F7D7A-E3FB-7D81-A55F-A05B7558EDC7}"/>
-              </a:ext>
-            </a:extLst>
-          </p:cNvPr>
-          <p:cNvSpPr txBox="1"/>
-          <p:nvPr/>
-        </p:nvSpPr>
-        <p:spPr>
-          <a:xfrm>
-            <a:off x="303551" y="5321190"/>
-            <a:ext cx="7662479" cy="369332"/>
-          </a:xfrm>
-          <a:prstGeom prst="rect">
-            <a:avLst/>
-          </a:prstGeom>
-          <a:noFill/>
-        </p:spPr>
-        <p:txBody>
-          <a:bodyPr wrap="square">
-            <a:spAutoFit/>
-          </a:bodyPr>
-          <a:lstStyle/>
-          <a:p>
-            <a:pPr algn="l"/>
-            <a:r>
-              <a:rPr lang="en-US" b="1" i="0" dirty="0">
-                <a:solidFill>
-                  <a:srgbClr val="252423"/>
-                </a:solidFill>
-                <a:effectLst/>
-                <a:latin typeface="Segoe UI" panose="020B0502040204020203" pitchFamily="34" charset="0"/>
-              </a:rPr>
-              <a:t>Q10.Which branch sold more products than average product sold? </a:t>
-            </a:r>
-          </a:p>
-        </p:txBody>
-      </p:sp>
-      <p:sp>
-        <p:nvSpPr>
-          <p:cNvPr id="4" name="Slide Number Placeholder 3">
-            <a:extLst>
-              <a:ext uri="{FF2B5EF4-FFF2-40B4-BE49-F238E27FC236}">
-                <a16:creationId xmlns:a16="http://schemas.microsoft.com/office/drawing/2014/main" id="{D0322DFD-3E0B-1396-B125-8EA3D852B40A}"/>
-              </a:ext>
-            </a:extLst>
-          </p:cNvPr>
-          <p:cNvSpPr>
-            <a:spLocks noGrp="1"/>
-          </p:cNvSpPr>
-          <p:nvPr>
-            <p:ph type="sldNum" sz="quarter" idx="12"/>
-          </p:nvPr>
-        </p:nvSpPr>
-        <p:spPr/>
-        <p:txBody>
-          <a:bodyPr/>
-          <a:lstStyle/>
-          <a:p>
-            <a:fld id="{5AECCE9C-A74C-48F0-A7FA-3F28FA7CDF62}" type="slidenum">
-              <a:rPr lang="en-US" smtClean="0"/>
-              <a:t>9</a:t>
-            </a:fld>
-            <a:endParaRPr lang="en-US"/>
-          </a:p>
-        </p:txBody>
-      </p:sp>
-      <p:sp>
-        <p:nvSpPr>
-          <p:cNvPr id="6" name="Footer Placeholder 5">
-            <a:extLst>
-              <a:ext uri="{FF2B5EF4-FFF2-40B4-BE49-F238E27FC236}">
-                <a16:creationId xmlns:a16="http://schemas.microsoft.com/office/drawing/2014/main" id="{08561EBB-9CB1-8C72-BE4E-0D7190A7E9DC}"/>
-              </a:ext>
-            </a:extLst>
-          </p:cNvPr>
-          <p:cNvSpPr>
-            <a:spLocks noGrp="1"/>
-          </p:cNvSpPr>
-          <p:nvPr>
-            <p:ph type="ftr" sz="quarter" idx="11"/>
-          </p:nvPr>
-        </p:nvSpPr>
-        <p:spPr/>
-        <p:txBody>
-          <a:bodyPr/>
-          <a:lstStyle/>
-          <a:p>
-            <a:r>
-              <a:rPr lang="en-US"/>
-              <a:t>Pg.No.</a:t>
-            </a:r>
-          </a:p>
-        </p:txBody>
-      </p:sp>
-    </p:spTree>
-    <p:extLst>
-      <p:ext uri="{BB962C8B-B14F-4D97-AF65-F5344CB8AC3E}">
-        <p14:creationId xmlns:p14="http://schemas.microsoft.com/office/powerpoint/2010/main" val="748272963"/>
-      </p:ext>
-    </p:extLst>
-  </p:cSld>
-  <p:clrMapOvr>
-    <a:masterClrMapping/>
-  </p:clrMapOvr>
-  <p:timing>
-    <p:tnLst>
-      <p:par>
-        <p:cTn id="1" dur="indefinite" restart="never" nodeType="tmRoot">
-          <p:childTnLst>
-            <p:seq concurrent="1" nextAc="seek">
-              <p:cTn id="2" dur="indefinite" nodeType="mainSeq">
-                <p:childTnLst>
-                  <p:par>
-                    <p:cTn id="3" fill="hold">
-                      <p:stCondLst>
-                        <p:cond delay="indefinite"/>
-                      </p:stCondLst>
-                      <p:childTnLst>
-                        <p:par>
-                          <p:cTn id="4" fill="hold">
-                            <p:stCondLst>
-                              <p:cond delay="0"/>
-                            </p:stCondLst>
-                            <p:childTnLst>
-                              <p:par>
-                                <p:cTn id="5" presetID="2" presetClass="entr" presetSubtype="4" fill="hold" grpId="0" nodeType="clickEffect">
-                                  <p:stCondLst>
-                                    <p:cond delay="0"/>
-                                  </p:stCondLst>
-                                  <p:childTnLst>
-                                    <p:set>
-                                      <p:cBhvr>
-                                        <p:cTn id="6" dur="1" fill="hold">
-                                          <p:stCondLst>
-                                            <p:cond delay="0"/>
-                                          </p:stCondLst>
-                                        </p:cTn>
-                                        <p:tgtEl>
-                                          <p:spTgt spid="3"/>
-                                        </p:tgtEl>
-                                        <p:attrNameLst>
-                                          <p:attrName>style.visibility</p:attrName>
-                                        </p:attrNameLst>
-                                      </p:cBhvr>
-                                      <p:to>
-                                        <p:strVal val="visible"/>
-                                      </p:to>
-                                    </p:set>
-                                    <p:anim calcmode="lin" valueType="num">
-                                      <p:cBhvr additive="base">
-                                        <p:cTn id="7" dur="500" fill="hold"/>
-                                        <p:tgtEl>
-                                          <p:spTgt spid="3"/>
-                                        </p:tgtEl>
-                                        <p:attrNameLst>
-                                          <p:attrName>ppt_x</p:attrName>
-                                        </p:attrNameLst>
-                                      </p:cBhvr>
-                                      <p:tavLst>
-                                        <p:tav tm="0">
-                                          <p:val>
-                                            <p:strVal val="#ppt_x"/>
-                                          </p:val>
-                                        </p:tav>
-                                        <p:tav tm="100000">
-                                          <p:val>
-                                            <p:strVal val="#ppt_x"/>
-                                          </p:val>
-                                        </p:tav>
-                                      </p:tavLst>
-                                    </p:anim>
-                                    <p:anim calcmode="lin" valueType="num">
-                                      <p:cBhvr additive="base">
-                                        <p:cTn id="8" dur="500" fill="hold"/>
-                                        <p:tgtEl>
-                                          <p:spTgt spid="3"/>
-                                        </p:tgtEl>
-                                        <p:attrNameLst>
-                                          <p:attrName>ppt_y</p:attrName>
-                                        </p:attrNameLst>
-                                      </p:cBhvr>
-                                      <p:tavLst>
-                                        <p:tav tm="0">
-                                          <p:val>
-                                            <p:strVal val="1+#ppt_h/2"/>
-                                          </p:val>
-                                        </p:tav>
-                                        <p:tav tm="100000">
-                                          <p:val>
-                                            <p:strVal val="#ppt_y"/>
-                                          </p:val>
-                                        </p:tav>
-                                      </p:tavLst>
-                                    </p:anim>
-                                  </p:childTnLst>
-                                </p:cTn>
-                              </p:par>
-                            </p:childTnLst>
-                          </p:cTn>
-                        </p:par>
-                      </p:childTnLst>
-                    </p:cTn>
-                  </p:par>
-                  <p:par>
-                    <p:cTn id="9" fill="hold">
-                      <p:stCondLst>
-                        <p:cond delay="indefinite"/>
-                      </p:stCondLst>
-                      <p:childTnLst>
-                        <p:par>
-                          <p:cTn id="10" fill="hold">
-                            <p:stCondLst>
-                              <p:cond delay="0"/>
-                            </p:stCondLst>
-                            <p:childTnLst>
-                              <p:par>
-                                <p:cTn id="11" presetID="2" presetClass="entr" presetSubtype="4" fill="hold" nodeType="clickEffect">
-                                  <p:stCondLst>
-                                    <p:cond delay="0"/>
-                                  </p:stCondLst>
-                                  <p:childTnLst>
-                                    <p:set>
-                                      <p:cBhvr>
-                                        <p:cTn id="12" dur="1" fill="hold">
-                                          <p:stCondLst>
-                                            <p:cond delay="0"/>
-                                          </p:stCondLst>
-                                        </p:cTn>
-                                        <p:tgtEl>
-                                          <p:spTgt spid="5"/>
-                                        </p:tgtEl>
-                                        <p:attrNameLst>
-                                          <p:attrName>style.visibility</p:attrName>
-                                        </p:attrNameLst>
-                                      </p:cBhvr>
-                                      <p:to>
-                                        <p:strVal val="visible"/>
-                                      </p:to>
-                                    </p:set>
-                                    <p:anim calcmode="lin" valueType="num">
-                                      <p:cBhvr additive="base">
-                                        <p:cTn id="13" dur="500" fill="hold"/>
-                                        <p:tgtEl>
-                                          <p:spTgt spid="5"/>
-                                        </p:tgtEl>
-                                        <p:attrNameLst>
-                                          <p:attrName>ppt_x</p:attrName>
-                                        </p:attrNameLst>
-                                      </p:cBhvr>
-                                      <p:tavLst>
-                                        <p:tav tm="0">
-                                          <p:val>
-                                            <p:strVal val="#ppt_x"/>
-                                          </p:val>
-                                        </p:tav>
-                                        <p:tav tm="100000">
-                                          <p:val>
-                                            <p:strVal val="#ppt_x"/>
-                                          </p:val>
-                                        </p:tav>
-                                      </p:tavLst>
-                                    </p:anim>
-                                    <p:anim calcmode="lin" valueType="num">
-                                      <p:cBhvr additive="base">
-                                        <p:cTn id="14" dur="500" fill="hold"/>
-                                        <p:tgtEl>
-                                          <p:spTgt spid="5"/>
-                                        </p:tgtEl>
-                                        <p:attrNameLst>
-                                          <p:attrName>ppt_y</p:attrName>
-                                        </p:attrNameLst>
-                                      </p:cBhvr>
-                                      <p:tavLst>
-                                        <p:tav tm="0">
-                                          <p:val>
-                                            <p:strVal val="1+#ppt_h/2"/>
-                                          </p:val>
-                                        </p:tav>
-                                        <p:tav tm="100000">
-                                          <p:val>
-                                            <p:strVal val="#ppt_y"/>
-                                          </p:val>
-                                        </p:tav>
-                                      </p:tavLst>
-                                    </p:anim>
-                                  </p:childTnLst>
-                                </p:cTn>
-                              </p:par>
-                            </p:childTnLst>
-                          </p:cTn>
-                        </p:par>
-                      </p:childTnLst>
-                    </p:cTn>
-                  </p:par>
-                  <p:par>
-                    <p:cTn id="15" fill="hold">
-                      <p:stCondLst>
-                        <p:cond delay="indefinite"/>
-                      </p:stCondLst>
-                      <p:childTnLst>
-                        <p:par>
-                          <p:cTn id="16" fill="hold">
-                            <p:stCondLst>
-                              <p:cond delay="0"/>
-                            </p:stCondLst>
-                            <p:childTnLst>
-                              <p:par>
-                                <p:cTn id="17" presetID="2" presetClass="entr" presetSubtype="4" fill="hold" nodeType="clickEffect">
-                                  <p:stCondLst>
-                                    <p:cond delay="0"/>
-                                  </p:stCondLst>
-                                  <p:childTnLst>
-                                    <p:set>
-                                      <p:cBhvr>
-                                        <p:cTn id="18" dur="1" fill="hold">
-                                          <p:stCondLst>
-                                            <p:cond delay="0"/>
-                                          </p:stCondLst>
-                                        </p:cTn>
-                                        <p:tgtEl>
-                                          <p:spTgt spid="10"/>
-                                        </p:tgtEl>
-                                        <p:attrNameLst>
-                                          <p:attrName>style.visibility</p:attrName>
-                                        </p:attrNameLst>
-                                      </p:cBhvr>
-                                      <p:to>
-                                        <p:strVal val="visible"/>
-                                      </p:to>
-                                    </p:set>
-                                    <p:anim calcmode="lin" valueType="num">
-                                      <p:cBhvr additive="base">
-                                        <p:cTn id="19" dur="500" fill="hold"/>
-                                        <p:tgtEl>
-                                          <p:spTgt spid="10"/>
-                                        </p:tgtEl>
-                                        <p:attrNameLst>
-                                          <p:attrName>ppt_x</p:attrName>
-                                        </p:attrNameLst>
-                                      </p:cBhvr>
-                                      <p:tavLst>
-                                        <p:tav tm="0">
-                                          <p:val>
-                                            <p:strVal val="#ppt_x"/>
-                                          </p:val>
-                                        </p:tav>
-                                        <p:tav tm="100000">
-                                          <p:val>
-                                            <p:strVal val="#ppt_x"/>
-                                          </p:val>
-                                        </p:tav>
-                                      </p:tavLst>
-                                    </p:anim>
-                                    <p:anim calcmode="lin" valueType="num">
-                                      <p:cBhvr additive="base">
-                                        <p:cTn id="20" dur="500" fill="hold"/>
-                                        <p:tgtEl>
-                                          <p:spTgt spid="10"/>
-                                        </p:tgtEl>
-                                        <p:attrNameLst>
-                                          <p:attrName>ppt_y</p:attrName>
-                                        </p:attrNameLst>
-                                      </p:cBhvr>
-                                      <p:tavLst>
-                                        <p:tav tm="0">
-                                          <p:val>
-                                            <p:strVal val="1+#ppt_h/2"/>
-                                          </p:val>
-                                        </p:tav>
-                                        <p:tav tm="100000">
-                                          <p:val>
-                                            <p:strVal val="#ppt_y"/>
-                                          </p:val>
-                                        </p:tav>
-                                      </p:tavLst>
-                                    </p:anim>
-                                  </p:childTnLst>
-                                </p:cTn>
-                              </p:par>
-                            </p:childTnLst>
-                          </p:cTn>
-                        </p:par>
-                      </p:childTnLst>
-                    </p:cTn>
-                  </p:par>
-                  <p:par>
-                    <p:cTn id="21" fill="hold">
-                      <p:stCondLst>
-                        <p:cond delay="indefinite"/>
-                      </p:stCondLst>
-                      <p:childTnLst>
-                        <p:par>
-                          <p:cTn id="22" fill="hold">
-                            <p:stCondLst>
-                              <p:cond delay="0"/>
-                            </p:stCondLst>
-                            <p:childTnLst>
-                              <p:par>
-                                <p:cTn id="23" presetID="2" presetClass="entr" presetSubtype="4" fill="hold" grpId="0" nodeType="clickEffect">
-                                  <p:stCondLst>
-                                    <p:cond delay="0"/>
-                                  </p:stCondLst>
-                                  <p:childTnLst>
-                                    <p:set>
-                                      <p:cBhvr>
-                                        <p:cTn id="24" dur="1" fill="hold">
-                                          <p:stCondLst>
-                                            <p:cond delay="0"/>
-                                          </p:stCondLst>
-                                        </p:cTn>
-                                        <p:tgtEl>
-                                          <p:spTgt spid="12"/>
-                                        </p:tgtEl>
-                                        <p:attrNameLst>
-                                          <p:attrName>style.visibility</p:attrName>
-                                        </p:attrNameLst>
-                                      </p:cBhvr>
-                                      <p:to>
-                                        <p:strVal val="visible"/>
-                                      </p:to>
-                                    </p:set>
-                                    <p:anim calcmode="lin" valueType="num">
-                                      <p:cBhvr additive="base">
-                                        <p:cTn id="25" dur="500" fill="hold"/>
-                                        <p:tgtEl>
-                                          <p:spTgt spid="12"/>
-                                        </p:tgtEl>
-                                        <p:attrNameLst>
-                                          <p:attrName>ppt_x</p:attrName>
-                                        </p:attrNameLst>
-                                      </p:cBhvr>
-                                      <p:tavLst>
-                                        <p:tav tm="0">
-                                          <p:val>
-                                            <p:strVal val="#ppt_x"/>
-                                          </p:val>
-                                        </p:tav>
-                                        <p:tav tm="100000">
-                                          <p:val>
-                                            <p:strVal val="#ppt_x"/>
-                                          </p:val>
-                                        </p:tav>
-                                      </p:tavLst>
-                                    </p:anim>
-                                    <p:anim calcmode="lin" valueType="num">
-                                      <p:cBhvr additive="base">
-                                        <p:cTn id="26" dur="500" fill="hold"/>
-                                        <p:tgtEl>
-                                          <p:spTgt spid="12"/>
-                                        </p:tgtEl>
-                                        <p:attrNameLst>
-                                          <p:attrName>ppt_y</p:attrName>
-                                        </p:attrNameLst>
-                                      </p:cBhvr>
-                                      <p:tavLst>
-                                        <p:tav tm="0">
-                                          <p:val>
-                                            <p:strVal val="1+#ppt_h/2"/>
-                                          </p:val>
-                                        </p:tav>
-                                        <p:tav tm="100000">
-                                          <p:val>
-                                            <p:strVal val="#ppt_y"/>
-                                          </p:val>
-                                        </p:tav>
-                                      </p:tavLst>
-                                    </p:anim>
-                                  </p:childTnLst>
-                                </p:cTn>
-                              </p:par>
-                            </p:childTnLst>
-                          </p:cTn>
-                        </p:par>
-                      </p:childTnLst>
-                    </p:cTn>
-                  </p:par>
-                  <p:par>
-                    <p:cTn id="27" fill="hold">
-                      <p:stCondLst>
-                        <p:cond delay="indefinite"/>
-                      </p:stCondLst>
-                      <p:childTnLst>
-                        <p:par>
-                          <p:cTn id="28" fill="hold">
-                            <p:stCondLst>
-                              <p:cond delay="0"/>
-                            </p:stCondLst>
-                            <p:childTnLst>
-                              <p:par>
-                                <p:cTn id="29" presetID="2" presetClass="entr" presetSubtype="4" fill="hold" nodeType="clickEffect">
-                                  <p:stCondLst>
-                                    <p:cond delay="0"/>
-                                  </p:stCondLst>
-                                  <p:childTnLst>
-                                    <p:set>
-                                      <p:cBhvr>
-                                        <p:cTn id="30" dur="1" fill="hold">
-                                          <p:stCondLst>
-                                            <p:cond delay="0"/>
-                                          </p:stCondLst>
-                                        </p:cTn>
-                                        <p:tgtEl>
-                                          <p:spTgt spid="15"/>
-                                        </p:tgtEl>
-                                        <p:attrNameLst>
-                                          <p:attrName>style.visibility</p:attrName>
-                                        </p:attrNameLst>
-                                      </p:cBhvr>
-                                      <p:to>
-                                        <p:strVal val="visible"/>
-                                      </p:to>
-                                    </p:set>
-                                    <p:anim calcmode="lin" valueType="num">
-                                      <p:cBhvr additive="base">
-                                        <p:cTn id="31" dur="500" fill="hold"/>
-                                        <p:tgtEl>
-                                          <p:spTgt spid="15"/>
-                                        </p:tgtEl>
-                                        <p:attrNameLst>
-                                          <p:attrName>ppt_x</p:attrName>
-                                        </p:attrNameLst>
-                                      </p:cBhvr>
-                                      <p:tavLst>
-                                        <p:tav tm="0">
-                                          <p:val>
-                                            <p:strVal val="#ppt_x"/>
-                                          </p:val>
-                                        </p:tav>
-                                        <p:tav tm="100000">
-                                          <p:val>
-                                            <p:strVal val="#ppt_x"/>
-                                          </p:val>
-                                        </p:tav>
-                                      </p:tavLst>
-                                    </p:anim>
-                                    <p:anim calcmode="lin" valueType="num">
-                                      <p:cBhvr additive="base">
-                                        <p:cTn id="32" dur="500" fill="hold"/>
-                                        <p:tgtEl>
-                                          <p:spTgt spid="15"/>
-                                        </p:tgtEl>
-                                        <p:attrNameLst>
-                                          <p:attrName>ppt_y</p:attrName>
-                                        </p:attrNameLst>
-                                      </p:cBhvr>
-                                      <p:tavLst>
-                                        <p:tav tm="0">
-                                          <p:val>
-                                            <p:strVal val="1+#ppt_h/2"/>
-                                          </p:val>
-                                        </p:tav>
-                                        <p:tav tm="100000">
-                                          <p:val>
-                                            <p:strVal val="#ppt_y"/>
-                                          </p:val>
-                                        </p:tav>
-                                      </p:tavLst>
-                                    </p:anim>
-                                  </p:childTnLst>
-                                </p:cTn>
-                              </p:par>
-                            </p:childTnLst>
-                          </p:cTn>
-                        </p:par>
-                      </p:childTnLst>
-                    </p:cTn>
-                  </p:par>
-                  <p:par>
-                    <p:cTn id="33" fill="hold">
-                      <p:stCondLst>
-                        <p:cond delay="indefinite"/>
-                      </p:stCondLst>
-                      <p:childTnLst>
-                        <p:par>
-                          <p:cTn id="34" fill="hold">
-                            <p:stCondLst>
-                              <p:cond delay="0"/>
-                            </p:stCondLst>
-                            <p:childTnLst>
-                              <p:par>
-                                <p:cTn id="35" presetID="2" presetClass="entr" presetSubtype="4" fill="hold" nodeType="clickEffect">
-                                  <p:stCondLst>
-                                    <p:cond delay="0"/>
-                                  </p:stCondLst>
-                                  <p:childTnLst>
-                                    <p:set>
-                                      <p:cBhvr>
-                                        <p:cTn id="36" dur="1" fill="hold">
-                                          <p:stCondLst>
-                                            <p:cond delay="0"/>
-                                          </p:stCondLst>
-                                        </p:cTn>
-                                        <p:tgtEl>
-                                          <p:spTgt spid="23"/>
-                                        </p:tgtEl>
-                                        <p:attrNameLst>
-                                          <p:attrName>style.visibility</p:attrName>
-                                        </p:attrNameLst>
-                                      </p:cBhvr>
-                                      <p:to>
-                                        <p:strVal val="visible"/>
-                                      </p:to>
-                                    </p:set>
-                                    <p:anim calcmode="lin" valueType="num">
-                                      <p:cBhvr additive="base">
-                                        <p:cTn id="37" dur="500" fill="hold"/>
-                                        <p:tgtEl>
-                                          <p:spTgt spid="23"/>
-                                        </p:tgtEl>
-                                        <p:attrNameLst>
-                                          <p:attrName>ppt_x</p:attrName>
-                                        </p:attrNameLst>
-                                      </p:cBhvr>
-                                      <p:tavLst>
-                                        <p:tav tm="0">
-                                          <p:val>
-                                            <p:strVal val="#ppt_x"/>
-                                          </p:val>
-                                        </p:tav>
-                                        <p:tav tm="100000">
-                                          <p:val>
-                                            <p:strVal val="#ppt_x"/>
-                                          </p:val>
-                                        </p:tav>
-                                      </p:tavLst>
-                                    </p:anim>
-                                    <p:anim calcmode="lin" valueType="num">
-                                      <p:cBhvr additive="base">
-                                        <p:cTn id="38" dur="500" fill="hold"/>
-                                        <p:tgtEl>
-                                          <p:spTgt spid="23"/>
-                                        </p:tgtEl>
-                                        <p:attrNameLst>
-                                          <p:attrName>ppt_y</p:attrName>
-                                        </p:attrNameLst>
-                                      </p:cBhvr>
-                                      <p:tavLst>
-                                        <p:tav tm="0">
-                                          <p:val>
-                                            <p:strVal val="1+#ppt_h/2"/>
-                                          </p:val>
-                                        </p:tav>
-                                        <p:tav tm="100000">
-                                          <p:val>
-                                            <p:strVal val="#ppt_y"/>
-                                          </p:val>
-                                        </p:tav>
-                                      </p:tavLst>
-                                    </p:anim>
-                                  </p:childTnLst>
-                                </p:cTn>
-                              </p:par>
-                            </p:childTnLst>
-                          </p:cTn>
-                        </p:par>
-                      </p:childTnLst>
-                    </p:cTn>
-                  </p:par>
-                  <p:par>
-                    <p:cTn id="39" fill="hold">
-                      <p:stCondLst>
-                        <p:cond delay="indefinite"/>
-                      </p:stCondLst>
-                      <p:childTnLst>
-                        <p:par>
-                          <p:cTn id="40" fill="hold">
-                            <p:stCondLst>
-                              <p:cond delay="0"/>
-                            </p:stCondLst>
-                            <p:childTnLst>
-                              <p:par>
-                                <p:cTn id="41" presetID="2" presetClass="entr" presetSubtype="4" fill="hold" nodeType="clickEffect">
-                                  <p:stCondLst>
-                                    <p:cond delay="0"/>
-                                  </p:stCondLst>
-                                  <p:childTnLst>
-                                    <p:set>
-                                      <p:cBhvr>
-                                        <p:cTn id="42" dur="1" fill="hold">
-                                          <p:stCondLst>
-                                            <p:cond delay="0"/>
-                                          </p:stCondLst>
-                                        </p:cTn>
-                                        <p:tgtEl>
-                                          <p:spTgt spid="17"/>
-                                        </p:tgtEl>
-                                        <p:attrNameLst>
-                                          <p:attrName>style.visibility</p:attrName>
-                                        </p:attrNameLst>
-                                      </p:cBhvr>
-                                      <p:to>
-                                        <p:strVal val="visible"/>
-                                      </p:to>
-                                    </p:set>
-                                    <p:anim calcmode="lin" valueType="num">
-                                      <p:cBhvr additive="base">
-                                        <p:cTn id="43" dur="500" fill="hold"/>
-                                        <p:tgtEl>
-                                          <p:spTgt spid="17"/>
-                                        </p:tgtEl>
-                                        <p:attrNameLst>
-                                          <p:attrName>ppt_x</p:attrName>
-                                        </p:attrNameLst>
-                                      </p:cBhvr>
-                                      <p:tavLst>
-                                        <p:tav tm="0">
-                                          <p:val>
-                                            <p:strVal val="#ppt_x"/>
-                                          </p:val>
-                                        </p:tav>
-                                        <p:tav tm="100000">
-                                          <p:val>
-                                            <p:strVal val="#ppt_x"/>
-                                          </p:val>
-                                        </p:tav>
-                                      </p:tavLst>
-                                    </p:anim>
-                                    <p:anim calcmode="lin" valueType="num">
-                                      <p:cBhvr additive="base">
-                                        <p:cTn id="44" dur="500" fill="hold"/>
-                                        <p:tgtEl>
-                                          <p:spTgt spid="17"/>
-                                        </p:tgtEl>
-                                        <p:attrNameLst>
-                                          <p:attrName>ppt_y</p:attrName>
-                                        </p:attrNameLst>
-                                      </p:cBhvr>
-                                      <p:tavLst>
-                                        <p:tav tm="0">
-                                          <p:val>
-                                            <p:strVal val="1+#ppt_h/2"/>
-                                          </p:val>
-                                        </p:tav>
-                                        <p:tav tm="100000">
-                                          <p:val>
-                                            <p:strVal val="#ppt_y"/>
-                                          </p:val>
-                                        </p:tav>
-                                      </p:tavLst>
-                                    </p:anim>
-                                  </p:childTnLst>
-                                </p:cTn>
-                              </p:par>
-                            </p:childTnLst>
-                          </p:cTn>
-                        </p:par>
-                      </p:childTnLst>
-                    </p:cTn>
-                  </p:par>
-                  <p:par>
-                    <p:cTn id="45" fill="hold">
-                      <p:stCondLst>
-                        <p:cond delay="indefinite"/>
-                      </p:stCondLst>
-                      <p:childTnLst>
-                        <p:par>
-                          <p:cTn id="46" fill="hold">
-                            <p:stCondLst>
-                              <p:cond delay="0"/>
-                            </p:stCondLst>
-                            <p:childTnLst>
-                              <p:par>
-                                <p:cTn id="47" presetID="2" presetClass="entr" presetSubtype="4" fill="hold" grpId="0" nodeType="clickEffect">
-                                  <p:stCondLst>
-                                    <p:cond delay="0"/>
-                                  </p:stCondLst>
-                                  <p:childTnLst>
-                                    <p:set>
-                                      <p:cBhvr>
-                                        <p:cTn id="48" dur="1" fill="hold">
-                                          <p:stCondLst>
-                                            <p:cond delay="0"/>
-                                          </p:stCondLst>
-                                        </p:cTn>
-                                        <p:tgtEl>
-                                          <p:spTgt spid="21"/>
-                                        </p:tgtEl>
-                                        <p:attrNameLst>
-                                          <p:attrName>style.visibility</p:attrName>
-                                        </p:attrNameLst>
-                                      </p:cBhvr>
-                                      <p:to>
-                                        <p:strVal val="visible"/>
-                                      </p:to>
-                                    </p:set>
-                                    <p:anim calcmode="lin" valueType="num">
-                                      <p:cBhvr additive="base">
-                                        <p:cTn id="49" dur="500" fill="hold"/>
-                                        <p:tgtEl>
-                                          <p:spTgt spid="21"/>
-                                        </p:tgtEl>
-                                        <p:attrNameLst>
-                                          <p:attrName>ppt_x</p:attrName>
-                                        </p:attrNameLst>
-                                      </p:cBhvr>
-                                      <p:tavLst>
-                                        <p:tav tm="0">
-                                          <p:val>
-                                            <p:strVal val="#ppt_x"/>
-                                          </p:val>
-                                        </p:tav>
-                                        <p:tav tm="100000">
-                                          <p:val>
-                                            <p:strVal val="#ppt_x"/>
-                                          </p:val>
-                                        </p:tav>
-                                      </p:tavLst>
-                                    </p:anim>
-                                    <p:anim calcmode="lin" valueType="num">
-                                      <p:cBhvr additive="base">
-                                        <p:cTn id="50" dur="500" fill="hold"/>
-                                        <p:tgtEl>
-                                          <p:spTgt spid="21"/>
-                                        </p:tgtEl>
-                                        <p:attrNameLst>
-                                          <p:attrName>ppt_y</p:attrName>
-                                        </p:attrNameLst>
-                                      </p:cBhvr>
-                                      <p:tavLst>
-                                        <p:tav tm="0">
-                                          <p:val>
-                                            <p:strVal val="1+#ppt_h/2"/>
-                                          </p:val>
-                                        </p:tav>
-                                        <p:tav tm="100000">
-                                          <p:val>
-                                            <p:strVal val="#ppt_y"/>
-                                          </p:val>
-                                        </p:tav>
-                                      </p:tavLst>
-                                    </p:anim>
-                                  </p:childTnLst>
-                                </p:cTn>
-                              </p:par>
-                            </p:childTnLst>
-                          </p:cTn>
-                        </p:par>
-                      </p:childTnLst>
-                    </p:cTn>
-                  </p:par>
-                  <p:par>
-                    <p:cTn id="51" fill="hold">
-                      <p:stCondLst>
-                        <p:cond delay="indefinite"/>
-                      </p:stCondLst>
-                      <p:childTnLst>
-                        <p:par>
-                          <p:cTn id="52" fill="hold">
-                            <p:stCondLst>
-                              <p:cond delay="0"/>
-                            </p:stCondLst>
-                            <p:childTnLst>
-                              <p:par>
-                                <p:cTn id="53" presetID="2" presetClass="entr" presetSubtype="4" fill="hold" grpId="0" nodeType="clickEffect">
-                                  <p:stCondLst>
-                                    <p:cond delay="0"/>
-                                  </p:stCondLst>
-                                  <p:childTnLst>
-                                    <p:set>
-                                      <p:cBhvr>
-                                        <p:cTn id="54" dur="1" fill="hold">
-                                          <p:stCondLst>
-                                            <p:cond delay="0"/>
-                                          </p:stCondLst>
-                                        </p:cTn>
-                                        <p:tgtEl>
-                                          <p:spTgt spid="33"/>
-                                        </p:tgtEl>
-                                        <p:attrNameLst>
-                                          <p:attrName>style.visibility</p:attrName>
-                                        </p:attrNameLst>
-                                      </p:cBhvr>
-                                      <p:to>
-                                        <p:strVal val="visible"/>
-                                      </p:to>
-                                    </p:set>
-                                    <p:anim calcmode="lin" valueType="num">
-                                      <p:cBhvr additive="base">
-                                        <p:cTn id="55" dur="500" fill="hold"/>
-                                        <p:tgtEl>
-                                          <p:spTgt spid="33"/>
-                                        </p:tgtEl>
-                                        <p:attrNameLst>
-                                          <p:attrName>ppt_x</p:attrName>
-                                        </p:attrNameLst>
-                                      </p:cBhvr>
-                                      <p:tavLst>
-                                        <p:tav tm="0">
-                                          <p:val>
-                                            <p:strVal val="#ppt_x"/>
-                                          </p:val>
-                                        </p:tav>
-                                        <p:tav tm="100000">
-                                          <p:val>
-                                            <p:strVal val="#ppt_x"/>
-                                          </p:val>
-                                        </p:tav>
-                                      </p:tavLst>
-                                    </p:anim>
-                                    <p:anim calcmode="lin" valueType="num">
-                                      <p:cBhvr additive="base">
-                                        <p:cTn id="56" dur="500" fill="hold"/>
-                                        <p:tgtEl>
-                                          <p:spTgt spid="33"/>
-                                        </p:tgtEl>
-                                        <p:attrNameLst>
-                                          <p:attrName>ppt_y</p:attrName>
-                                        </p:attrNameLst>
-                                      </p:cBhvr>
-                                      <p:tavLst>
-                                        <p:tav tm="0">
-                                          <p:val>
-                                            <p:strVal val="1+#ppt_h/2"/>
-                                          </p:val>
-                                        </p:tav>
-                                        <p:tav tm="100000">
-                                          <p:val>
-                                            <p:strVal val="#ppt_y"/>
-                                          </p:val>
-                                        </p:tav>
-                                      </p:tavLst>
-                                    </p:anim>
-                                  </p:childTnLst>
-                                </p:cTn>
-                              </p:par>
-                            </p:childTnLst>
-                          </p:cTn>
-                        </p:par>
-                      </p:childTnLst>
-                    </p:cTn>
-                  </p:par>
-                  <p:par>
-                    <p:cTn id="57" fill="hold">
-                      <p:stCondLst>
-                        <p:cond delay="indefinite"/>
-                      </p:stCondLst>
-                      <p:childTnLst>
-                        <p:par>
-                          <p:cTn id="58" fill="hold">
-                            <p:stCondLst>
-                              <p:cond delay="0"/>
-                            </p:stCondLst>
-                            <p:childTnLst>
-                              <p:par>
-                                <p:cTn id="59" presetID="2" presetClass="entr" presetSubtype="4" fill="hold" nodeType="clickEffect">
-                                  <p:stCondLst>
-                                    <p:cond delay="0"/>
-                                  </p:stCondLst>
-                                  <p:childTnLst>
-                                    <p:set>
-                                      <p:cBhvr>
-                                        <p:cTn id="60" dur="1" fill="hold">
-                                          <p:stCondLst>
-                                            <p:cond delay="0"/>
-                                          </p:stCondLst>
-                                        </p:cTn>
-                                        <p:tgtEl>
-                                          <p:spTgt spid="25"/>
-                                        </p:tgtEl>
-                                        <p:attrNameLst>
-                                          <p:attrName>style.visibility</p:attrName>
-                                        </p:attrNameLst>
-                                      </p:cBhvr>
-                                      <p:to>
-                                        <p:strVal val="visible"/>
-                                      </p:to>
-                                    </p:set>
-                                    <p:anim calcmode="lin" valueType="num">
-                                      <p:cBhvr additive="base">
-                                        <p:cTn id="61" dur="500" fill="hold"/>
-                                        <p:tgtEl>
-                                          <p:spTgt spid="25"/>
-                                        </p:tgtEl>
-                                        <p:attrNameLst>
-                                          <p:attrName>ppt_x</p:attrName>
-                                        </p:attrNameLst>
-                                      </p:cBhvr>
-                                      <p:tavLst>
-                                        <p:tav tm="0">
-                                          <p:val>
-                                            <p:strVal val="#ppt_x"/>
-                                          </p:val>
-                                        </p:tav>
-                                        <p:tav tm="100000">
-                                          <p:val>
-                                            <p:strVal val="#ppt_x"/>
-                                          </p:val>
-                                        </p:tav>
-                                      </p:tavLst>
-                                    </p:anim>
-                                    <p:anim calcmode="lin" valueType="num">
-                                      <p:cBhvr additive="base">
-                                        <p:cTn id="62" dur="500" fill="hold"/>
-                                        <p:tgtEl>
-                                          <p:spTgt spid="25"/>
-                                        </p:tgtEl>
-                                        <p:attrNameLst>
-                                          <p:attrName>ppt_y</p:attrName>
-                                        </p:attrNameLst>
-                                      </p:cBhvr>
-                                      <p:tavLst>
-                                        <p:tav tm="0">
-                                          <p:val>
-                                            <p:strVal val="1+#ppt_h/2"/>
-                                          </p:val>
-                                        </p:tav>
-                                        <p:tav tm="100000">
-                                          <p:val>
-                                            <p:strVal val="#ppt_y"/>
-                                          </p:val>
-                                        </p:tav>
-                                      </p:tavLst>
-                                    </p:anim>
-                                  </p:childTnLst>
-                                </p:cTn>
-                              </p:par>
-                            </p:childTnLst>
-                          </p:cTn>
-                        </p:par>
-                      </p:childTnLst>
-                    </p:cTn>
-                  </p:par>
-                  <p:par>
-                    <p:cTn id="63" fill="hold">
-                      <p:stCondLst>
-                        <p:cond delay="indefinite"/>
-                      </p:stCondLst>
-                      <p:childTnLst>
-                        <p:par>
-                          <p:cTn id="64" fill="hold">
-                            <p:stCondLst>
-                              <p:cond delay="0"/>
-                            </p:stCondLst>
-                            <p:childTnLst>
-                              <p:par>
-                                <p:cTn id="65" presetID="2" presetClass="entr" presetSubtype="4" fill="hold" nodeType="clickEffect">
-                                  <p:stCondLst>
-                                    <p:cond delay="0"/>
-                                  </p:stCondLst>
-                                  <p:childTnLst>
-                                    <p:set>
-                                      <p:cBhvr>
-                                        <p:cTn id="66" dur="1" fill="hold">
-                                          <p:stCondLst>
-                                            <p:cond delay="0"/>
-                                          </p:stCondLst>
-                                        </p:cTn>
-                                        <p:tgtEl>
-                                          <p:spTgt spid="27"/>
-                                        </p:tgtEl>
-                                        <p:attrNameLst>
-                                          <p:attrName>style.visibility</p:attrName>
-                                        </p:attrNameLst>
-                                      </p:cBhvr>
-                                      <p:to>
-                                        <p:strVal val="visible"/>
-                                      </p:to>
-                                    </p:set>
-                                    <p:anim calcmode="lin" valueType="num">
-                                      <p:cBhvr additive="base">
-                                        <p:cTn id="67" dur="500" fill="hold"/>
-                                        <p:tgtEl>
-                                          <p:spTgt spid="27"/>
-                                        </p:tgtEl>
-                                        <p:attrNameLst>
-                                          <p:attrName>ppt_x</p:attrName>
-                                        </p:attrNameLst>
-                                      </p:cBhvr>
-                                      <p:tavLst>
-                                        <p:tav tm="0">
-                                          <p:val>
-                                            <p:strVal val="#ppt_x"/>
-                                          </p:val>
-                                        </p:tav>
-                                        <p:tav tm="100000">
-                                          <p:val>
-                                            <p:strVal val="#ppt_x"/>
-                                          </p:val>
-                                        </p:tav>
-                                      </p:tavLst>
-                                    </p:anim>
-                                    <p:anim calcmode="lin" valueType="num">
-                                      <p:cBhvr additive="base">
-                                        <p:cTn id="68" dur="500" fill="hold"/>
-                                        <p:tgtEl>
-                                          <p:spTgt spid="27"/>
-                                        </p:tgtEl>
-                                        <p:attrNameLst>
-                                          <p:attrName>ppt_y</p:attrName>
-                                        </p:attrNameLst>
-                                      </p:cBhvr>
-                                      <p:tavLst>
-                                        <p:tav tm="0">
-                                          <p:val>
-                                            <p:strVal val="1+#ppt_h/2"/>
-                                          </p:val>
-                                        </p:tav>
-                                        <p:tav tm="100000">
-                                          <p:val>
-                                            <p:strVal val="#ppt_y"/>
-                                          </p:val>
-                                        </p:tav>
-                                      </p:tavLst>
-                                    </p:anim>
-                                  </p:childTnLst>
-                                </p:cTn>
-                              </p:par>
-                            </p:childTnLst>
-                          </p:cTn>
-                        </p:par>
-                      </p:childTnLst>
-                    </p:cTn>
-                  </p:par>
-                  <p:par>
-                    <p:cTn id="69" fill="hold">
-                      <p:stCondLst>
-                        <p:cond delay="indefinite"/>
-                      </p:stCondLst>
-                      <p:childTnLst>
-                        <p:par>
-                          <p:cTn id="70" fill="hold">
-                            <p:stCondLst>
-                              <p:cond delay="0"/>
-                            </p:stCondLst>
-                            <p:childTnLst>
-                              <p:par>
-                                <p:cTn id="71" presetID="2" presetClass="entr" presetSubtype="4" fill="hold" grpId="0" nodeType="clickEffect">
-                                  <p:stCondLst>
-                                    <p:cond delay="0"/>
-                                  </p:stCondLst>
-                                  <p:childTnLst>
-                                    <p:set>
-                                      <p:cBhvr>
-                                        <p:cTn id="72" dur="1" fill="hold">
-                                          <p:stCondLst>
-                                            <p:cond delay="0"/>
-                                          </p:stCondLst>
-                                        </p:cTn>
-                                        <p:tgtEl>
-                                          <p:spTgt spid="31"/>
-                                        </p:tgtEl>
-                                        <p:attrNameLst>
-                                          <p:attrName>style.visibility</p:attrName>
-                                        </p:attrNameLst>
-                                      </p:cBhvr>
-                                      <p:to>
-                                        <p:strVal val="visible"/>
-                                      </p:to>
-                                    </p:set>
-                                    <p:anim calcmode="lin" valueType="num">
-                                      <p:cBhvr additive="base">
-                                        <p:cTn id="73" dur="500" fill="hold"/>
-                                        <p:tgtEl>
-                                          <p:spTgt spid="31"/>
-                                        </p:tgtEl>
-                                        <p:attrNameLst>
-                                          <p:attrName>ppt_x</p:attrName>
-                                        </p:attrNameLst>
-                                      </p:cBhvr>
-                                      <p:tavLst>
-                                        <p:tav tm="0">
-                                          <p:val>
-                                            <p:strVal val="#ppt_x"/>
-                                          </p:val>
-                                        </p:tav>
-                                        <p:tav tm="100000">
-                                          <p:val>
-                                            <p:strVal val="#ppt_x"/>
-                                          </p:val>
-                                        </p:tav>
-                                      </p:tavLst>
-                                    </p:anim>
-                                    <p:anim calcmode="lin" valueType="num">
-                                      <p:cBhvr additive="base">
-                                        <p:cTn id="74" dur="500" fill="hold"/>
-                                        <p:tgtEl>
-                                          <p:spTgt spid="31"/>
-                                        </p:tgtEl>
-                                        <p:attrNameLst>
-                                          <p:attrName>ppt_y</p:attrName>
-                                        </p:attrNameLst>
-                                      </p:cBhvr>
-                                      <p:tavLst>
-                                        <p:tav tm="0">
-                                          <p:val>
-                                            <p:strVal val="1+#ppt_h/2"/>
-                                          </p:val>
-                                        </p:tav>
-                                        <p:tav tm="100000">
-                                          <p:val>
-                                            <p:strVal val="#ppt_y"/>
-                                          </p:val>
-                                        </p:tav>
-                                      </p:tavLst>
-                                    </p:anim>
-                                  </p:childTnLst>
-                                </p:cTn>
-                              </p:par>
-                            </p:childTnLst>
-                          </p:cTn>
-                        </p:par>
-                      </p:childTnLst>
-                    </p:cTn>
-                  </p:par>
-                </p:childTnLst>
-              </p:cTn>
-              <p:prevCondLst>
-                <p:cond evt="onPrev" delay="0">
-                  <p:tgtEl>
-                    <p:sldTgt/>
-                  </p:tgtEl>
-                </p:cond>
-              </p:prevCondLst>
-              <p:nextCondLst>
-                <p:cond evt="onNext" delay="0">
-                  <p:tgtEl>
-                    <p:sldTgt/>
-                  </p:tgtEl>
-                </p:cond>
-              </p:nextCondLst>
-            </p:seq>
-          </p:childTnLst>
-        </p:cTn>
-      </p:par>
-    </p:tnLst>
-    <p:bldLst>
-      <p:bldP spid="3" grpId="0"/>
-      <p:bldP spid="12" grpId="0"/>
-      <p:bldP spid="21" grpId="0"/>
-      <p:bldP spid="31" grpId="0"/>
-      <p:bldP spid="33" grpId="0"/>
     </p:bldLst>
   </p:timing>
 </p:sld>
